--- a/Presentations/Communication Slides.pptx
+++ b/Presentations/Communication Slides.pptx
@@ -5,22 +5,27 @@
     <p:sldMasterId id="2147483749" r:id="rId1"/>
   </p:sldMasterIdLst>
   <p:notesMasterIdLst>
-    <p:notesMasterId r:id="rId10"/>
+    <p:notesMasterId r:id="rId15"/>
   </p:notesMasterIdLst>
   <p:sldIdLst>
     <p:sldId id="265" r:id="rId2"/>
-    <p:sldId id="264" r:id="rId3"/>
-    <p:sldId id="266" r:id="rId4"/>
-    <p:sldId id="260" r:id="rId5"/>
-    <p:sldId id="261" r:id="rId6"/>
-    <p:sldId id="262" r:id="rId7"/>
-    <p:sldId id="263" r:id="rId8"/>
-    <p:sldId id="259" r:id="rId9"/>
+    <p:sldId id="270" r:id="rId3"/>
+    <p:sldId id="268" r:id="rId4"/>
+    <p:sldId id="264" r:id="rId5"/>
+    <p:sldId id="266" r:id="rId6"/>
+    <p:sldId id="260" r:id="rId7"/>
+    <p:sldId id="262" r:id="rId8"/>
+    <p:sldId id="267" r:id="rId9"/>
+    <p:sldId id="272" r:id="rId10"/>
+    <p:sldId id="269" r:id="rId11"/>
+    <p:sldId id="261" r:id="rId12"/>
+    <p:sldId id="271" r:id="rId13"/>
+    <p:sldId id="259" r:id="rId14"/>
   </p:sldIdLst>
   <p:sldSz cx="12192000" cy="6858000"/>
   <p:notesSz cx="6858000" cy="9144000"/>
   <p:custDataLst>
-    <p:tags r:id="rId11"/>
+    <p:tags r:id="rId16"/>
   </p:custDataLst>
   <p:defaultTextStyle>
     <a:defPPr>
@@ -117,13 +122,19 @@
       </a:defRPr>
     </a:lvl9pPr>
   </p:defaultTextStyle>
+  <p:extLst>
+    <p:ext uri="{EFAFB233-063F-42B5-8137-9DF3F51BA10A}">
+      <p15:sldGuideLst xmlns:p15="http://schemas.microsoft.com/office/powerpoint/2012/main"/>
+    </p:ext>
+  </p:extLst>
 </p:presentation>
 </file>
 
 <file path=ppt/revisionInfo.xml><?xml version="1.0" encoding="utf-8"?>
 <p1510:revInfo xmlns:a="http://schemas.openxmlformats.org/drawingml/2006/main" xmlns:r="http://schemas.openxmlformats.org/officeDocument/2006/relationships" xmlns:p1510="http://schemas.microsoft.com/office/powerpoint/2015/10/main">
   <p1510:revLst>
-    <p1510:client id="{ADF009D5-FBE6-4827-A03D-F56D48764499}" v="236" dt="2025-04-30T23:39:50.458"/>
+    <p1510:client id="{45B610A4-2502-4A95-89BC-88A37FF22837}" v="85" dt="2025-07-09T19:17:08.721"/>
+    <p1510:client id="{D8C37E05-0718-4516-99B7-B33BD26EF40D}" v="72" dt="2025-07-09T19:19:20.381"/>
   </p1510:revLst>
 </p1510:revInfo>
 </file>
@@ -131,538 +142,27 @@
 <file path=ppt/changesInfos/changesInfo1.xml><?xml version="1.0" encoding="utf-8"?>
 <pc:chgInfo xmlns:a="http://schemas.openxmlformats.org/drawingml/2006/main" xmlns:r="http://schemas.openxmlformats.org/officeDocument/2006/relationships" xmlns:ac="http://schemas.microsoft.com/office/drawing/2013/main/command" xmlns:pc="http://schemas.microsoft.com/office/powerpoint/2013/main/command">
   <pc:docChgLst>
-    <pc:chgData name="Bohdana Ratitch" userId="e80edf88-66b9-4d01-8cc4-406524e465ad" providerId="ADAL" clId="{ADF009D5-FBE6-4827-A03D-F56D48764499}"/>
-    <pc:docChg chg="undo redo custSel addSld delSld modSld sldOrd modMainMaster">
-      <pc:chgData name="Bohdana Ratitch" userId="e80edf88-66b9-4d01-8cc4-406524e465ad" providerId="ADAL" clId="{ADF009D5-FBE6-4827-A03D-F56D48764499}" dt="2025-04-30T23:39:59.461" v="811" actId="14100"/>
+    <pc:chgData name="Chen, Fei [JRDUS]" userId="d53dd1e8-3541-460e-afeb-fadcbd23f836" providerId="ADAL" clId="{D8C37E05-0718-4516-99B7-B33BD26EF40D}"/>
+    <pc:docChg chg="modSld">
+      <pc:chgData name="Chen, Fei [JRDUS]" userId="d53dd1e8-3541-460e-afeb-fadcbd23f836" providerId="ADAL" clId="{D8C37E05-0718-4516-99B7-B33BD26EF40D}" dt="2025-07-09T19:19:20.382" v="51" actId="20577"/>
       <pc:docMkLst>
         <pc:docMk/>
       </pc:docMkLst>
-      <pc:sldChg chg="addSp modSp new del mod">
-        <pc:chgData name="Bohdana Ratitch" userId="e80edf88-66b9-4d01-8cc4-406524e465ad" providerId="ADAL" clId="{ADF009D5-FBE6-4827-A03D-F56D48764499}" dt="2025-04-30T23:17:52.748" v="448" actId="2696"/>
+      <pc:sldChg chg="modSp mod">
+        <pc:chgData name="Chen, Fei [JRDUS]" userId="d53dd1e8-3541-460e-afeb-fadcbd23f836" providerId="ADAL" clId="{D8C37E05-0718-4516-99B7-B33BD26EF40D}" dt="2025-07-09T19:19:20.382" v="51" actId="20577"/>
         <pc:sldMkLst>
           <pc:docMk/>
-          <pc:sldMk cId="1520845477" sldId="256"/>
+          <pc:sldMk cId="3592028081" sldId="272"/>
         </pc:sldMkLst>
         <pc:spChg chg="mod">
-          <ac:chgData name="Bohdana Ratitch" userId="e80edf88-66b9-4d01-8cc4-406524e465ad" providerId="ADAL" clId="{ADF009D5-FBE6-4827-A03D-F56D48764499}" dt="2025-04-30T21:06:07.030" v="117" actId="404"/>
+          <ac:chgData name="Chen, Fei [JRDUS]" userId="d53dd1e8-3541-460e-afeb-fadcbd23f836" providerId="ADAL" clId="{D8C37E05-0718-4516-99B7-B33BD26EF40D}" dt="2025-07-09T19:19:20.382" v="51" actId="20577"/>
           <ac:spMkLst>
             <pc:docMk/>
-            <pc:sldMk cId="1520845477" sldId="256"/>
-            <ac:spMk id="2" creationId="{551A8ACD-3115-B5F6-79B4-D59F82735BAF}"/>
-          </ac:spMkLst>
-        </pc:spChg>
-        <pc:spChg chg="mod">
-          <ac:chgData name="Bohdana Ratitch" userId="e80edf88-66b9-4d01-8cc4-406524e465ad" providerId="ADAL" clId="{ADF009D5-FBE6-4827-A03D-F56D48764499}" dt="2025-04-30T21:06:24.571" v="118" actId="207"/>
-          <ac:spMkLst>
-            <pc:docMk/>
-            <pc:sldMk cId="1520845477" sldId="256"/>
-            <ac:spMk id="3" creationId="{1AEADFEB-C990-A0C3-46B0-F0440B277C3B}"/>
-          </ac:spMkLst>
-        </pc:spChg>
-        <pc:spChg chg="add mod">
-          <ac:chgData name="Bohdana Ratitch" userId="e80edf88-66b9-4d01-8cc4-406524e465ad" providerId="ADAL" clId="{ADF009D5-FBE6-4827-A03D-F56D48764499}" dt="2025-04-30T23:17:32.856" v="443" actId="20577"/>
-          <ac:spMkLst>
-            <pc:docMk/>
-            <pc:sldMk cId="1520845477" sldId="256"/>
-            <ac:spMk id="8" creationId="{916ACA05-2B3A-7440-AF80-981DF9C7B1BA}"/>
-          </ac:spMkLst>
-        </pc:spChg>
-        <pc:spChg chg="add mod">
-          <ac:chgData name="Bohdana Ratitch" userId="e80edf88-66b9-4d01-8cc4-406524e465ad" providerId="ADAL" clId="{ADF009D5-FBE6-4827-A03D-F56D48764499}" dt="2025-04-30T23:17:32.287" v="441"/>
-          <ac:spMkLst>
-            <pc:docMk/>
-            <pc:sldMk cId="1520845477" sldId="256"/>
-            <ac:spMk id="9" creationId="{74D57CBB-D94D-4E3E-577E-2396F2DA3AFD}"/>
-          </ac:spMkLst>
-        </pc:spChg>
-        <pc:spChg chg="add mod">
-          <ac:chgData name="Bohdana Ratitch" userId="e80edf88-66b9-4d01-8cc4-406524e465ad" providerId="ADAL" clId="{ADF009D5-FBE6-4827-A03D-F56D48764499}" dt="2025-04-30T23:17:32.853" v="442" actId="20577"/>
-          <ac:spMkLst>
-            <pc:docMk/>
-            <pc:sldMk cId="1520845477" sldId="256"/>
-            <ac:spMk id="10" creationId="{01415176-64C2-3545-DAB2-7E588C086016}"/>
-          </ac:spMkLst>
-        </pc:spChg>
-        <pc:spChg chg="add mod">
-          <ac:chgData name="Bohdana Ratitch" userId="e80edf88-66b9-4d01-8cc4-406524e465ad" providerId="ADAL" clId="{ADF009D5-FBE6-4827-A03D-F56D48764499}" dt="2025-04-30T23:17:51.659" v="446" actId="12"/>
-          <ac:spMkLst>
-            <pc:docMk/>
-            <pc:sldMk cId="1520845477" sldId="256"/>
-            <ac:spMk id="11" creationId="{599836D8-F109-BA70-6171-2EA43006B99E}"/>
-          </ac:spMkLst>
-        </pc:spChg>
-        <pc:grpChg chg="add mod">
-          <ac:chgData name="Bohdana Ratitch" userId="e80edf88-66b9-4d01-8cc4-406524e465ad" providerId="ADAL" clId="{ADF009D5-FBE6-4827-A03D-F56D48764499}" dt="2025-04-30T23:17:46.563" v="444" actId="1076"/>
-          <ac:grpSpMkLst>
-            <pc:docMk/>
-            <pc:sldMk cId="1520845477" sldId="256"/>
-            <ac:grpSpMk id="6" creationId="{73480495-4E40-10E4-2878-A799811EE876}"/>
-          </ac:grpSpMkLst>
-        </pc:grpChg>
-        <pc:grpChg chg="add mod">
-          <ac:chgData name="Bohdana Ratitch" userId="e80edf88-66b9-4d01-8cc4-406524e465ad" providerId="ADAL" clId="{ADF009D5-FBE6-4827-A03D-F56D48764499}" dt="2025-04-30T23:17:46.563" v="444" actId="1076"/>
-          <ac:grpSpMkLst>
-            <pc:docMk/>
-            <pc:sldMk cId="1520845477" sldId="256"/>
-            <ac:grpSpMk id="7" creationId="{9C93142B-E1B5-283A-38A8-D1295E659BB9}"/>
-          </ac:grpSpMkLst>
-        </pc:grpChg>
-      </pc:sldChg>
-      <pc:sldChg chg="addSp delSp modSp new del mod">
-        <pc:chgData name="Bohdana Ratitch" userId="e80edf88-66b9-4d01-8cc4-406524e465ad" providerId="ADAL" clId="{ADF009D5-FBE6-4827-A03D-F56D48764499}" dt="2025-04-30T23:24:39.280" v="517" actId="47"/>
-        <pc:sldMkLst>
-          <pc:docMk/>
-          <pc:sldMk cId="4064184577" sldId="257"/>
-        </pc:sldMkLst>
-        <pc:spChg chg="mod">
-          <ac:chgData name="Bohdana Ratitch" userId="e80edf88-66b9-4d01-8cc4-406524e465ad" providerId="ADAL" clId="{ADF009D5-FBE6-4827-A03D-F56D48764499}" dt="2025-04-30T23:19:59.272" v="465" actId="6549"/>
-          <ac:spMkLst>
-            <pc:docMk/>
-            <pc:sldMk cId="4064184577" sldId="257"/>
-            <ac:spMk id="2" creationId="{0268A941-643D-E5FE-9C97-E8AE75AD8643}"/>
-          </ac:spMkLst>
-        </pc:spChg>
-        <pc:spChg chg="del mod">
-          <ac:chgData name="Bohdana Ratitch" userId="e80edf88-66b9-4d01-8cc4-406524e465ad" providerId="ADAL" clId="{ADF009D5-FBE6-4827-A03D-F56D48764499}" dt="2025-04-30T23:16:28.187" v="440" actId="26606"/>
-          <ac:spMkLst>
-            <pc:docMk/>
-            <pc:sldMk cId="4064184577" sldId="257"/>
-            <ac:spMk id="3" creationId="{5F6E1DFC-BBE5-AB57-9031-1629AD8AE59C}"/>
-          </ac:spMkLst>
-        </pc:spChg>
-        <pc:spChg chg="add del mod">
-          <ac:chgData name="Bohdana Ratitch" userId="e80edf88-66b9-4d01-8cc4-406524e465ad" providerId="ADAL" clId="{ADF009D5-FBE6-4827-A03D-F56D48764499}" dt="2025-04-30T23:19:51.189" v="463" actId="478"/>
-          <ac:spMkLst>
-            <pc:docMk/>
-            <pc:sldMk cId="4064184577" sldId="257"/>
-            <ac:spMk id="8" creationId="{91B9876A-552C-0295-0DE2-60D2146FC8B6}"/>
-          </ac:spMkLst>
-        </pc:spChg>
-        <pc:graphicFrameChg chg="add del mod">
-          <ac:chgData name="Bohdana Ratitch" userId="e80edf88-66b9-4d01-8cc4-406524e465ad" providerId="ADAL" clId="{ADF009D5-FBE6-4827-A03D-F56D48764499}" dt="2025-04-30T23:19:54.288" v="464" actId="478"/>
-          <ac:graphicFrameMkLst>
-            <pc:docMk/>
-            <pc:sldMk cId="4064184577" sldId="257"/>
-            <ac:graphicFrameMk id="7" creationId="{EA4795C3-9A78-ACE2-9BEB-1EED15DD9F60}"/>
-          </ac:graphicFrameMkLst>
-        </pc:graphicFrameChg>
-      </pc:sldChg>
-      <pc:sldChg chg="modSp new del mod">
-        <pc:chgData name="Bohdana Ratitch" userId="e80edf88-66b9-4d01-8cc4-406524e465ad" providerId="ADAL" clId="{ADF009D5-FBE6-4827-A03D-F56D48764499}" dt="2025-04-30T20:53:08.184" v="21" actId="47"/>
-        <pc:sldMkLst>
-          <pc:docMk/>
-          <pc:sldMk cId="4142818075" sldId="257"/>
-        </pc:sldMkLst>
-        <pc:spChg chg="mod">
-          <ac:chgData name="Bohdana Ratitch" userId="e80edf88-66b9-4d01-8cc4-406524e465ad" providerId="ADAL" clId="{ADF009D5-FBE6-4827-A03D-F56D48764499}" dt="2025-04-30T20:52:49.086" v="20" actId="16037"/>
-          <ac:spMkLst>
-            <pc:docMk/>
-            <pc:sldMk cId="4142818075" sldId="257"/>
-            <ac:spMk id="2" creationId="{D7B63549-54C4-4B66-2513-5C5A0C78C2EF}"/>
+            <pc:sldMk cId="3592028081" sldId="272"/>
+            <ac:spMk id="3" creationId="{A781DB4F-B801-7ED8-2645-9BB30BC75CB9}"/>
           </ac:spMkLst>
         </pc:spChg>
       </pc:sldChg>
-      <pc:sldChg chg="modSp new del mod">
-        <pc:chgData name="Bohdana Ratitch" userId="e80edf88-66b9-4d01-8cc4-406524e465ad" providerId="ADAL" clId="{ADF009D5-FBE6-4827-A03D-F56D48764499}" dt="2025-04-30T21:20:35.186" v="290" actId="47"/>
-        <pc:sldMkLst>
-          <pc:docMk/>
-          <pc:sldMk cId="3093125503" sldId="258"/>
-        </pc:sldMkLst>
-        <pc:spChg chg="mod">
-          <ac:chgData name="Bohdana Ratitch" userId="e80edf88-66b9-4d01-8cc4-406524e465ad" providerId="ADAL" clId="{ADF009D5-FBE6-4827-A03D-F56D48764499}" dt="2025-04-30T21:15:56.960" v="152"/>
-          <ac:spMkLst>
-            <pc:docMk/>
-            <pc:sldMk cId="3093125503" sldId="258"/>
-            <ac:spMk id="2" creationId="{3121C1E7-782C-5427-F69B-A96ED826A428}"/>
-          </ac:spMkLst>
-        </pc:spChg>
-        <pc:spChg chg="mod">
-          <ac:chgData name="Bohdana Ratitch" userId="e80edf88-66b9-4d01-8cc4-406524e465ad" providerId="ADAL" clId="{ADF009D5-FBE6-4827-A03D-F56D48764499}" dt="2025-04-30T21:17:20.624" v="195" actId="20577"/>
-          <ac:spMkLst>
-            <pc:docMk/>
-            <pc:sldMk cId="3093125503" sldId="258"/>
-            <ac:spMk id="3" creationId="{7A3E9B7D-197A-7AF9-F997-715D89CF808C}"/>
-          </ac:spMkLst>
-        </pc:spChg>
-      </pc:sldChg>
-      <pc:sldChg chg="modSp new mod">
-        <pc:chgData name="Bohdana Ratitch" userId="e80edf88-66b9-4d01-8cc4-406524e465ad" providerId="ADAL" clId="{ADF009D5-FBE6-4827-A03D-F56D48764499}" dt="2025-04-30T23:36:30.252" v="755" actId="6549"/>
-        <pc:sldMkLst>
-          <pc:docMk/>
-          <pc:sldMk cId="2577333720" sldId="259"/>
-        </pc:sldMkLst>
-        <pc:spChg chg="mod">
-          <ac:chgData name="Bohdana Ratitch" userId="e80edf88-66b9-4d01-8cc4-406524e465ad" providerId="ADAL" clId="{ADF009D5-FBE6-4827-A03D-F56D48764499}" dt="2025-04-30T23:36:30.252" v="755" actId="6549"/>
-          <ac:spMkLst>
-            <pc:docMk/>
-            <pc:sldMk cId="2577333720" sldId="259"/>
-            <ac:spMk id="2" creationId="{BB69FBE9-6B70-D9A3-4F2D-870F52DD4CAC}"/>
-          </ac:spMkLst>
-        </pc:spChg>
-        <pc:spChg chg="mod">
-          <ac:chgData name="Bohdana Ratitch" userId="e80edf88-66b9-4d01-8cc4-406524e465ad" providerId="ADAL" clId="{ADF009D5-FBE6-4827-A03D-F56D48764499}" dt="2025-04-30T21:18:44.926" v="201" actId="6549"/>
-          <ac:spMkLst>
-            <pc:docMk/>
-            <pc:sldMk cId="2577333720" sldId="259"/>
-            <ac:spMk id="3" creationId="{FA6CD18B-BEF1-EAC1-435C-8EF1B7BEDEAA}"/>
-          </ac:spMkLst>
-        </pc:spChg>
-      </pc:sldChg>
-      <pc:sldChg chg="addSp delSp modSp new mod setBg">
-        <pc:chgData name="Bohdana Ratitch" userId="e80edf88-66b9-4d01-8cc4-406524e465ad" providerId="ADAL" clId="{ADF009D5-FBE6-4827-A03D-F56D48764499}" dt="2025-04-30T23:30:41.849" v="706" actId="20577"/>
-        <pc:sldMkLst>
-          <pc:docMk/>
-          <pc:sldMk cId="331942683" sldId="260"/>
-        </pc:sldMkLst>
-        <pc:spChg chg="mod">
-          <ac:chgData name="Bohdana Ratitch" userId="e80edf88-66b9-4d01-8cc4-406524e465ad" providerId="ADAL" clId="{ADF009D5-FBE6-4827-A03D-F56D48764499}" dt="2025-04-30T23:25:04.672" v="519" actId="26606"/>
-          <ac:spMkLst>
-            <pc:docMk/>
-            <pc:sldMk cId="331942683" sldId="260"/>
-            <ac:spMk id="2" creationId="{56534544-6849-BE51-F955-3E5D59958B46}"/>
-          </ac:spMkLst>
-        </pc:spChg>
-        <pc:spChg chg="del mod">
-          <ac:chgData name="Bohdana Ratitch" userId="e80edf88-66b9-4d01-8cc4-406524e465ad" providerId="ADAL" clId="{ADF009D5-FBE6-4827-A03D-F56D48764499}" dt="2025-04-30T23:25:04.672" v="519" actId="26606"/>
-          <ac:spMkLst>
-            <pc:docMk/>
-            <pc:sldMk cId="331942683" sldId="260"/>
-            <ac:spMk id="3" creationId="{A5A6AFAD-CAA9-A57F-F830-461B696FDFF3}"/>
-          </ac:spMkLst>
-        </pc:spChg>
-        <pc:spChg chg="mod">
-          <ac:chgData name="Bohdana Ratitch" userId="e80edf88-66b9-4d01-8cc4-406524e465ad" providerId="ADAL" clId="{ADF009D5-FBE6-4827-A03D-F56D48764499}" dt="2025-04-30T23:25:04.672" v="519" actId="26606"/>
-          <ac:spMkLst>
-            <pc:docMk/>
-            <pc:sldMk cId="331942683" sldId="260"/>
-            <ac:spMk id="4" creationId="{29523C2D-BEC9-D59A-0248-3D5B54820490}"/>
-          </ac:spMkLst>
-        </pc:spChg>
-        <pc:spChg chg="mod">
-          <ac:chgData name="Bohdana Ratitch" userId="e80edf88-66b9-4d01-8cc4-406524e465ad" providerId="ADAL" clId="{ADF009D5-FBE6-4827-A03D-F56D48764499}" dt="2025-04-30T23:25:04.672" v="519" actId="26606"/>
-          <ac:spMkLst>
-            <pc:docMk/>
-            <pc:sldMk cId="331942683" sldId="260"/>
-            <ac:spMk id="5" creationId="{BA55E8DB-84DD-E9C1-2633-0643C74F3B34}"/>
-          </ac:spMkLst>
-        </pc:spChg>
-        <pc:graphicFrameChg chg="add mod">
-          <ac:chgData name="Bohdana Ratitch" userId="e80edf88-66b9-4d01-8cc4-406524e465ad" providerId="ADAL" clId="{ADF009D5-FBE6-4827-A03D-F56D48764499}" dt="2025-04-30T23:30:41.849" v="706" actId="20577"/>
-          <ac:graphicFrameMkLst>
-            <pc:docMk/>
-            <pc:sldMk cId="331942683" sldId="260"/>
-            <ac:graphicFrameMk id="7" creationId="{221A4906-D7C7-2003-18E9-341DD65617AF}"/>
-          </ac:graphicFrameMkLst>
-        </pc:graphicFrameChg>
-      </pc:sldChg>
-      <pc:sldChg chg="addSp delSp modSp new mod">
-        <pc:chgData name="Bohdana Ratitch" userId="e80edf88-66b9-4d01-8cc4-406524e465ad" providerId="ADAL" clId="{ADF009D5-FBE6-4827-A03D-F56D48764499}" dt="2025-04-30T23:39:59.461" v="811" actId="14100"/>
-        <pc:sldMkLst>
-          <pc:docMk/>
-          <pc:sldMk cId="1556212172" sldId="261"/>
-        </pc:sldMkLst>
-        <pc:spChg chg="mod">
-          <ac:chgData name="Bohdana Ratitch" userId="e80edf88-66b9-4d01-8cc4-406524e465ad" providerId="ADAL" clId="{ADF009D5-FBE6-4827-A03D-F56D48764499}" dt="2025-04-30T23:36:08.651" v="753" actId="20577"/>
-          <ac:spMkLst>
-            <pc:docMk/>
-            <pc:sldMk cId="1556212172" sldId="261"/>
-            <ac:spMk id="2" creationId="{071DFBBE-493D-7146-D4FA-5A4CA151B4A3}"/>
-          </ac:spMkLst>
-        </pc:spChg>
-        <pc:spChg chg="del mod">
-          <ac:chgData name="Bohdana Ratitch" userId="e80edf88-66b9-4d01-8cc4-406524e465ad" providerId="ADAL" clId="{ADF009D5-FBE6-4827-A03D-F56D48764499}" dt="2025-04-30T23:38:38.428" v="806" actId="26606"/>
-          <ac:spMkLst>
-            <pc:docMk/>
-            <pc:sldMk cId="1556212172" sldId="261"/>
-            <ac:spMk id="3" creationId="{1FBBA155-5C1D-BB28-5996-10B9ED1F4DAB}"/>
-          </ac:spMkLst>
-        </pc:spChg>
-        <pc:graphicFrameChg chg="add mod">
-          <ac:chgData name="Bohdana Ratitch" userId="e80edf88-66b9-4d01-8cc4-406524e465ad" providerId="ADAL" clId="{ADF009D5-FBE6-4827-A03D-F56D48764499}" dt="2025-04-30T23:39:59.461" v="811" actId="14100"/>
-          <ac:graphicFrameMkLst>
-            <pc:docMk/>
-            <pc:sldMk cId="1556212172" sldId="261"/>
-            <ac:graphicFrameMk id="7" creationId="{B6EB868F-0F0E-37EF-BFDE-1A0A5263BE8B}"/>
-          </ac:graphicFrameMkLst>
-        </pc:graphicFrameChg>
-      </pc:sldChg>
-      <pc:sldChg chg="addSp delSp modSp new mod">
-        <pc:chgData name="Bohdana Ratitch" userId="e80edf88-66b9-4d01-8cc4-406524e465ad" providerId="ADAL" clId="{ADF009D5-FBE6-4827-A03D-F56D48764499}" dt="2025-04-30T21:27:40.985" v="388" actId="12"/>
-        <pc:sldMkLst>
-          <pc:docMk/>
-          <pc:sldMk cId="1976600984" sldId="262"/>
-        </pc:sldMkLst>
-        <pc:spChg chg="mod">
-          <ac:chgData name="Bohdana Ratitch" userId="e80edf88-66b9-4d01-8cc4-406524e465ad" providerId="ADAL" clId="{ADF009D5-FBE6-4827-A03D-F56D48764499}" dt="2025-04-30T21:23:38.728" v="355" actId="20577"/>
-          <ac:spMkLst>
-            <pc:docMk/>
-            <pc:sldMk cId="1976600984" sldId="262"/>
-            <ac:spMk id="2" creationId="{9DFD1F4C-EFAE-52EC-7C92-4F9F286576B2}"/>
-          </ac:spMkLst>
-        </pc:spChg>
-        <pc:spChg chg="del mod">
-          <ac:chgData name="Bohdana Ratitch" userId="e80edf88-66b9-4d01-8cc4-406524e465ad" providerId="ADAL" clId="{ADF009D5-FBE6-4827-A03D-F56D48764499}" dt="2025-04-30T21:25:18.429" v="358" actId="478"/>
-          <ac:spMkLst>
-            <pc:docMk/>
-            <pc:sldMk cId="1976600984" sldId="262"/>
-            <ac:spMk id="3" creationId="{553FC104-EFD3-E068-B6E5-81937C3ADAC6}"/>
-          </ac:spMkLst>
-        </pc:spChg>
-        <pc:spChg chg="add del mod">
-          <ac:chgData name="Bohdana Ratitch" userId="e80edf88-66b9-4d01-8cc4-406524e465ad" providerId="ADAL" clId="{ADF009D5-FBE6-4827-A03D-F56D48764499}" dt="2025-04-30T21:26:03.126" v="373" actId="478"/>
-          <ac:spMkLst>
-            <pc:docMk/>
-            <pc:sldMk cId="1976600984" sldId="262"/>
-            <ac:spMk id="8" creationId="{A1FB05D2-7A3D-FA4E-EAD5-9A14CC5268F9}"/>
-          </ac:spMkLst>
-        </pc:spChg>
-        <pc:graphicFrameChg chg="add mod modGraphic">
-          <ac:chgData name="Bohdana Ratitch" userId="e80edf88-66b9-4d01-8cc4-406524e465ad" providerId="ADAL" clId="{ADF009D5-FBE6-4827-A03D-F56D48764499}" dt="2025-04-30T21:27:40.985" v="388" actId="12"/>
-          <ac:graphicFrameMkLst>
-            <pc:docMk/>
-            <pc:sldMk cId="1976600984" sldId="262"/>
-            <ac:graphicFrameMk id="6" creationId="{9392AFBA-A054-E582-7EEE-A9EFE9FE70AB}"/>
-          </ac:graphicFrameMkLst>
-        </pc:graphicFrameChg>
-      </pc:sldChg>
-      <pc:sldChg chg="modSp new mod">
-        <pc:chgData name="Bohdana Ratitch" userId="e80edf88-66b9-4d01-8cc4-406524e465ad" providerId="ADAL" clId="{ADF009D5-FBE6-4827-A03D-F56D48764499}" dt="2025-04-30T23:32:15.663" v="710" actId="403"/>
-        <pc:sldMkLst>
-          <pc:docMk/>
-          <pc:sldMk cId="3100185276" sldId="263"/>
-        </pc:sldMkLst>
-        <pc:spChg chg="mod">
-          <ac:chgData name="Bohdana Ratitch" userId="e80edf88-66b9-4d01-8cc4-406524e465ad" providerId="ADAL" clId="{ADF009D5-FBE6-4827-A03D-F56D48764499}" dt="2025-04-30T21:00:24.884" v="65"/>
-          <ac:spMkLst>
-            <pc:docMk/>
-            <pc:sldMk cId="3100185276" sldId="263"/>
-            <ac:spMk id="2" creationId="{77552D96-569B-ED66-3AA9-8C9E10FFE835}"/>
-          </ac:spMkLst>
-        </pc:spChg>
-        <pc:spChg chg="mod">
-          <ac:chgData name="Bohdana Ratitch" userId="e80edf88-66b9-4d01-8cc4-406524e465ad" providerId="ADAL" clId="{ADF009D5-FBE6-4827-A03D-F56D48764499}" dt="2025-04-30T23:32:15.663" v="710" actId="403"/>
-          <ac:spMkLst>
-            <pc:docMk/>
-            <pc:sldMk cId="3100185276" sldId="263"/>
-            <ac:spMk id="3" creationId="{D58E569B-A49B-EF95-FBB4-501BCD93C6A2}"/>
-          </ac:spMkLst>
-        </pc:spChg>
-      </pc:sldChg>
-      <pc:sldChg chg="modSp new mod ord">
-        <pc:chgData name="Bohdana Ratitch" userId="e80edf88-66b9-4d01-8cc4-406524e465ad" providerId="ADAL" clId="{ADF009D5-FBE6-4827-A03D-F56D48764499}" dt="2025-04-30T23:35:49.104" v="746" actId="20577"/>
-        <pc:sldMkLst>
-          <pc:docMk/>
-          <pc:sldMk cId="3564496083" sldId="264"/>
-        </pc:sldMkLst>
-        <pc:spChg chg="mod">
-          <ac:chgData name="Bohdana Ratitch" userId="e80edf88-66b9-4d01-8cc4-406524e465ad" providerId="ADAL" clId="{ADF009D5-FBE6-4827-A03D-F56D48764499}" dt="2025-04-30T23:35:49.104" v="746" actId="20577"/>
-          <ac:spMkLst>
-            <pc:docMk/>
-            <pc:sldMk cId="3564496083" sldId="264"/>
-            <ac:spMk id="2" creationId="{45CC7E47-7C21-EFF6-CCAB-43ACE9ABFE83}"/>
-          </ac:spMkLst>
-        </pc:spChg>
-        <pc:spChg chg="mod">
-          <ac:chgData name="Bohdana Ratitch" userId="e80edf88-66b9-4d01-8cc4-406524e465ad" providerId="ADAL" clId="{ADF009D5-FBE6-4827-A03D-F56D48764499}" dt="2025-04-30T21:19:12.407" v="229" actId="20577"/>
-          <ac:spMkLst>
-            <pc:docMk/>
-            <pc:sldMk cId="3564496083" sldId="264"/>
-            <ac:spMk id="3" creationId="{98526B7C-8E98-8AB2-02B2-730E2BD558B5}"/>
-          </ac:spMkLst>
-        </pc:spChg>
-        <pc:spChg chg="mod">
-          <ac:chgData name="Bohdana Ratitch" userId="e80edf88-66b9-4d01-8cc4-406524e465ad" providerId="ADAL" clId="{ADF009D5-FBE6-4827-A03D-F56D48764499}" dt="2025-04-30T23:34:44.157" v="743" actId="20577"/>
-          <ac:spMkLst>
-            <pc:docMk/>
-            <pc:sldMk cId="3564496083" sldId="264"/>
-            <ac:spMk id="4" creationId="{F6A81F3D-43D8-9C36-85B6-A0CDC5E92505}"/>
-          </ac:spMkLst>
-        </pc:spChg>
-        <pc:spChg chg="mod">
-          <ac:chgData name="Bohdana Ratitch" userId="e80edf88-66b9-4d01-8cc4-406524e465ad" providerId="ADAL" clId="{ADF009D5-FBE6-4827-A03D-F56D48764499}" dt="2025-04-30T21:19:09.071" v="228" actId="20577"/>
-          <ac:spMkLst>
-            <pc:docMk/>
-            <pc:sldMk cId="3564496083" sldId="264"/>
-            <ac:spMk id="5" creationId="{686DEB4B-933C-FF29-DCF8-EEA010C4784A}"/>
-          </ac:spMkLst>
-        </pc:spChg>
-        <pc:spChg chg="mod">
-          <ac:chgData name="Bohdana Ratitch" userId="e80edf88-66b9-4d01-8cc4-406524e465ad" providerId="ADAL" clId="{ADF009D5-FBE6-4827-A03D-F56D48764499}" dt="2025-04-30T21:19:48.281" v="235" actId="6549"/>
-          <ac:spMkLst>
-            <pc:docMk/>
-            <pc:sldMk cId="3564496083" sldId="264"/>
-            <ac:spMk id="6" creationId="{EE3BF20E-116F-074D-0264-A2CC6534CC3D}"/>
-          </ac:spMkLst>
-        </pc:spChg>
-      </pc:sldChg>
-      <pc:sldChg chg="delSp add del mod">
-        <pc:chgData name="Bohdana Ratitch" userId="e80edf88-66b9-4d01-8cc4-406524e465ad" providerId="ADAL" clId="{ADF009D5-FBE6-4827-A03D-F56D48764499}" dt="2025-04-30T21:28:03.160" v="389" actId="47"/>
-        <pc:sldMkLst>
-          <pc:docMk/>
-          <pc:sldMk cId="1202213274" sldId="265"/>
-        </pc:sldMkLst>
-        <pc:graphicFrameChg chg="del">
-          <ac:chgData name="Bohdana Ratitch" userId="e80edf88-66b9-4d01-8cc4-406524e465ad" providerId="ADAL" clId="{ADF009D5-FBE6-4827-A03D-F56D48764499}" dt="2025-04-30T21:25:22.526" v="359" actId="478"/>
-          <ac:graphicFrameMkLst>
-            <pc:docMk/>
-            <pc:sldMk cId="1202213274" sldId="265"/>
-            <ac:graphicFrameMk id="6" creationId="{12735D99-A4E2-A54B-F20A-E6AC7616FEBC}"/>
-          </ac:graphicFrameMkLst>
-        </pc:graphicFrameChg>
-      </pc:sldChg>
-      <pc:sldChg chg="modSp add mod">
-        <pc:chgData name="Bohdana Ratitch" userId="e80edf88-66b9-4d01-8cc4-406524e465ad" providerId="ADAL" clId="{ADF009D5-FBE6-4827-A03D-F56D48764499}" dt="2025-04-30T23:19:16.177" v="460" actId="403"/>
-        <pc:sldMkLst>
-          <pc:docMk/>
-          <pc:sldMk cId="2164202283" sldId="265"/>
-        </pc:sldMkLst>
-        <pc:spChg chg="mod">
-          <ac:chgData name="Bohdana Ratitch" userId="e80edf88-66b9-4d01-8cc4-406524e465ad" providerId="ADAL" clId="{ADF009D5-FBE6-4827-A03D-F56D48764499}" dt="2025-04-30T23:19:16.177" v="460" actId="403"/>
-          <ac:spMkLst>
-            <pc:docMk/>
-            <pc:sldMk cId="2164202283" sldId="265"/>
-            <ac:spMk id="8" creationId="{916ACA05-2B3A-7440-AF80-981DF9C7B1BA}"/>
-          </ac:spMkLst>
-        </pc:spChg>
-        <pc:spChg chg="mod">
-          <ac:chgData name="Bohdana Ratitch" userId="e80edf88-66b9-4d01-8cc4-406524e465ad" providerId="ADAL" clId="{ADF009D5-FBE6-4827-A03D-F56D48764499}" dt="2025-04-30T23:19:16.177" v="460" actId="403"/>
-          <ac:spMkLst>
-            <pc:docMk/>
-            <pc:sldMk cId="2164202283" sldId="265"/>
-            <ac:spMk id="9" creationId="{74D57CBB-D94D-4E3E-577E-2396F2DA3AFD}"/>
-          </ac:spMkLst>
-        </pc:spChg>
-        <pc:spChg chg="mod">
-          <ac:chgData name="Bohdana Ratitch" userId="e80edf88-66b9-4d01-8cc4-406524e465ad" providerId="ADAL" clId="{ADF009D5-FBE6-4827-A03D-F56D48764499}" dt="2025-04-30T23:19:11.261" v="457" actId="403"/>
-          <ac:spMkLst>
-            <pc:docMk/>
-            <pc:sldMk cId="2164202283" sldId="265"/>
-            <ac:spMk id="11" creationId="{599836D8-F109-BA70-6171-2EA43006B99E}"/>
-          </ac:spMkLst>
-        </pc:spChg>
-        <pc:grpChg chg="mod">
-          <ac:chgData name="Bohdana Ratitch" userId="e80edf88-66b9-4d01-8cc4-406524e465ad" providerId="ADAL" clId="{ADF009D5-FBE6-4827-A03D-F56D48764499}" dt="2025-04-30T23:18:55.657" v="455" actId="14100"/>
-          <ac:grpSpMkLst>
-            <pc:docMk/>
-            <pc:sldMk cId="2164202283" sldId="265"/>
-            <ac:grpSpMk id="6" creationId="{73480495-4E40-10E4-2878-A799811EE876}"/>
-          </ac:grpSpMkLst>
-        </pc:grpChg>
-      </pc:sldChg>
-      <pc:sldChg chg="modSp add mod ord">
-        <pc:chgData name="Bohdana Ratitch" userId="e80edf88-66b9-4d01-8cc4-406524e465ad" providerId="ADAL" clId="{ADF009D5-FBE6-4827-A03D-F56D48764499}" dt="2025-04-30T23:24:27.982" v="516" actId="20577"/>
-        <pc:sldMkLst>
-          <pc:docMk/>
-          <pc:sldMk cId="314586274" sldId="266"/>
-        </pc:sldMkLst>
-        <pc:spChg chg="mod">
-          <ac:chgData name="Bohdana Ratitch" userId="e80edf88-66b9-4d01-8cc4-406524e465ad" providerId="ADAL" clId="{ADF009D5-FBE6-4827-A03D-F56D48764499}" dt="2025-04-30T23:21:23.019" v="484" actId="20577"/>
-          <ac:spMkLst>
-            <pc:docMk/>
-            <pc:sldMk cId="314586274" sldId="266"/>
-            <ac:spMk id="2" creationId="{D8C4535C-52AC-8939-3740-75F44CBE3B86}"/>
-          </ac:spMkLst>
-        </pc:spChg>
-        <pc:spChg chg="mod">
-          <ac:chgData name="Bohdana Ratitch" userId="e80edf88-66b9-4d01-8cc4-406524e465ad" providerId="ADAL" clId="{ADF009D5-FBE6-4827-A03D-F56D48764499}" dt="2025-04-30T23:24:27.982" v="516" actId="20577"/>
-          <ac:spMkLst>
-            <pc:docMk/>
-            <pc:sldMk cId="314586274" sldId="266"/>
-            <ac:spMk id="3" creationId="{186720EA-E28A-A866-CB0B-4E2AD76B6047}"/>
-          </ac:spMkLst>
-        </pc:spChg>
-      </pc:sldChg>
-      <pc:sldChg chg="add del">
-        <pc:chgData name="Bohdana Ratitch" userId="e80edf88-66b9-4d01-8cc4-406524e465ad" providerId="ADAL" clId="{ADF009D5-FBE6-4827-A03D-F56D48764499}" dt="2025-04-30T23:31:20.640" v="707" actId="47"/>
-        <pc:sldMkLst>
-          <pc:docMk/>
-          <pc:sldMk cId="690138753" sldId="267"/>
-        </pc:sldMkLst>
-      </pc:sldChg>
-      <pc:sldMasterChg chg="addSp">
-        <pc:chgData name="Bohdana Ratitch" userId="e80edf88-66b9-4d01-8cc4-406524e465ad" providerId="ADAL" clId="{ADF009D5-FBE6-4827-A03D-F56D48764499}" dt="2025-04-30T20:46:42.393" v="1"/>
-        <pc:sldMasterMkLst>
-          <pc:docMk/>
-          <pc:sldMasterMk cId="658601883" sldId="2147483660"/>
-        </pc:sldMasterMkLst>
-        <pc:spChg chg="add">
-          <ac:chgData name="Bohdana Ratitch" userId="e80edf88-66b9-4d01-8cc4-406524e465ad" providerId="ADAL" clId="{ADF009D5-FBE6-4827-A03D-F56D48764499}" dt="2025-04-30T20:46:42.393" v="1"/>
-          <ac:spMkLst>
-            <pc:docMk/>
-            <pc:sldMasterMk cId="658601883" sldId="2147483660"/>
-            <ac:spMk id="7" creationId="{E7243679-0AD3-16A8-66BA-8477AB5FF3C6}"/>
-          </ac:spMkLst>
-        </pc:spChg>
-      </pc:sldMasterChg>
-      <pc:sldMasterChg chg="addSp">
-        <pc:chgData name="Bohdana Ratitch" userId="e80edf88-66b9-4d01-8cc4-406524e465ad" providerId="ADAL" clId="{ADF009D5-FBE6-4827-A03D-F56D48764499}" dt="2025-04-30T20:47:28.250" v="2"/>
-        <pc:sldMasterMkLst>
-          <pc:docMk/>
-          <pc:sldMasterMk cId="3812112784" sldId="2147483678"/>
-        </pc:sldMasterMkLst>
-        <pc:spChg chg="add">
-          <ac:chgData name="Bohdana Ratitch" userId="e80edf88-66b9-4d01-8cc4-406524e465ad" providerId="ADAL" clId="{ADF009D5-FBE6-4827-A03D-F56D48764499}" dt="2025-04-30T20:47:28.250" v="2"/>
-          <ac:spMkLst>
-            <pc:docMk/>
-            <pc:sldMasterMk cId="3812112784" sldId="2147483678"/>
-            <ac:spMk id="48" creationId="{4C11F638-E485-D2E3-900E-52BCBD8E89D8}"/>
-          </ac:spMkLst>
-        </pc:spChg>
-      </pc:sldMasterChg>
-      <pc:sldMasterChg chg="addSp">
-        <pc:chgData name="Bohdana Ratitch" userId="e80edf88-66b9-4d01-8cc4-406524e465ad" providerId="ADAL" clId="{ADF009D5-FBE6-4827-A03D-F56D48764499}" dt="2025-04-30T20:47:34.373" v="3"/>
-        <pc:sldMasterMkLst>
-          <pc:docMk/>
-          <pc:sldMasterMk cId="2377195221" sldId="2147483696"/>
-        </pc:sldMasterMkLst>
-        <pc:spChg chg="add">
-          <ac:chgData name="Bohdana Ratitch" userId="e80edf88-66b9-4d01-8cc4-406524e465ad" providerId="ADAL" clId="{ADF009D5-FBE6-4827-A03D-F56D48764499}" dt="2025-04-30T20:47:34.373" v="3"/>
-          <ac:spMkLst>
-            <pc:docMk/>
-            <pc:sldMasterMk cId="2377195221" sldId="2147483696"/>
-            <ac:spMk id="11" creationId="{01FBC89B-929A-0E31-2D56-79F096A3BAB2}"/>
-          </ac:spMkLst>
-        </pc:spChg>
-      </pc:sldMasterChg>
-      <pc:sldMasterChg chg="addSp">
-        <pc:chgData name="Bohdana Ratitch" userId="e80edf88-66b9-4d01-8cc4-406524e465ad" providerId="ADAL" clId="{ADF009D5-FBE6-4827-A03D-F56D48764499}" dt="2025-04-30T20:48:14.803" v="4"/>
-        <pc:sldMasterMkLst>
-          <pc:docMk/>
-          <pc:sldMasterMk cId="3668706374" sldId="2147483714"/>
-        </pc:sldMasterMkLst>
-        <pc:spChg chg="add">
-          <ac:chgData name="Bohdana Ratitch" userId="e80edf88-66b9-4d01-8cc4-406524e465ad" providerId="ADAL" clId="{ADF009D5-FBE6-4827-A03D-F56D48764499}" dt="2025-04-30T20:48:14.803" v="4"/>
-          <ac:spMkLst>
-            <pc:docMk/>
-            <pc:sldMasterMk cId="3668706374" sldId="2147483714"/>
-            <ac:spMk id="48" creationId="{23BBA509-96FD-409E-6D34-6DFCBDA1FA8E}"/>
-          </ac:spMkLst>
-        </pc:spChg>
-      </pc:sldMasterChg>
-      <pc:sldMasterChg chg="modSldLayout">
-        <pc:chgData name="Bohdana Ratitch" userId="e80edf88-66b9-4d01-8cc4-406524e465ad" providerId="ADAL" clId="{ADF009D5-FBE6-4827-A03D-F56D48764499}" dt="2025-04-30T23:15:21.838" v="439"/>
-        <pc:sldMasterMkLst>
-          <pc:docMk/>
-          <pc:sldMasterMk cId="3290936274" sldId="2147483749"/>
-        </pc:sldMasterMkLst>
-        <pc:sldLayoutChg chg="modSp">
-          <pc:chgData name="Bohdana Ratitch" userId="e80edf88-66b9-4d01-8cc4-406524e465ad" providerId="ADAL" clId="{ADF009D5-FBE6-4827-A03D-F56D48764499}" dt="2025-04-30T23:15:21.838" v="439"/>
-          <pc:sldLayoutMkLst>
-            <pc:docMk/>
-            <pc:sldMasterMk cId="3290936274" sldId="2147483749"/>
-            <pc:sldLayoutMk cId="1622396146" sldId="2147483751"/>
-          </pc:sldLayoutMkLst>
-          <pc:spChg chg="mod">
-            <ac:chgData name="Bohdana Ratitch" userId="e80edf88-66b9-4d01-8cc4-406524e465ad" providerId="ADAL" clId="{ADF009D5-FBE6-4827-A03D-F56D48764499}" dt="2025-04-30T23:15:21.838" v="439"/>
-            <ac:spMkLst>
-              <pc:docMk/>
-              <pc:sldMasterMk cId="3290936274" sldId="2147483749"/>
-              <pc:sldLayoutMk cId="1622396146" sldId="2147483751"/>
-              <ac:spMk id="2" creationId="{00000000-0000-0000-0000-000000000000}"/>
-            </ac:spMkLst>
-          </pc:spChg>
-        </pc:sldLayoutChg>
-      </pc:sldMasterChg>
     </pc:docChg>
   </pc:docChgLst>
 </pc:chgInfo>
@@ -3530,639 +3030,6 @@
 </file>
 
 <file path=ppt/diagrams/data2.xml><?xml version="1.0" encoding="utf-8"?>
-<dgm:dataModel xmlns:dgm="http://schemas.openxmlformats.org/drawingml/2006/diagram" xmlns:a="http://schemas.openxmlformats.org/drawingml/2006/main">
-  <dgm:ptLst>
-    <dgm:pt modelId="{72A75B75-8817-4CB9-BA66-504E9EE9A186}" type="doc">
-      <dgm:prSet loTypeId="urn:microsoft.com/office/officeart/2018/2/layout/IconLabelDescriptionList" loCatId="icon" qsTypeId="urn:microsoft.com/office/officeart/2005/8/quickstyle/simple1" qsCatId="simple" csTypeId="urn:microsoft.com/office/officeart/2005/8/colors/accent1_2" csCatId="accent1" phldr="1"/>
-      <dgm:spPr/>
-      <dgm:t>
-        <a:bodyPr/>
-        <a:lstStyle/>
-        <a:p>
-          <a:endParaRPr lang="en-US"/>
-        </a:p>
-      </dgm:t>
-    </dgm:pt>
-    <dgm:pt modelId="{C6C623C3-F223-4B6F-B409-EB13C7DCDFEE}">
-      <dgm:prSet/>
-      <dgm:spPr/>
-      <dgm:t>
-        <a:bodyPr/>
-        <a:lstStyle/>
-        <a:p>
-          <a:pPr>
-            <a:lnSpc>
-              <a:spcPct val="100000"/>
-            </a:lnSpc>
-            <a:defRPr b="1"/>
-          </a:pPr>
-          <a:r>
-            <a:rPr lang="en-US" dirty="0"/>
-            <a:t>Initial Membership: 10-15 members</a:t>
-          </a:r>
-        </a:p>
-      </dgm:t>
-    </dgm:pt>
-    <dgm:pt modelId="{2EBF3943-6FF3-48A1-846C-03B6DF501A9E}" type="parTrans" cxnId="{B8D08D4D-7215-4128-9987-A6D9A2C81D54}">
-      <dgm:prSet/>
-      <dgm:spPr/>
-      <dgm:t>
-        <a:bodyPr/>
-        <a:lstStyle/>
-        <a:p>
-          <a:endParaRPr lang="en-US"/>
-        </a:p>
-      </dgm:t>
-    </dgm:pt>
-    <dgm:pt modelId="{D5D31F36-EE61-4191-85AE-D40F24339765}" type="sibTrans" cxnId="{B8D08D4D-7215-4128-9987-A6D9A2C81D54}">
-      <dgm:prSet/>
-      <dgm:spPr/>
-      <dgm:t>
-        <a:bodyPr/>
-        <a:lstStyle/>
-        <a:p>
-          <a:endParaRPr lang="en-US"/>
-        </a:p>
-      </dgm:t>
-    </dgm:pt>
-    <dgm:pt modelId="{400FD9F8-0B5D-47C6-8136-A0E0EED7FB6D}">
-      <dgm:prSet/>
-      <dgm:spPr/>
-      <dgm:t>
-        <a:bodyPr/>
-        <a:lstStyle/>
-        <a:p>
-          <a:pPr>
-            <a:lnSpc>
-              <a:spcPct val="100000"/>
-            </a:lnSpc>
-          </a:pPr>
-          <a:r>
-            <a:rPr lang="en-US"/>
-            <a:t>Statisticians</a:t>
-          </a:r>
-        </a:p>
-      </dgm:t>
-    </dgm:pt>
-    <dgm:pt modelId="{5577ADAE-68C0-4EFF-8778-9636FAA685D0}" type="parTrans" cxnId="{93988B31-B004-493F-A849-DAE54B639DAC}">
-      <dgm:prSet/>
-      <dgm:spPr/>
-      <dgm:t>
-        <a:bodyPr/>
-        <a:lstStyle/>
-        <a:p>
-          <a:endParaRPr lang="en-US"/>
-        </a:p>
-      </dgm:t>
-    </dgm:pt>
-    <dgm:pt modelId="{1C327E21-A0AF-46A3-AABA-B6C8B3FF18A8}" type="sibTrans" cxnId="{93988B31-B004-493F-A849-DAE54B639DAC}">
-      <dgm:prSet/>
-      <dgm:spPr/>
-      <dgm:t>
-        <a:bodyPr/>
-        <a:lstStyle/>
-        <a:p>
-          <a:endParaRPr lang="en-US"/>
-        </a:p>
-      </dgm:t>
-    </dgm:pt>
-    <dgm:pt modelId="{FFC33428-A9F1-41FC-BA75-A7B77EDE9B6F}">
-      <dgm:prSet/>
-      <dgm:spPr/>
-      <dgm:t>
-        <a:bodyPr/>
-        <a:lstStyle/>
-        <a:p>
-          <a:pPr>
-            <a:lnSpc>
-              <a:spcPct val="100000"/>
-            </a:lnSpc>
-          </a:pPr>
-          <a:r>
-            <a:rPr lang="en-US"/>
-            <a:t>Clinical operations professionals</a:t>
-          </a:r>
-        </a:p>
-      </dgm:t>
-    </dgm:pt>
-    <dgm:pt modelId="{3E5D4DE3-D7CE-4727-A56A-C410E3ED2A43}" type="parTrans" cxnId="{7A7D4F4A-D9A7-46EB-A432-0A57640D63D8}">
-      <dgm:prSet/>
-      <dgm:spPr/>
-      <dgm:t>
-        <a:bodyPr/>
-        <a:lstStyle/>
-        <a:p>
-          <a:endParaRPr lang="en-US"/>
-        </a:p>
-      </dgm:t>
-    </dgm:pt>
-    <dgm:pt modelId="{5525909B-A10C-40BB-AC4C-99CD8C0487C3}" type="sibTrans" cxnId="{7A7D4F4A-D9A7-46EB-A432-0A57640D63D8}">
-      <dgm:prSet/>
-      <dgm:spPr/>
-      <dgm:t>
-        <a:bodyPr/>
-        <a:lstStyle/>
-        <a:p>
-          <a:endParaRPr lang="en-US"/>
-        </a:p>
-      </dgm:t>
-    </dgm:pt>
-    <dgm:pt modelId="{91E10FE5-2CA6-4550-82F2-2E0973E1FBB6}">
-      <dgm:prSet/>
-      <dgm:spPr/>
-      <dgm:t>
-        <a:bodyPr/>
-        <a:lstStyle/>
-        <a:p>
-          <a:pPr>
-            <a:lnSpc>
-              <a:spcPct val="100000"/>
-            </a:lnSpc>
-          </a:pPr>
-          <a:r>
-            <a:rPr lang="en-US"/>
-            <a:t>Data scientists</a:t>
-          </a:r>
-        </a:p>
-      </dgm:t>
-    </dgm:pt>
-    <dgm:pt modelId="{D96358B7-2E4D-4683-92A8-D6C934DFD887}" type="parTrans" cxnId="{0900EE7C-9CCE-45C8-9D80-E54884332E0F}">
-      <dgm:prSet/>
-      <dgm:spPr/>
-      <dgm:t>
-        <a:bodyPr/>
-        <a:lstStyle/>
-        <a:p>
-          <a:endParaRPr lang="en-US"/>
-        </a:p>
-      </dgm:t>
-    </dgm:pt>
-    <dgm:pt modelId="{524BFD1D-A935-44BB-95B1-3070160E6F91}" type="sibTrans" cxnId="{0900EE7C-9CCE-45C8-9D80-E54884332E0F}">
-      <dgm:prSet/>
-      <dgm:spPr/>
-      <dgm:t>
-        <a:bodyPr/>
-        <a:lstStyle/>
-        <a:p>
-          <a:endParaRPr lang="en-US"/>
-        </a:p>
-      </dgm:t>
-    </dgm:pt>
-    <dgm:pt modelId="{EBB18FCD-9CBE-46E5-BA0F-61AD39AA39A5}">
-      <dgm:prSet/>
-      <dgm:spPr/>
-      <dgm:t>
-        <a:bodyPr/>
-        <a:lstStyle/>
-        <a:p>
-          <a:pPr>
-            <a:lnSpc>
-              <a:spcPct val="100000"/>
-            </a:lnSpc>
-            <a:defRPr b="1"/>
-          </a:pPr>
-          <a:r>
-            <a:rPr lang="en-US" dirty="0"/>
-            <a:t>Desired expertise</a:t>
-          </a:r>
-        </a:p>
-      </dgm:t>
-    </dgm:pt>
-    <dgm:pt modelId="{3F4D2DB3-E03F-404C-B10B-C88A862C135B}" type="parTrans" cxnId="{F7F87BB1-E6AA-4AD1-B543-F1E4ED87AA99}">
-      <dgm:prSet/>
-      <dgm:spPr/>
-      <dgm:t>
-        <a:bodyPr/>
-        <a:lstStyle/>
-        <a:p>
-          <a:endParaRPr lang="en-US"/>
-        </a:p>
-      </dgm:t>
-    </dgm:pt>
-    <dgm:pt modelId="{167CC622-B876-4719-B525-87BD2EA558D0}" type="sibTrans" cxnId="{F7F87BB1-E6AA-4AD1-B543-F1E4ED87AA99}">
-      <dgm:prSet/>
-      <dgm:spPr/>
-      <dgm:t>
-        <a:bodyPr/>
-        <a:lstStyle/>
-        <a:p>
-          <a:endParaRPr lang="en-US"/>
-        </a:p>
-      </dgm:t>
-    </dgm:pt>
-    <dgm:pt modelId="{EAA47075-22F9-4A01-8711-BE948D49F49C}">
-      <dgm:prSet/>
-      <dgm:spPr/>
-      <dgm:t>
-        <a:bodyPr/>
-        <a:lstStyle/>
-        <a:p>
-          <a:pPr>
-            <a:lnSpc>
-              <a:spcPct val="100000"/>
-            </a:lnSpc>
-          </a:pPr>
-          <a:r>
-            <a:rPr lang="en-US"/>
-            <a:t>Bayesian modeling</a:t>
-          </a:r>
-        </a:p>
-      </dgm:t>
-    </dgm:pt>
-    <dgm:pt modelId="{8B7B2EBD-59AA-471F-91CE-6DF0B8A9AA2A}" type="parTrans" cxnId="{91B51092-2F32-4440-90F0-F4420E24CB56}">
-      <dgm:prSet/>
-      <dgm:spPr/>
-      <dgm:t>
-        <a:bodyPr/>
-        <a:lstStyle/>
-        <a:p>
-          <a:endParaRPr lang="en-US"/>
-        </a:p>
-      </dgm:t>
-    </dgm:pt>
-    <dgm:pt modelId="{13B6F4FE-A578-4622-BFB7-F57FCFAB0C7E}" type="sibTrans" cxnId="{91B51092-2F32-4440-90F0-F4420E24CB56}">
-      <dgm:prSet/>
-      <dgm:spPr/>
-      <dgm:t>
-        <a:bodyPr/>
-        <a:lstStyle/>
-        <a:p>
-          <a:endParaRPr lang="en-US"/>
-        </a:p>
-      </dgm:t>
-    </dgm:pt>
-    <dgm:pt modelId="{5BDFFC33-F3F3-4C27-B365-53BC64D17EA1}">
-      <dgm:prSet/>
-      <dgm:spPr/>
-      <dgm:t>
-        <a:bodyPr/>
-        <a:lstStyle/>
-        <a:p>
-          <a:pPr>
-            <a:lnSpc>
-              <a:spcPct val="100000"/>
-            </a:lnSpc>
-          </a:pPr>
-          <a:r>
-            <a:rPr lang="en-US" dirty="0"/>
-            <a:t>Predictive modeling, AI/ML</a:t>
-          </a:r>
-        </a:p>
-      </dgm:t>
-    </dgm:pt>
-    <dgm:pt modelId="{5DAC0F94-6A3D-4D33-9F7D-5C998D75BB7B}" type="parTrans" cxnId="{D9FE4FAD-D24F-4255-BFB9-30A0C2F1E9AD}">
-      <dgm:prSet/>
-      <dgm:spPr/>
-      <dgm:t>
-        <a:bodyPr/>
-        <a:lstStyle/>
-        <a:p>
-          <a:endParaRPr lang="en-US"/>
-        </a:p>
-      </dgm:t>
-    </dgm:pt>
-    <dgm:pt modelId="{8634D0C3-1987-4472-AA33-9EEDDF795084}" type="sibTrans" cxnId="{D9FE4FAD-D24F-4255-BFB9-30A0C2F1E9AD}">
-      <dgm:prSet/>
-      <dgm:spPr/>
-      <dgm:t>
-        <a:bodyPr/>
-        <a:lstStyle/>
-        <a:p>
-          <a:endParaRPr lang="en-US"/>
-        </a:p>
-      </dgm:t>
-    </dgm:pt>
-    <dgm:pt modelId="{A99B0678-971C-4C02-8CC0-B27CB02A3AED}">
-      <dgm:prSet/>
-      <dgm:spPr/>
-      <dgm:t>
-        <a:bodyPr/>
-        <a:lstStyle/>
-        <a:p>
-          <a:pPr>
-            <a:lnSpc>
-              <a:spcPct val="100000"/>
-            </a:lnSpc>
-          </a:pPr>
-          <a:r>
-            <a:rPr lang="en-US" dirty="0"/>
-            <a:t>Clinical trial simulations</a:t>
-          </a:r>
-        </a:p>
-      </dgm:t>
-    </dgm:pt>
-    <dgm:pt modelId="{F3B91F13-2CB7-4624-B8BA-E1472B00D4A2}" type="parTrans" cxnId="{C1E8E999-5E2B-47DC-9B83-33026DC4388D}">
-      <dgm:prSet/>
-      <dgm:spPr/>
-      <dgm:t>
-        <a:bodyPr/>
-        <a:lstStyle/>
-        <a:p>
-          <a:endParaRPr lang="en-US"/>
-        </a:p>
-      </dgm:t>
-    </dgm:pt>
-    <dgm:pt modelId="{C9805028-87A9-4A8F-92DE-BFE354CEADDB}" type="sibTrans" cxnId="{C1E8E999-5E2B-47DC-9B83-33026DC4388D}">
-      <dgm:prSet/>
-      <dgm:spPr/>
-      <dgm:t>
-        <a:bodyPr/>
-        <a:lstStyle/>
-        <a:p>
-          <a:endParaRPr lang="en-US"/>
-        </a:p>
-      </dgm:t>
-    </dgm:pt>
-    <dgm:pt modelId="{BB7F3EBB-74ED-420F-B9E7-704EEE79177B}">
-      <dgm:prSet/>
-      <dgm:spPr/>
-      <dgm:t>
-        <a:bodyPr/>
-        <a:lstStyle/>
-        <a:p>
-          <a:pPr>
-            <a:lnSpc>
-              <a:spcPct val="100000"/>
-            </a:lnSpc>
-          </a:pPr>
-          <a:r>
-            <a:rPr lang="en-US"/>
-            <a:t>Data visualization</a:t>
-          </a:r>
-        </a:p>
-      </dgm:t>
-    </dgm:pt>
-    <dgm:pt modelId="{CFF2F7A8-EAB4-4B1A-A5B6-A2C0D85D31EB}" type="parTrans" cxnId="{1EE464D3-28F4-4BC3-B7A2-FB7E41F60ED8}">
-      <dgm:prSet/>
-      <dgm:spPr/>
-      <dgm:t>
-        <a:bodyPr/>
-        <a:lstStyle/>
-        <a:p>
-          <a:endParaRPr lang="en-US"/>
-        </a:p>
-      </dgm:t>
-    </dgm:pt>
-    <dgm:pt modelId="{D13651AD-2349-4007-B2F5-B0B6FEEE1F33}" type="sibTrans" cxnId="{1EE464D3-28F4-4BC3-B7A2-FB7E41F60ED8}">
-      <dgm:prSet/>
-      <dgm:spPr/>
-      <dgm:t>
-        <a:bodyPr/>
-        <a:lstStyle/>
-        <a:p>
-          <a:endParaRPr lang="en-US"/>
-        </a:p>
-      </dgm:t>
-    </dgm:pt>
-    <dgm:pt modelId="{6A3BAC62-260F-476D-8183-BB87946D8235}">
-      <dgm:prSet/>
-      <dgm:spPr/>
-      <dgm:t>
-        <a:bodyPr/>
-        <a:lstStyle/>
-        <a:p>
-          <a:pPr>
-            <a:lnSpc>
-              <a:spcPct val="100000"/>
-            </a:lnSpc>
-          </a:pPr>
-          <a:r>
-            <a:rPr lang="en-US"/>
-            <a:t>Data science and software tools development</a:t>
-          </a:r>
-        </a:p>
-      </dgm:t>
-    </dgm:pt>
-    <dgm:pt modelId="{BD791598-944C-4673-8E61-29E55C7F10E1}" type="parTrans" cxnId="{22BC6A10-23D7-4F09-B82A-2ACA842E3B95}">
-      <dgm:prSet/>
-      <dgm:spPr/>
-      <dgm:t>
-        <a:bodyPr/>
-        <a:lstStyle/>
-        <a:p>
-          <a:endParaRPr lang="en-US"/>
-        </a:p>
-      </dgm:t>
-    </dgm:pt>
-    <dgm:pt modelId="{54E7DE15-4EC4-4D70-B1D5-212AEC675BDD}" type="sibTrans" cxnId="{22BC6A10-23D7-4F09-B82A-2ACA842E3B95}">
-      <dgm:prSet/>
-      <dgm:spPr/>
-      <dgm:t>
-        <a:bodyPr/>
-        <a:lstStyle/>
-        <a:p>
-          <a:endParaRPr lang="en-US"/>
-        </a:p>
-      </dgm:t>
-    </dgm:pt>
-    <dgm:pt modelId="{F0507DCF-16C2-40E1-ABC9-80E5BE99D107}">
-      <dgm:prSet/>
-      <dgm:spPr/>
-      <dgm:t>
-        <a:bodyPr/>
-        <a:lstStyle/>
-        <a:p>
-          <a:pPr>
-            <a:lnSpc>
-              <a:spcPct val="100000"/>
-            </a:lnSpc>
-          </a:pPr>
-          <a:r>
-            <a:rPr lang="en-US"/>
-            <a:t>Clinical drug supply optimization</a:t>
-          </a:r>
-        </a:p>
-      </dgm:t>
-    </dgm:pt>
-    <dgm:pt modelId="{3C6ACDD1-677E-432D-8A9F-3372E96B9A49}" type="parTrans" cxnId="{66655596-22A7-4105-B89F-1886B816FDC2}">
-      <dgm:prSet/>
-      <dgm:spPr/>
-      <dgm:t>
-        <a:bodyPr/>
-        <a:lstStyle/>
-        <a:p>
-          <a:endParaRPr lang="en-US"/>
-        </a:p>
-      </dgm:t>
-    </dgm:pt>
-    <dgm:pt modelId="{E049E6EC-5EFF-4BF0-B8F1-CAA15032B8B9}" type="sibTrans" cxnId="{66655596-22A7-4105-B89F-1886B816FDC2}">
-      <dgm:prSet/>
-      <dgm:spPr/>
-      <dgm:t>
-        <a:bodyPr/>
-        <a:lstStyle/>
-        <a:p>
-          <a:endParaRPr lang="en-US"/>
-        </a:p>
-      </dgm:t>
-    </dgm:pt>
-    <dgm:pt modelId="{8BE58EF4-D4DE-4D63-B1B8-0EC0D0AA28F2}" type="pres">
-      <dgm:prSet presAssocID="{72A75B75-8817-4CB9-BA66-504E9EE9A186}" presName="root" presStyleCnt="0">
-        <dgm:presLayoutVars>
-          <dgm:dir/>
-          <dgm:resizeHandles val="exact"/>
-        </dgm:presLayoutVars>
-      </dgm:prSet>
-      <dgm:spPr/>
-    </dgm:pt>
-    <dgm:pt modelId="{B13DBCD3-F33F-4A23-8155-D914B9853218}" type="pres">
-      <dgm:prSet presAssocID="{C6C623C3-F223-4B6F-B409-EB13C7DCDFEE}" presName="compNode" presStyleCnt="0"/>
-      <dgm:spPr/>
-    </dgm:pt>
-    <dgm:pt modelId="{2A62251A-2EE6-4DCE-9211-91DD9E3288C8}" type="pres">
-      <dgm:prSet presAssocID="{C6C623C3-F223-4B6F-B409-EB13C7DCDFEE}" presName="iconRect" presStyleLbl="node1" presStyleIdx="0" presStyleCnt="2"/>
-      <dgm:spPr>
-        <a:blipFill>
-          <a:blip xmlns:r="http://schemas.openxmlformats.org/officeDocument/2006/relationships" r:embed="rId1">
-            <a:extLst>
-              <a:ext uri="{28A0092B-C50C-407E-A947-70E740481C1C}">
-                <a14:useLocalDpi xmlns:a14="http://schemas.microsoft.com/office/drawing/2010/main" val="0"/>
-              </a:ext>
-              <a:ext uri="{96DAC541-7B7A-43D3-8B79-37D633B846F1}">
-                <asvg:svgBlip xmlns:asvg="http://schemas.microsoft.com/office/drawing/2016/SVG/main" r:embed="rId2"/>
-              </a:ext>
-            </a:extLst>
-          </a:blip>
-          <a:stretch>
-            <a:fillRect/>
-          </a:stretch>
-        </a:blipFill>
-      </dgm:spPr>
-      <dgm:extLst>
-        <a:ext uri="{E40237B7-FDA0-4F09-8148-C483321AD2D9}">
-          <dgm14:cNvPr xmlns:dgm14="http://schemas.microsoft.com/office/drawing/2010/diagram" id="0" name="" descr="Users"/>
-        </a:ext>
-      </dgm:extLst>
-    </dgm:pt>
-    <dgm:pt modelId="{FC3FE39A-FAD2-43D4-960D-F61465F2AC46}" type="pres">
-      <dgm:prSet presAssocID="{C6C623C3-F223-4B6F-B409-EB13C7DCDFEE}" presName="iconSpace" presStyleCnt="0"/>
-      <dgm:spPr/>
-    </dgm:pt>
-    <dgm:pt modelId="{E4A9A4DB-2FBE-4A3D-A50C-170C890E9A3A}" type="pres">
-      <dgm:prSet presAssocID="{C6C623C3-F223-4B6F-B409-EB13C7DCDFEE}" presName="parTx" presStyleLbl="revTx" presStyleIdx="0" presStyleCnt="4">
-        <dgm:presLayoutVars>
-          <dgm:chMax val="0"/>
-          <dgm:chPref val="0"/>
-        </dgm:presLayoutVars>
-      </dgm:prSet>
-      <dgm:spPr/>
-    </dgm:pt>
-    <dgm:pt modelId="{C0F2BBE3-00CB-49CC-A25F-A92936BE6E89}" type="pres">
-      <dgm:prSet presAssocID="{C6C623C3-F223-4B6F-B409-EB13C7DCDFEE}" presName="txSpace" presStyleCnt="0"/>
-      <dgm:spPr/>
-    </dgm:pt>
-    <dgm:pt modelId="{1C87AE4B-0A5B-46A3-ACE7-7ED00C648DD8}" type="pres">
-      <dgm:prSet presAssocID="{C6C623C3-F223-4B6F-B409-EB13C7DCDFEE}" presName="desTx" presStyleLbl="revTx" presStyleIdx="1" presStyleCnt="4">
-        <dgm:presLayoutVars/>
-      </dgm:prSet>
-      <dgm:spPr/>
-    </dgm:pt>
-    <dgm:pt modelId="{62F1B815-663D-455A-B0AA-6A5F2637E25D}" type="pres">
-      <dgm:prSet presAssocID="{D5D31F36-EE61-4191-85AE-D40F24339765}" presName="sibTrans" presStyleCnt="0"/>
-      <dgm:spPr/>
-    </dgm:pt>
-    <dgm:pt modelId="{30B7B0BB-D8B4-423C-AF63-E8B22F64DEBF}" type="pres">
-      <dgm:prSet presAssocID="{EBB18FCD-9CBE-46E5-BA0F-61AD39AA39A5}" presName="compNode" presStyleCnt="0"/>
-      <dgm:spPr/>
-    </dgm:pt>
-    <dgm:pt modelId="{D61D37BB-B0ED-4156-B226-5B62FE0A081F}" type="pres">
-      <dgm:prSet presAssocID="{EBB18FCD-9CBE-46E5-BA0F-61AD39AA39A5}" presName="iconRect" presStyleLbl="node1" presStyleIdx="1" presStyleCnt="2"/>
-      <dgm:spPr>
-        <a:blipFill>
-          <a:blip xmlns:r="http://schemas.openxmlformats.org/officeDocument/2006/relationships" r:embed="rId3">
-            <a:extLst>
-              <a:ext uri="{28A0092B-C50C-407E-A947-70E740481C1C}">
-                <a14:useLocalDpi xmlns:a14="http://schemas.microsoft.com/office/drawing/2010/main" val="0"/>
-              </a:ext>
-              <a:ext uri="{96DAC541-7B7A-43D3-8B79-37D633B846F1}">
-                <asvg:svgBlip xmlns:asvg="http://schemas.microsoft.com/office/drawing/2016/SVG/main" r:embed="rId4"/>
-              </a:ext>
-            </a:extLst>
-          </a:blip>
-          <a:stretch>
-            <a:fillRect/>
-          </a:stretch>
-        </a:blipFill>
-      </dgm:spPr>
-      <dgm:extLst>
-        <a:ext uri="{E40237B7-FDA0-4F09-8148-C483321AD2D9}">
-          <dgm14:cNvPr xmlns:dgm14="http://schemas.microsoft.com/office/drawing/2010/diagram" id="0" name="" descr="Head with Gears"/>
-        </a:ext>
-      </dgm:extLst>
-    </dgm:pt>
-    <dgm:pt modelId="{91D7A99B-47AD-41E9-89CB-6C12647BA1D7}" type="pres">
-      <dgm:prSet presAssocID="{EBB18FCD-9CBE-46E5-BA0F-61AD39AA39A5}" presName="iconSpace" presStyleCnt="0"/>
-      <dgm:spPr/>
-    </dgm:pt>
-    <dgm:pt modelId="{3671FAAE-AF83-4783-9EC8-D2811CF36438}" type="pres">
-      <dgm:prSet presAssocID="{EBB18FCD-9CBE-46E5-BA0F-61AD39AA39A5}" presName="parTx" presStyleLbl="revTx" presStyleIdx="2" presStyleCnt="4">
-        <dgm:presLayoutVars>
-          <dgm:chMax val="0"/>
-          <dgm:chPref val="0"/>
-        </dgm:presLayoutVars>
-      </dgm:prSet>
-      <dgm:spPr/>
-    </dgm:pt>
-    <dgm:pt modelId="{2FDC435C-D989-449A-80DC-6C1F231C590C}" type="pres">
-      <dgm:prSet presAssocID="{EBB18FCD-9CBE-46E5-BA0F-61AD39AA39A5}" presName="txSpace" presStyleCnt="0"/>
-      <dgm:spPr/>
-    </dgm:pt>
-    <dgm:pt modelId="{2F261AF9-F3D4-41F8-BBB8-7294364A96F4}" type="pres">
-      <dgm:prSet presAssocID="{EBB18FCD-9CBE-46E5-BA0F-61AD39AA39A5}" presName="desTx" presStyleLbl="revTx" presStyleIdx="3" presStyleCnt="4">
-        <dgm:presLayoutVars/>
-      </dgm:prSet>
-      <dgm:spPr/>
-    </dgm:pt>
-  </dgm:ptLst>
-  <dgm:cxnLst>
-    <dgm:cxn modelId="{FC9B4700-0983-4BC8-97FD-B2F4A8BF82F4}" type="presOf" srcId="{72A75B75-8817-4CB9-BA66-504E9EE9A186}" destId="{8BE58EF4-D4DE-4D63-B1B8-0EC0D0AA28F2}" srcOrd="0" destOrd="0" presId="urn:microsoft.com/office/officeart/2018/2/layout/IconLabelDescriptionList"/>
-    <dgm:cxn modelId="{22BC6A10-23D7-4F09-B82A-2ACA842E3B95}" srcId="{EBB18FCD-9CBE-46E5-BA0F-61AD39AA39A5}" destId="{6A3BAC62-260F-476D-8183-BB87946D8235}" srcOrd="4" destOrd="0" parTransId="{BD791598-944C-4673-8E61-29E55C7F10E1}" sibTransId="{54E7DE15-4EC4-4D70-B1D5-212AEC675BDD}"/>
-    <dgm:cxn modelId="{FA5B7A1F-F8C8-4C8A-9F3E-742D2213C548}" type="presOf" srcId="{400FD9F8-0B5D-47C6-8136-A0E0EED7FB6D}" destId="{1C87AE4B-0A5B-46A3-ACE7-7ED00C648DD8}" srcOrd="0" destOrd="0" presId="urn:microsoft.com/office/officeart/2018/2/layout/IconLabelDescriptionList"/>
-    <dgm:cxn modelId="{15FD0E2B-084F-47E8-B1D7-AE2C5815E748}" type="presOf" srcId="{C6C623C3-F223-4B6F-B409-EB13C7DCDFEE}" destId="{E4A9A4DB-2FBE-4A3D-A50C-170C890E9A3A}" srcOrd="0" destOrd="0" presId="urn:microsoft.com/office/officeart/2018/2/layout/IconLabelDescriptionList"/>
-    <dgm:cxn modelId="{DF37D42D-B8FA-4250-843E-486B9A4627BB}" type="presOf" srcId="{EAA47075-22F9-4A01-8711-BE948D49F49C}" destId="{2F261AF9-F3D4-41F8-BBB8-7294364A96F4}" srcOrd="0" destOrd="0" presId="urn:microsoft.com/office/officeart/2018/2/layout/IconLabelDescriptionList"/>
-    <dgm:cxn modelId="{93988B31-B004-493F-A849-DAE54B639DAC}" srcId="{C6C623C3-F223-4B6F-B409-EB13C7DCDFEE}" destId="{400FD9F8-0B5D-47C6-8136-A0E0EED7FB6D}" srcOrd="0" destOrd="0" parTransId="{5577ADAE-68C0-4EFF-8778-9636FAA685D0}" sibTransId="{1C327E21-A0AF-46A3-AABA-B6C8B3FF18A8}"/>
-    <dgm:cxn modelId="{D07DDB40-2F03-4CAD-8121-1A8DE961CDDB}" type="presOf" srcId="{91E10FE5-2CA6-4550-82F2-2E0973E1FBB6}" destId="{1C87AE4B-0A5B-46A3-ACE7-7ED00C648DD8}" srcOrd="0" destOrd="2" presId="urn:microsoft.com/office/officeart/2018/2/layout/IconLabelDescriptionList"/>
-    <dgm:cxn modelId="{1D0A6061-0E49-4823-920F-0D3EA9A63520}" type="presOf" srcId="{6A3BAC62-260F-476D-8183-BB87946D8235}" destId="{2F261AF9-F3D4-41F8-BBB8-7294364A96F4}" srcOrd="0" destOrd="4" presId="urn:microsoft.com/office/officeart/2018/2/layout/IconLabelDescriptionList"/>
-    <dgm:cxn modelId="{7A7D4F4A-D9A7-46EB-A432-0A57640D63D8}" srcId="{C6C623C3-F223-4B6F-B409-EB13C7DCDFEE}" destId="{FFC33428-A9F1-41FC-BA75-A7B77EDE9B6F}" srcOrd="1" destOrd="0" parTransId="{3E5D4DE3-D7CE-4727-A56A-C410E3ED2A43}" sibTransId="{5525909B-A10C-40BB-AC4C-99CD8C0487C3}"/>
-    <dgm:cxn modelId="{B8D08D4D-7215-4128-9987-A6D9A2C81D54}" srcId="{72A75B75-8817-4CB9-BA66-504E9EE9A186}" destId="{C6C623C3-F223-4B6F-B409-EB13C7DCDFEE}" srcOrd="0" destOrd="0" parTransId="{2EBF3943-6FF3-48A1-846C-03B6DF501A9E}" sibTransId="{D5D31F36-EE61-4191-85AE-D40F24339765}"/>
-    <dgm:cxn modelId="{A7666457-EB42-44D7-B160-4CF6C96A4287}" type="presOf" srcId="{EBB18FCD-9CBE-46E5-BA0F-61AD39AA39A5}" destId="{3671FAAE-AF83-4783-9EC8-D2811CF36438}" srcOrd="0" destOrd="0" presId="urn:microsoft.com/office/officeart/2018/2/layout/IconLabelDescriptionList"/>
-    <dgm:cxn modelId="{C339BD79-F69C-48E3-93CF-E052C4D3D950}" type="presOf" srcId="{A99B0678-971C-4C02-8CC0-B27CB02A3AED}" destId="{2F261AF9-F3D4-41F8-BBB8-7294364A96F4}" srcOrd="0" destOrd="2" presId="urn:microsoft.com/office/officeart/2018/2/layout/IconLabelDescriptionList"/>
-    <dgm:cxn modelId="{BB11187C-F9E3-4FB2-9E89-787C3AF9E625}" type="presOf" srcId="{BB7F3EBB-74ED-420F-B9E7-704EEE79177B}" destId="{2F261AF9-F3D4-41F8-BBB8-7294364A96F4}" srcOrd="0" destOrd="3" presId="urn:microsoft.com/office/officeart/2018/2/layout/IconLabelDescriptionList"/>
-    <dgm:cxn modelId="{0900EE7C-9CCE-45C8-9D80-E54884332E0F}" srcId="{C6C623C3-F223-4B6F-B409-EB13C7DCDFEE}" destId="{91E10FE5-2CA6-4550-82F2-2E0973E1FBB6}" srcOrd="2" destOrd="0" parTransId="{D96358B7-2E4D-4683-92A8-D6C934DFD887}" sibTransId="{524BFD1D-A935-44BB-95B1-3070160E6F91}"/>
-    <dgm:cxn modelId="{9B80BA90-DBF2-49D8-A786-08A3F00A2A37}" type="presOf" srcId="{5BDFFC33-F3F3-4C27-B365-53BC64D17EA1}" destId="{2F261AF9-F3D4-41F8-BBB8-7294364A96F4}" srcOrd="0" destOrd="1" presId="urn:microsoft.com/office/officeart/2018/2/layout/IconLabelDescriptionList"/>
-    <dgm:cxn modelId="{91B51092-2F32-4440-90F0-F4420E24CB56}" srcId="{EBB18FCD-9CBE-46E5-BA0F-61AD39AA39A5}" destId="{EAA47075-22F9-4A01-8711-BE948D49F49C}" srcOrd="0" destOrd="0" parTransId="{8B7B2EBD-59AA-471F-91CE-6DF0B8A9AA2A}" sibTransId="{13B6F4FE-A578-4622-BFB7-F57FCFAB0C7E}"/>
-    <dgm:cxn modelId="{66655596-22A7-4105-B89F-1886B816FDC2}" srcId="{EBB18FCD-9CBE-46E5-BA0F-61AD39AA39A5}" destId="{F0507DCF-16C2-40E1-ABC9-80E5BE99D107}" srcOrd="5" destOrd="0" parTransId="{3C6ACDD1-677E-432D-8A9F-3372E96B9A49}" sibTransId="{E049E6EC-5EFF-4BF0-B8F1-CAA15032B8B9}"/>
-    <dgm:cxn modelId="{C1E8E999-5E2B-47DC-9B83-33026DC4388D}" srcId="{EBB18FCD-9CBE-46E5-BA0F-61AD39AA39A5}" destId="{A99B0678-971C-4C02-8CC0-B27CB02A3AED}" srcOrd="2" destOrd="0" parTransId="{F3B91F13-2CB7-4624-B8BA-E1472B00D4A2}" sibTransId="{C9805028-87A9-4A8F-92DE-BFE354CEADDB}"/>
-    <dgm:cxn modelId="{D9FE4FAD-D24F-4255-BFB9-30A0C2F1E9AD}" srcId="{EBB18FCD-9CBE-46E5-BA0F-61AD39AA39A5}" destId="{5BDFFC33-F3F3-4C27-B365-53BC64D17EA1}" srcOrd="1" destOrd="0" parTransId="{5DAC0F94-6A3D-4D33-9F7D-5C998D75BB7B}" sibTransId="{8634D0C3-1987-4472-AA33-9EEDDF795084}"/>
-    <dgm:cxn modelId="{F7F87BB1-E6AA-4AD1-B543-F1E4ED87AA99}" srcId="{72A75B75-8817-4CB9-BA66-504E9EE9A186}" destId="{EBB18FCD-9CBE-46E5-BA0F-61AD39AA39A5}" srcOrd="1" destOrd="0" parTransId="{3F4D2DB3-E03F-404C-B10B-C88A862C135B}" sibTransId="{167CC622-B876-4719-B525-87BD2EA558D0}"/>
-    <dgm:cxn modelId="{B50F25D1-45AF-4BE0-8273-A20FE4C97F32}" type="presOf" srcId="{F0507DCF-16C2-40E1-ABC9-80E5BE99D107}" destId="{2F261AF9-F3D4-41F8-BBB8-7294364A96F4}" srcOrd="0" destOrd="5" presId="urn:microsoft.com/office/officeart/2018/2/layout/IconLabelDescriptionList"/>
-    <dgm:cxn modelId="{1EE464D3-28F4-4BC3-B7A2-FB7E41F60ED8}" srcId="{EBB18FCD-9CBE-46E5-BA0F-61AD39AA39A5}" destId="{BB7F3EBB-74ED-420F-B9E7-704EEE79177B}" srcOrd="3" destOrd="0" parTransId="{CFF2F7A8-EAB4-4B1A-A5B6-A2C0D85D31EB}" sibTransId="{D13651AD-2349-4007-B2F5-B0B6FEEE1F33}"/>
-    <dgm:cxn modelId="{344EB8E4-85B2-40CD-9241-6F762374F7B1}" type="presOf" srcId="{FFC33428-A9F1-41FC-BA75-A7B77EDE9B6F}" destId="{1C87AE4B-0A5B-46A3-ACE7-7ED00C648DD8}" srcOrd="0" destOrd="1" presId="urn:microsoft.com/office/officeart/2018/2/layout/IconLabelDescriptionList"/>
-    <dgm:cxn modelId="{9BFCE7AC-03AD-43E5-9465-490859C399C1}" type="presParOf" srcId="{8BE58EF4-D4DE-4D63-B1B8-0EC0D0AA28F2}" destId="{B13DBCD3-F33F-4A23-8155-D914B9853218}" srcOrd="0" destOrd="0" presId="urn:microsoft.com/office/officeart/2018/2/layout/IconLabelDescriptionList"/>
-    <dgm:cxn modelId="{069D5BE1-392E-474C-A0F1-322F1B3799FE}" type="presParOf" srcId="{B13DBCD3-F33F-4A23-8155-D914B9853218}" destId="{2A62251A-2EE6-4DCE-9211-91DD9E3288C8}" srcOrd="0" destOrd="0" presId="urn:microsoft.com/office/officeart/2018/2/layout/IconLabelDescriptionList"/>
-    <dgm:cxn modelId="{C57A97CA-ACD4-47AA-A6B4-3A84E1FDF5C2}" type="presParOf" srcId="{B13DBCD3-F33F-4A23-8155-D914B9853218}" destId="{FC3FE39A-FAD2-43D4-960D-F61465F2AC46}" srcOrd="1" destOrd="0" presId="urn:microsoft.com/office/officeart/2018/2/layout/IconLabelDescriptionList"/>
-    <dgm:cxn modelId="{A7004778-B1FE-4204-98C2-FE72679A9EB7}" type="presParOf" srcId="{B13DBCD3-F33F-4A23-8155-D914B9853218}" destId="{E4A9A4DB-2FBE-4A3D-A50C-170C890E9A3A}" srcOrd="2" destOrd="0" presId="urn:microsoft.com/office/officeart/2018/2/layout/IconLabelDescriptionList"/>
-    <dgm:cxn modelId="{72380F6B-33F4-4762-8220-A9326F2C2C49}" type="presParOf" srcId="{B13DBCD3-F33F-4A23-8155-D914B9853218}" destId="{C0F2BBE3-00CB-49CC-A25F-A92936BE6E89}" srcOrd="3" destOrd="0" presId="urn:microsoft.com/office/officeart/2018/2/layout/IconLabelDescriptionList"/>
-    <dgm:cxn modelId="{427722E6-4301-4715-AE4C-799EECDDB357}" type="presParOf" srcId="{B13DBCD3-F33F-4A23-8155-D914B9853218}" destId="{1C87AE4B-0A5B-46A3-ACE7-7ED00C648DD8}" srcOrd="4" destOrd="0" presId="urn:microsoft.com/office/officeart/2018/2/layout/IconLabelDescriptionList"/>
-    <dgm:cxn modelId="{8CE7BE8E-C56C-467D-A0B3-2BE11164328F}" type="presParOf" srcId="{8BE58EF4-D4DE-4D63-B1B8-0EC0D0AA28F2}" destId="{62F1B815-663D-455A-B0AA-6A5F2637E25D}" srcOrd="1" destOrd="0" presId="urn:microsoft.com/office/officeart/2018/2/layout/IconLabelDescriptionList"/>
-    <dgm:cxn modelId="{E32C5C64-0E24-406F-A49C-125FF10CF413}" type="presParOf" srcId="{8BE58EF4-D4DE-4D63-B1B8-0EC0D0AA28F2}" destId="{30B7B0BB-D8B4-423C-AF63-E8B22F64DEBF}" srcOrd="2" destOrd="0" presId="urn:microsoft.com/office/officeart/2018/2/layout/IconLabelDescriptionList"/>
-    <dgm:cxn modelId="{813670BF-7932-4F0E-8611-9AD71C648606}" type="presParOf" srcId="{30B7B0BB-D8B4-423C-AF63-E8B22F64DEBF}" destId="{D61D37BB-B0ED-4156-B226-5B62FE0A081F}" srcOrd="0" destOrd="0" presId="urn:microsoft.com/office/officeart/2018/2/layout/IconLabelDescriptionList"/>
-    <dgm:cxn modelId="{3C42914B-E294-482A-8889-F1E1FF677FE0}" type="presParOf" srcId="{30B7B0BB-D8B4-423C-AF63-E8B22F64DEBF}" destId="{91D7A99B-47AD-41E9-89CB-6C12647BA1D7}" srcOrd="1" destOrd="0" presId="urn:microsoft.com/office/officeart/2018/2/layout/IconLabelDescriptionList"/>
-    <dgm:cxn modelId="{9C517161-3D30-4381-90B0-2450433F1CDF}" type="presParOf" srcId="{30B7B0BB-D8B4-423C-AF63-E8B22F64DEBF}" destId="{3671FAAE-AF83-4783-9EC8-D2811CF36438}" srcOrd="2" destOrd="0" presId="urn:microsoft.com/office/officeart/2018/2/layout/IconLabelDescriptionList"/>
-    <dgm:cxn modelId="{55BE6AA6-5A5F-4424-9E1C-56FAC8ADE1E6}" type="presParOf" srcId="{30B7B0BB-D8B4-423C-AF63-E8B22F64DEBF}" destId="{2FDC435C-D989-449A-80DC-6C1F231C590C}" srcOrd="3" destOrd="0" presId="urn:microsoft.com/office/officeart/2018/2/layout/IconLabelDescriptionList"/>
-    <dgm:cxn modelId="{E74C805E-ED9F-466A-8A54-0DF1687E2DBF}" type="presParOf" srcId="{30B7B0BB-D8B4-423C-AF63-E8B22F64DEBF}" destId="{2F261AF9-F3D4-41F8-BBB8-7294364A96F4}" srcOrd="4" destOrd="0" presId="urn:microsoft.com/office/officeart/2018/2/layout/IconLabelDescriptionList"/>
-  </dgm:cxnLst>
-  <dgm:bg/>
-  <dgm:whole/>
-  <dgm:extLst>
-    <a:ext uri="http://schemas.microsoft.com/office/drawing/2008/diagram">
-      <dsp:dataModelExt xmlns:dsp="http://schemas.microsoft.com/office/drawing/2008/diagram" relId="rId8" minVer="http://schemas.openxmlformats.org/drawingml/2006/diagram"/>
-    </a:ext>
-  </dgm:extLst>
-</dgm:dataModel>
-</file>
-
-<file path=ppt/diagrams/data3.xml><?xml version="1.0" encoding="utf-8"?>
 <dgm:dataModel xmlns:dgm="http://schemas.openxmlformats.org/drawingml/2006/diagram" xmlns:a="http://schemas.openxmlformats.org/drawingml/2006/main">
   <dgm:ptLst>
     <dgm:pt modelId="{91618165-352A-4641-A024-0E1B0F289E04}" type="doc">
@@ -4775,6 +3642,639 @@
   <dgm:extLst>
     <a:ext uri="http://schemas.microsoft.com/office/drawing/2008/diagram">
       <dsp:dataModelExt xmlns:dsp="http://schemas.microsoft.com/office/drawing/2008/diagram" relId="rId6" minVer="http://schemas.openxmlformats.org/drawingml/2006/diagram"/>
+    </a:ext>
+  </dgm:extLst>
+</dgm:dataModel>
+</file>
+
+<file path=ppt/diagrams/data3.xml><?xml version="1.0" encoding="utf-8"?>
+<dgm:dataModel xmlns:dgm="http://schemas.openxmlformats.org/drawingml/2006/diagram" xmlns:a="http://schemas.openxmlformats.org/drawingml/2006/main">
+  <dgm:ptLst>
+    <dgm:pt modelId="{72A75B75-8817-4CB9-BA66-504E9EE9A186}" type="doc">
+      <dgm:prSet loTypeId="urn:microsoft.com/office/officeart/2018/2/layout/IconLabelDescriptionList" loCatId="icon" qsTypeId="urn:microsoft.com/office/officeart/2005/8/quickstyle/simple1" qsCatId="simple" csTypeId="urn:microsoft.com/office/officeart/2005/8/colors/accent1_2" csCatId="accent1" phldr="1"/>
+      <dgm:spPr/>
+      <dgm:t>
+        <a:bodyPr/>
+        <a:lstStyle/>
+        <a:p>
+          <a:endParaRPr lang="en-US"/>
+        </a:p>
+      </dgm:t>
+    </dgm:pt>
+    <dgm:pt modelId="{C6C623C3-F223-4B6F-B409-EB13C7DCDFEE}">
+      <dgm:prSet custT="1"/>
+      <dgm:spPr/>
+      <dgm:t>
+        <a:bodyPr/>
+        <a:lstStyle/>
+        <a:p>
+          <a:pPr>
+            <a:lnSpc>
+              <a:spcPct val="100000"/>
+            </a:lnSpc>
+            <a:defRPr b="1"/>
+          </a:pPr>
+          <a:r>
+            <a:rPr lang="en-US" sz="2000"/>
+            <a:t>Initial Membership</a:t>
+          </a:r>
+        </a:p>
+      </dgm:t>
+    </dgm:pt>
+    <dgm:pt modelId="{2EBF3943-6FF3-48A1-846C-03B6DF501A9E}" type="parTrans" cxnId="{B8D08D4D-7215-4128-9987-A6D9A2C81D54}">
+      <dgm:prSet/>
+      <dgm:spPr/>
+      <dgm:t>
+        <a:bodyPr/>
+        <a:lstStyle/>
+        <a:p>
+          <a:endParaRPr lang="en-US"/>
+        </a:p>
+      </dgm:t>
+    </dgm:pt>
+    <dgm:pt modelId="{D5D31F36-EE61-4191-85AE-D40F24339765}" type="sibTrans" cxnId="{B8D08D4D-7215-4128-9987-A6D9A2C81D54}">
+      <dgm:prSet/>
+      <dgm:spPr/>
+      <dgm:t>
+        <a:bodyPr/>
+        <a:lstStyle/>
+        <a:p>
+          <a:endParaRPr lang="en-US"/>
+        </a:p>
+      </dgm:t>
+    </dgm:pt>
+    <dgm:pt modelId="{400FD9F8-0B5D-47C6-8136-A0E0EED7FB6D}">
+      <dgm:prSet/>
+      <dgm:spPr/>
+      <dgm:t>
+        <a:bodyPr/>
+        <a:lstStyle/>
+        <a:p>
+          <a:pPr>
+            <a:lnSpc>
+              <a:spcPct val="100000"/>
+            </a:lnSpc>
+          </a:pPr>
+          <a:r>
+            <a:rPr lang="en-US"/>
+            <a:t>Statisticians</a:t>
+          </a:r>
+        </a:p>
+      </dgm:t>
+    </dgm:pt>
+    <dgm:pt modelId="{5577ADAE-68C0-4EFF-8778-9636FAA685D0}" type="parTrans" cxnId="{93988B31-B004-493F-A849-DAE54B639DAC}">
+      <dgm:prSet/>
+      <dgm:spPr/>
+      <dgm:t>
+        <a:bodyPr/>
+        <a:lstStyle/>
+        <a:p>
+          <a:endParaRPr lang="en-US"/>
+        </a:p>
+      </dgm:t>
+    </dgm:pt>
+    <dgm:pt modelId="{1C327E21-A0AF-46A3-AABA-B6C8B3FF18A8}" type="sibTrans" cxnId="{93988B31-B004-493F-A849-DAE54B639DAC}">
+      <dgm:prSet/>
+      <dgm:spPr/>
+      <dgm:t>
+        <a:bodyPr/>
+        <a:lstStyle/>
+        <a:p>
+          <a:endParaRPr lang="en-US"/>
+        </a:p>
+      </dgm:t>
+    </dgm:pt>
+    <dgm:pt modelId="{FFC33428-A9F1-41FC-BA75-A7B77EDE9B6F}">
+      <dgm:prSet/>
+      <dgm:spPr/>
+      <dgm:t>
+        <a:bodyPr/>
+        <a:lstStyle/>
+        <a:p>
+          <a:pPr>
+            <a:lnSpc>
+              <a:spcPct val="100000"/>
+            </a:lnSpc>
+          </a:pPr>
+          <a:r>
+            <a:rPr lang="en-US"/>
+            <a:t>Clinical operations professionals</a:t>
+          </a:r>
+        </a:p>
+      </dgm:t>
+    </dgm:pt>
+    <dgm:pt modelId="{3E5D4DE3-D7CE-4727-A56A-C410E3ED2A43}" type="parTrans" cxnId="{7A7D4F4A-D9A7-46EB-A432-0A57640D63D8}">
+      <dgm:prSet/>
+      <dgm:spPr/>
+      <dgm:t>
+        <a:bodyPr/>
+        <a:lstStyle/>
+        <a:p>
+          <a:endParaRPr lang="en-US"/>
+        </a:p>
+      </dgm:t>
+    </dgm:pt>
+    <dgm:pt modelId="{5525909B-A10C-40BB-AC4C-99CD8C0487C3}" type="sibTrans" cxnId="{7A7D4F4A-D9A7-46EB-A432-0A57640D63D8}">
+      <dgm:prSet/>
+      <dgm:spPr/>
+      <dgm:t>
+        <a:bodyPr/>
+        <a:lstStyle/>
+        <a:p>
+          <a:endParaRPr lang="en-US"/>
+        </a:p>
+      </dgm:t>
+    </dgm:pt>
+    <dgm:pt modelId="{91E10FE5-2CA6-4550-82F2-2E0973E1FBB6}">
+      <dgm:prSet/>
+      <dgm:spPr/>
+      <dgm:t>
+        <a:bodyPr/>
+        <a:lstStyle/>
+        <a:p>
+          <a:pPr>
+            <a:lnSpc>
+              <a:spcPct val="100000"/>
+            </a:lnSpc>
+          </a:pPr>
+          <a:r>
+            <a:rPr lang="en-US"/>
+            <a:t>Data scientists</a:t>
+          </a:r>
+        </a:p>
+      </dgm:t>
+    </dgm:pt>
+    <dgm:pt modelId="{D96358B7-2E4D-4683-92A8-D6C934DFD887}" type="parTrans" cxnId="{0900EE7C-9CCE-45C8-9D80-E54884332E0F}">
+      <dgm:prSet/>
+      <dgm:spPr/>
+      <dgm:t>
+        <a:bodyPr/>
+        <a:lstStyle/>
+        <a:p>
+          <a:endParaRPr lang="en-US"/>
+        </a:p>
+      </dgm:t>
+    </dgm:pt>
+    <dgm:pt modelId="{524BFD1D-A935-44BB-95B1-3070160E6F91}" type="sibTrans" cxnId="{0900EE7C-9CCE-45C8-9D80-E54884332E0F}">
+      <dgm:prSet/>
+      <dgm:spPr/>
+      <dgm:t>
+        <a:bodyPr/>
+        <a:lstStyle/>
+        <a:p>
+          <a:endParaRPr lang="en-US"/>
+        </a:p>
+      </dgm:t>
+    </dgm:pt>
+    <dgm:pt modelId="{EBB18FCD-9CBE-46E5-BA0F-61AD39AA39A5}">
+      <dgm:prSet custT="1"/>
+      <dgm:spPr/>
+      <dgm:t>
+        <a:bodyPr/>
+        <a:lstStyle/>
+        <a:p>
+          <a:pPr>
+            <a:lnSpc>
+              <a:spcPct val="100000"/>
+            </a:lnSpc>
+            <a:defRPr b="1"/>
+          </a:pPr>
+          <a:r>
+            <a:rPr lang="en-US" sz="2000"/>
+            <a:t>Desired expertise</a:t>
+          </a:r>
+        </a:p>
+      </dgm:t>
+    </dgm:pt>
+    <dgm:pt modelId="{3F4D2DB3-E03F-404C-B10B-C88A862C135B}" type="parTrans" cxnId="{F7F87BB1-E6AA-4AD1-B543-F1E4ED87AA99}">
+      <dgm:prSet/>
+      <dgm:spPr/>
+      <dgm:t>
+        <a:bodyPr/>
+        <a:lstStyle/>
+        <a:p>
+          <a:endParaRPr lang="en-US"/>
+        </a:p>
+      </dgm:t>
+    </dgm:pt>
+    <dgm:pt modelId="{167CC622-B876-4719-B525-87BD2EA558D0}" type="sibTrans" cxnId="{F7F87BB1-E6AA-4AD1-B543-F1E4ED87AA99}">
+      <dgm:prSet/>
+      <dgm:spPr/>
+      <dgm:t>
+        <a:bodyPr/>
+        <a:lstStyle/>
+        <a:p>
+          <a:endParaRPr lang="en-US"/>
+        </a:p>
+      </dgm:t>
+    </dgm:pt>
+    <dgm:pt modelId="{EAA47075-22F9-4A01-8711-BE948D49F49C}">
+      <dgm:prSet/>
+      <dgm:spPr/>
+      <dgm:t>
+        <a:bodyPr/>
+        <a:lstStyle/>
+        <a:p>
+          <a:pPr>
+            <a:lnSpc>
+              <a:spcPct val="100000"/>
+            </a:lnSpc>
+          </a:pPr>
+          <a:r>
+            <a:rPr lang="en-US" dirty="0"/>
+            <a:t>Bayesian modeling</a:t>
+          </a:r>
+        </a:p>
+      </dgm:t>
+    </dgm:pt>
+    <dgm:pt modelId="{8B7B2EBD-59AA-471F-91CE-6DF0B8A9AA2A}" type="parTrans" cxnId="{91B51092-2F32-4440-90F0-F4420E24CB56}">
+      <dgm:prSet/>
+      <dgm:spPr/>
+      <dgm:t>
+        <a:bodyPr/>
+        <a:lstStyle/>
+        <a:p>
+          <a:endParaRPr lang="en-US"/>
+        </a:p>
+      </dgm:t>
+    </dgm:pt>
+    <dgm:pt modelId="{13B6F4FE-A578-4622-BFB7-F57FCFAB0C7E}" type="sibTrans" cxnId="{91B51092-2F32-4440-90F0-F4420E24CB56}">
+      <dgm:prSet/>
+      <dgm:spPr/>
+      <dgm:t>
+        <a:bodyPr/>
+        <a:lstStyle/>
+        <a:p>
+          <a:endParaRPr lang="en-US"/>
+        </a:p>
+      </dgm:t>
+    </dgm:pt>
+    <dgm:pt modelId="{5BDFFC33-F3F3-4C27-B365-53BC64D17EA1}">
+      <dgm:prSet/>
+      <dgm:spPr/>
+      <dgm:t>
+        <a:bodyPr/>
+        <a:lstStyle/>
+        <a:p>
+          <a:pPr>
+            <a:lnSpc>
+              <a:spcPct val="100000"/>
+            </a:lnSpc>
+          </a:pPr>
+          <a:r>
+            <a:rPr lang="en-US" dirty="0"/>
+            <a:t>Predictive modeling, AI/ML</a:t>
+          </a:r>
+        </a:p>
+      </dgm:t>
+    </dgm:pt>
+    <dgm:pt modelId="{5DAC0F94-6A3D-4D33-9F7D-5C998D75BB7B}" type="parTrans" cxnId="{D9FE4FAD-D24F-4255-BFB9-30A0C2F1E9AD}">
+      <dgm:prSet/>
+      <dgm:spPr/>
+      <dgm:t>
+        <a:bodyPr/>
+        <a:lstStyle/>
+        <a:p>
+          <a:endParaRPr lang="en-US"/>
+        </a:p>
+      </dgm:t>
+    </dgm:pt>
+    <dgm:pt modelId="{8634D0C3-1987-4472-AA33-9EEDDF795084}" type="sibTrans" cxnId="{D9FE4FAD-D24F-4255-BFB9-30A0C2F1E9AD}">
+      <dgm:prSet/>
+      <dgm:spPr/>
+      <dgm:t>
+        <a:bodyPr/>
+        <a:lstStyle/>
+        <a:p>
+          <a:endParaRPr lang="en-US"/>
+        </a:p>
+      </dgm:t>
+    </dgm:pt>
+    <dgm:pt modelId="{A99B0678-971C-4C02-8CC0-B27CB02A3AED}">
+      <dgm:prSet/>
+      <dgm:spPr/>
+      <dgm:t>
+        <a:bodyPr/>
+        <a:lstStyle/>
+        <a:p>
+          <a:pPr>
+            <a:lnSpc>
+              <a:spcPct val="100000"/>
+            </a:lnSpc>
+          </a:pPr>
+          <a:r>
+            <a:rPr lang="en-US" dirty="0"/>
+            <a:t>Clinical trial simulations</a:t>
+          </a:r>
+        </a:p>
+      </dgm:t>
+    </dgm:pt>
+    <dgm:pt modelId="{F3B91F13-2CB7-4624-B8BA-E1472B00D4A2}" type="parTrans" cxnId="{C1E8E999-5E2B-47DC-9B83-33026DC4388D}">
+      <dgm:prSet/>
+      <dgm:spPr/>
+      <dgm:t>
+        <a:bodyPr/>
+        <a:lstStyle/>
+        <a:p>
+          <a:endParaRPr lang="en-US"/>
+        </a:p>
+      </dgm:t>
+    </dgm:pt>
+    <dgm:pt modelId="{C9805028-87A9-4A8F-92DE-BFE354CEADDB}" type="sibTrans" cxnId="{C1E8E999-5E2B-47DC-9B83-33026DC4388D}">
+      <dgm:prSet/>
+      <dgm:spPr/>
+      <dgm:t>
+        <a:bodyPr/>
+        <a:lstStyle/>
+        <a:p>
+          <a:endParaRPr lang="en-US"/>
+        </a:p>
+      </dgm:t>
+    </dgm:pt>
+    <dgm:pt modelId="{BB7F3EBB-74ED-420F-B9E7-704EEE79177B}">
+      <dgm:prSet/>
+      <dgm:spPr/>
+      <dgm:t>
+        <a:bodyPr/>
+        <a:lstStyle/>
+        <a:p>
+          <a:pPr>
+            <a:lnSpc>
+              <a:spcPct val="100000"/>
+            </a:lnSpc>
+          </a:pPr>
+          <a:r>
+            <a:rPr lang="en-US" dirty="0"/>
+            <a:t>Data visualization</a:t>
+          </a:r>
+        </a:p>
+      </dgm:t>
+    </dgm:pt>
+    <dgm:pt modelId="{CFF2F7A8-EAB4-4B1A-A5B6-A2C0D85D31EB}" type="parTrans" cxnId="{1EE464D3-28F4-4BC3-B7A2-FB7E41F60ED8}">
+      <dgm:prSet/>
+      <dgm:spPr/>
+      <dgm:t>
+        <a:bodyPr/>
+        <a:lstStyle/>
+        <a:p>
+          <a:endParaRPr lang="en-US"/>
+        </a:p>
+      </dgm:t>
+    </dgm:pt>
+    <dgm:pt modelId="{D13651AD-2349-4007-B2F5-B0B6FEEE1F33}" type="sibTrans" cxnId="{1EE464D3-28F4-4BC3-B7A2-FB7E41F60ED8}">
+      <dgm:prSet/>
+      <dgm:spPr/>
+      <dgm:t>
+        <a:bodyPr/>
+        <a:lstStyle/>
+        <a:p>
+          <a:endParaRPr lang="en-US"/>
+        </a:p>
+      </dgm:t>
+    </dgm:pt>
+    <dgm:pt modelId="{6A3BAC62-260F-476D-8183-BB87946D8235}">
+      <dgm:prSet/>
+      <dgm:spPr/>
+      <dgm:t>
+        <a:bodyPr/>
+        <a:lstStyle/>
+        <a:p>
+          <a:pPr>
+            <a:lnSpc>
+              <a:spcPct val="100000"/>
+            </a:lnSpc>
+          </a:pPr>
+          <a:r>
+            <a:rPr lang="en-US"/>
+            <a:t>Data science and software tools development</a:t>
+          </a:r>
+        </a:p>
+      </dgm:t>
+    </dgm:pt>
+    <dgm:pt modelId="{BD791598-944C-4673-8E61-29E55C7F10E1}" type="parTrans" cxnId="{22BC6A10-23D7-4F09-B82A-2ACA842E3B95}">
+      <dgm:prSet/>
+      <dgm:spPr/>
+      <dgm:t>
+        <a:bodyPr/>
+        <a:lstStyle/>
+        <a:p>
+          <a:endParaRPr lang="en-US"/>
+        </a:p>
+      </dgm:t>
+    </dgm:pt>
+    <dgm:pt modelId="{54E7DE15-4EC4-4D70-B1D5-212AEC675BDD}" type="sibTrans" cxnId="{22BC6A10-23D7-4F09-B82A-2ACA842E3B95}">
+      <dgm:prSet/>
+      <dgm:spPr/>
+      <dgm:t>
+        <a:bodyPr/>
+        <a:lstStyle/>
+        <a:p>
+          <a:endParaRPr lang="en-US"/>
+        </a:p>
+      </dgm:t>
+    </dgm:pt>
+    <dgm:pt modelId="{F0507DCF-16C2-40E1-ABC9-80E5BE99D107}">
+      <dgm:prSet/>
+      <dgm:spPr/>
+      <dgm:t>
+        <a:bodyPr/>
+        <a:lstStyle/>
+        <a:p>
+          <a:pPr>
+            <a:lnSpc>
+              <a:spcPct val="100000"/>
+            </a:lnSpc>
+          </a:pPr>
+          <a:r>
+            <a:rPr lang="en-US" dirty="0"/>
+            <a:t>Clinical drug supply optimization</a:t>
+          </a:r>
+        </a:p>
+      </dgm:t>
+    </dgm:pt>
+    <dgm:pt modelId="{3C6ACDD1-677E-432D-8A9F-3372E96B9A49}" type="parTrans" cxnId="{66655596-22A7-4105-B89F-1886B816FDC2}">
+      <dgm:prSet/>
+      <dgm:spPr/>
+      <dgm:t>
+        <a:bodyPr/>
+        <a:lstStyle/>
+        <a:p>
+          <a:endParaRPr lang="en-US"/>
+        </a:p>
+      </dgm:t>
+    </dgm:pt>
+    <dgm:pt modelId="{E049E6EC-5EFF-4BF0-B8F1-CAA15032B8B9}" type="sibTrans" cxnId="{66655596-22A7-4105-B89F-1886B816FDC2}">
+      <dgm:prSet/>
+      <dgm:spPr/>
+      <dgm:t>
+        <a:bodyPr/>
+        <a:lstStyle/>
+        <a:p>
+          <a:endParaRPr lang="en-US"/>
+        </a:p>
+      </dgm:t>
+    </dgm:pt>
+    <dgm:pt modelId="{8BE58EF4-D4DE-4D63-B1B8-0EC0D0AA28F2}" type="pres">
+      <dgm:prSet presAssocID="{72A75B75-8817-4CB9-BA66-504E9EE9A186}" presName="root" presStyleCnt="0">
+        <dgm:presLayoutVars>
+          <dgm:dir/>
+          <dgm:resizeHandles val="exact"/>
+        </dgm:presLayoutVars>
+      </dgm:prSet>
+      <dgm:spPr/>
+    </dgm:pt>
+    <dgm:pt modelId="{B13DBCD3-F33F-4A23-8155-D914B9853218}" type="pres">
+      <dgm:prSet presAssocID="{C6C623C3-F223-4B6F-B409-EB13C7DCDFEE}" presName="compNode" presStyleCnt="0"/>
+      <dgm:spPr/>
+    </dgm:pt>
+    <dgm:pt modelId="{2A62251A-2EE6-4DCE-9211-91DD9E3288C8}" type="pres">
+      <dgm:prSet presAssocID="{C6C623C3-F223-4B6F-B409-EB13C7DCDFEE}" presName="iconRect" presStyleLbl="node1" presStyleIdx="0" presStyleCnt="2"/>
+      <dgm:spPr>
+        <a:blipFill>
+          <a:blip xmlns:r="http://schemas.openxmlformats.org/officeDocument/2006/relationships" r:embed="rId1">
+            <a:extLst>
+              <a:ext uri="{28A0092B-C50C-407E-A947-70E740481C1C}">
+                <a14:useLocalDpi xmlns:a14="http://schemas.microsoft.com/office/drawing/2010/main" val="0"/>
+              </a:ext>
+              <a:ext uri="{96DAC541-7B7A-43D3-8B79-37D633B846F1}">
+                <asvg:svgBlip xmlns:asvg="http://schemas.microsoft.com/office/drawing/2016/SVG/main" r:embed="rId2"/>
+              </a:ext>
+            </a:extLst>
+          </a:blip>
+          <a:stretch>
+            <a:fillRect/>
+          </a:stretch>
+        </a:blipFill>
+      </dgm:spPr>
+      <dgm:extLst>
+        <a:ext uri="{E40237B7-FDA0-4F09-8148-C483321AD2D9}">
+          <dgm14:cNvPr xmlns:dgm14="http://schemas.microsoft.com/office/drawing/2010/diagram" id="0" name="" descr="Users"/>
+        </a:ext>
+      </dgm:extLst>
+    </dgm:pt>
+    <dgm:pt modelId="{FC3FE39A-FAD2-43D4-960D-F61465F2AC46}" type="pres">
+      <dgm:prSet presAssocID="{C6C623C3-F223-4B6F-B409-EB13C7DCDFEE}" presName="iconSpace" presStyleCnt="0"/>
+      <dgm:spPr/>
+    </dgm:pt>
+    <dgm:pt modelId="{E4A9A4DB-2FBE-4A3D-A50C-170C890E9A3A}" type="pres">
+      <dgm:prSet presAssocID="{C6C623C3-F223-4B6F-B409-EB13C7DCDFEE}" presName="parTx" presStyleLbl="revTx" presStyleIdx="0" presStyleCnt="4">
+        <dgm:presLayoutVars>
+          <dgm:chMax val="0"/>
+          <dgm:chPref val="0"/>
+        </dgm:presLayoutVars>
+      </dgm:prSet>
+      <dgm:spPr/>
+    </dgm:pt>
+    <dgm:pt modelId="{C0F2BBE3-00CB-49CC-A25F-A92936BE6E89}" type="pres">
+      <dgm:prSet presAssocID="{C6C623C3-F223-4B6F-B409-EB13C7DCDFEE}" presName="txSpace" presStyleCnt="0"/>
+      <dgm:spPr/>
+    </dgm:pt>
+    <dgm:pt modelId="{1C87AE4B-0A5B-46A3-ACE7-7ED00C648DD8}" type="pres">
+      <dgm:prSet presAssocID="{C6C623C3-F223-4B6F-B409-EB13C7DCDFEE}" presName="desTx" presStyleLbl="revTx" presStyleIdx="1" presStyleCnt="4">
+        <dgm:presLayoutVars/>
+      </dgm:prSet>
+      <dgm:spPr/>
+    </dgm:pt>
+    <dgm:pt modelId="{62F1B815-663D-455A-B0AA-6A5F2637E25D}" type="pres">
+      <dgm:prSet presAssocID="{D5D31F36-EE61-4191-85AE-D40F24339765}" presName="sibTrans" presStyleCnt="0"/>
+      <dgm:spPr/>
+    </dgm:pt>
+    <dgm:pt modelId="{30B7B0BB-D8B4-423C-AF63-E8B22F64DEBF}" type="pres">
+      <dgm:prSet presAssocID="{EBB18FCD-9CBE-46E5-BA0F-61AD39AA39A5}" presName="compNode" presStyleCnt="0"/>
+      <dgm:spPr/>
+    </dgm:pt>
+    <dgm:pt modelId="{D61D37BB-B0ED-4156-B226-5B62FE0A081F}" type="pres">
+      <dgm:prSet presAssocID="{EBB18FCD-9CBE-46E5-BA0F-61AD39AA39A5}" presName="iconRect" presStyleLbl="node1" presStyleIdx="1" presStyleCnt="2"/>
+      <dgm:spPr>
+        <a:blipFill>
+          <a:blip xmlns:r="http://schemas.openxmlformats.org/officeDocument/2006/relationships" r:embed="rId3">
+            <a:extLst>
+              <a:ext uri="{28A0092B-C50C-407E-A947-70E740481C1C}">
+                <a14:useLocalDpi xmlns:a14="http://schemas.microsoft.com/office/drawing/2010/main" val="0"/>
+              </a:ext>
+              <a:ext uri="{96DAC541-7B7A-43D3-8B79-37D633B846F1}">
+                <asvg:svgBlip xmlns:asvg="http://schemas.microsoft.com/office/drawing/2016/SVG/main" r:embed="rId4"/>
+              </a:ext>
+            </a:extLst>
+          </a:blip>
+          <a:stretch>
+            <a:fillRect/>
+          </a:stretch>
+        </a:blipFill>
+      </dgm:spPr>
+      <dgm:extLst>
+        <a:ext uri="{E40237B7-FDA0-4F09-8148-C483321AD2D9}">
+          <dgm14:cNvPr xmlns:dgm14="http://schemas.microsoft.com/office/drawing/2010/diagram" id="0" name="" descr="Head with Gears"/>
+        </a:ext>
+      </dgm:extLst>
+    </dgm:pt>
+    <dgm:pt modelId="{91D7A99B-47AD-41E9-89CB-6C12647BA1D7}" type="pres">
+      <dgm:prSet presAssocID="{EBB18FCD-9CBE-46E5-BA0F-61AD39AA39A5}" presName="iconSpace" presStyleCnt="0"/>
+      <dgm:spPr/>
+    </dgm:pt>
+    <dgm:pt modelId="{3671FAAE-AF83-4783-9EC8-D2811CF36438}" type="pres">
+      <dgm:prSet presAssocID="{EBB18FCD-9CBE-46E5-BA0F-61AD39AA39A5}" presName="parTx" presStyleLbl="revTx" presStyleIdx="2" presStyleCnt="4">
+        <dgm:presLayoutVars>
+          <dgm:chMax val="0"/>
+          <dgm:chPref val="0"/>
+        </dgm:presLayoutVars>
+      </dgm:prSet>
+      <dgm:spPr/>
+    </dgm:pt>
+    <dgm:pt modelId="{2FDC435C-D989-449A-80DC-6C1F231C590C}" type="pres">
+      <dgm:prSet presAssocID="{EBB18FCD-9CBE-46E5-BA0F-61AD39AA39A5}" presName="txSpace" presStyleCnt="0"/>
+      <dgm:spPr/>
+    </dgm:pt>
+    <dgm:pt modelId="{2F261AF9-F3D4-41F8-BBB8-7294364A96F4}" type="pres">
+      <dgm:prSet presAssocID="{EBB18FCD-9CBE-46E5-BA0F-61AD39AA39A5}" presName="desTx" presStyleLbl="revTx" presStyleIdx="3" presStyleCnt="4">
+        <dgm:presLayoutVars/>
+      </dgm:prSet>
+      <dgm:spPr/>
+    </dgm:pt>
+  </dgm:ptLst>
+  <dgm:cxnLst>
+    <dgm:cxn modelId="{FC9B4700-0983-4BC8-97FD-B2F4A8BF82F4}" type="presOf" srcId="{72A75B75-8817-4CB9-BA66-504E9EE9A186}" destId="{8BE58EF4-D4DE-4D63-B1B8-0EC0D0AA28F2}" srcOrd="0" destOrd="0" presId="urn:microsoft.com/office/officeart/2018/2/layout/IconLabelDescriptionList"/>
+    <dgm:cxn modelId="{22BC6A10-23D7-4F09-B82A-2ACA842E3B95}" srcId="{EBB18FCD-9CBE-46E5-BA0F-61AD39AA39A5}" destId="{6A3BAC62-260F-476D-8183-BB87946D8235}" srcOrd="4" destOrd="0" parTransId="{BD791598-944C-4673-8E61-29E55C7F10E1}" sibTransId="{54E7DE15-4EC4-4D70-B1D5-212AEC675BDD}"/>
+    <dgm:cxn modelId="{FA5B7A1F-F8C8-4C8A-9F3E-742D2213C548}" type="presOf" srcId="{400FD9F8-0B5D-47C6-8136-A0E0EED7FB6D}" destId="{1C87AE4B-0A5B-46A3-ACE7-7ED00C648DD8}" srcOrd="0" destOrd="0" presId="urn:microsoft.com/office/officeart/2018/2/layout/IconLabelDescriptionList"/>
+    <dgm:cxn modelId="{15FD0E2B-084F-47E8-B1D7-AE2C5815E748}" type="presOf" srcId="{C6C623C3-F223-4B6F-B409-EB13C7DCDFEE}" destId="{E4A9A4DB-2FBE-4A3D-A50C-170C890E9A3A}" srcOrd="0" destOrd="0" presId="urn:microsoft.com/office/officeart/2018/2/layout/IconLabelDescriptionList"/>
+    <dgm:cxn modelId="{DF37D42D-B8FA-4250-843E-486B9A4627BB}" type="presOf" srcId="{EAA47075-22F9-4A01-8711-BE948D49F49C}" destId="{2F261AF9-F3D4-41F8-BBB8-7294364A96F4}" srcOrd="0" destOrd="0" presId="urn:microsoft.com/office/officeart/2018/2/layout/IconLabelDescriptionList"/>
+    <dgm:cxn modelId="{93988B31-B004-493F-A849-DAE54B639DAC}" srcId="{C6C623C3-F223-4B6F-B409-EB13C7DCDFEE}" destId="{400FD9F8-0B5D-47C6-8136-A0E0EED7FB6D}" srcOrd="0" destOrd="0" parTransId="{5577ADAE-68C0-4EFF-8778-9636FAA685D0}" sibTransId="{1C327E21-A0AF-46A3-AABA-B6C8B3FF18A8}"/>
+    <dgm:cxn modelId="{D07DDB40-2F03-4CAD-8121-1A8DE961CDDB}" type="presOf" srcId="{91E10FE5-2CA6-4550-82F2-2E0973E1FBB6}" destId="{1C87AE4B-0A5B-46A3-ACE7-7ED00C648DD8}" srcOrd="0" destOrd="2" presId="urn:microsoft.com/office/officeart/2018/2/layout/IconLabelDescriptionList"/>
+    <dgm:cxn modelId="{1D0A6061-0E49-4823-920F-0D3EA9A63520}" type="presOf" srcId="{6A3BAC62-260F-476D-8183-BB87946D8235}" destId="{2F261AF9-F3D4-41F8-BBB8-7294364A96F4}" srcOrd="0" destOrd="4" presId="urn:microsoft.com/office/officeart/2018/2/layout/IconLabelDescriptionList"/>
+    <dgm:cxn modelId="{7A7D4F4A-D9A7-46EB-A432-0A57640D63D8}" srcId="{C6C623C3-F223-4B6F-B409-EB13C7DCDFEE}" destId="{FFC33428-A9F1-41FC-BA75-A7B77EDE9B6F}" srcOrd="1" destOrd="0" parTransId="{3E5D4DE3-D7CE-4727-A56A-C410E3ED2A43}" sibTransId="{5525909B-A10C-40BB-AC4C-99CD8C0487C3}"/>
+    <dgm:cxn modelId="{B8D08D4D-7215-4128-9987-A6D9A2C81D54}" srcId="{72A75B75-8817-4CB9-BA66-504E9EE9A186}" destId="{C6C623C3-F223-4B6F-B409-EB13C7DCDFEE}" srcOrd="0" destOrd="0" parTransId="{2EBF3943-6FF3-48A1-846C-03B6DF501A9E}" sibTransId="{D5D31F36-EE61-4191-85AE-D40F24339765}"/>
+    <dgm:cxn modelId="{A7666457-EB42-44D7-B160-4CF6C96A4287}" type="presOf" srcId="{EBB18FCD-9CBE-46E5-BA0F-61AD39AA39A5}" destId="{3671FAAE-AF83-4783-9EC8-D2811CF36438}" srcOrd="0" destOrd="0" presId="urn:microsoft.com/office/officeart/2018/2/layout/IconLabelDescriptionList"/>
+    <dgm:cxn modelId="{C339BD79-F69C-48E3-93CF-E052C4D3D950}" type="presOf" srcId="{A99B0678-971C-4C02-8CC0-B27CB02A3AED}" destId="{2F261AF9-F3D4-41F8-BBB8-7294364A96F4}" srcOrd="0" destOrd="2" presId="urn:microsoft.com/office/officeart/2018/2/layout/IconLabelDescriptionList"/>
+    <dgm:cxn modelId="{BB11187C-F9E3-4FB2-9E89-787C3AF9E625}" type="presOf" srcId="{BB7F3EBB-74ED-420F-B9E7-704EEE79177B}" destId="{2F261AF9-F3D4-41F8-BBB8-7294364A96F4}" srcOrd="0" destOrd="3" presId="urn:microsoft.com/office/officeart/2018/2/layout/IconLabelDescriptionList"/>
+    <dgm:cxn modelId="{0900EE7C-9CCE-45C8-9D80-E54884332E0F}" srcId="{C6C623C3-F223-4B6F-B409-EB13C7DCDFEE}" destId="{91E10FE5-2CA6-4550-82F2-2E0973E1FBB6}" srcOrd="2" destOrd="0" parTransId="{D96358B7-2E4D-4683-92A8-D6C934DFD887}" sibTransId="{524BFD1D-A935-44BB-95B1-3070160E6F91}"/>
+    <dgm:cxn modelId="{9B80BA90-DBF2-49D8-A786-08A3F00A2A37}" type="presOf" srcId="{5BDFFC33-F3F3-4C27-B365-53BC64D17EA1}" destId="{2F261AF9-F3D4-41F8-BBB8-7294364A96F4}" srcOrd="0" destOrd="1" presId="urn:microsoft.com/office/officeart/2018/2/layout/IconLabelDescriptionList"/>
+    <dgm:cxn modelId="{91B51092-2F32-4440-90F0-F4420E24CB56}" srcId="{EBB18FCD-9CBE-46E5-BA0F-61AD39AA39A5}" destId="{EAA47075-22F9-4A01-8711-BE948D49F49C}" srcOrd="0" destOrd="0" parTransId="{8B7B2EBD-59AA-471F-91CE-6DF0B8A9AA2A}" sibTransId="{13B6F4FE-A578-4622-BFB7-F57FCFAB0C7E}"/>
+    <dgm:cxn modelId="{66655596-22A7-4105-B89F-1886B816FDC2}" srcId="{EBB18FCD-9CBE-46E5-BA0F-61AD39AA39A5}" destId="{F0507DCF-16C2-40E1-ABC9-80E5BE99D107}" srcOrd="5" destOrd="0" parTransId="{3C6ACDD1-677E-432D-8A9F-3372E96B9A49}" sibTransId="{E049E6EC-5EFF-4BF0-B8F1-CAA15032B8B9}"/>
+    <dgm:cxn modelId="{C1E8E999-5E2B-47DC-9B83-33026DC4388D}" srcId="{EBB18FCD-9CBE-46E5-BA0F-61AD39AA39A5}" destId="{A99B0678-971C-4C02-8CC0-B27CB02A3AED}" srcOrd="2" destOrd="0" parTransId="{F3B91F13-2CB7-4624-B8BA-E1472B00D4A2}" sibTransId="{C9805028-87A9-4A8F-92DE-BFE354CEADDB}"/>
+    <dgm:cxn modelId="{D9FE4FAD-D24F-4255-BFB9-30A0C2F1E9AD}" srcId="{EBB18FCD-9CBE-46E5-BA0F-61AD39AA39A5}" destId="{5BDFFC33-F3F3-4C27-B365-53BC64D17EA1}" srcOrd="1" destOrd="0" parTransId="{5DAC0F94-6A3D-4D33-9F7D-5C998D75BB7B}" sibTransId="{8634D0C3-1987-4472-AA33-9EEDDF795084}"/>
+    <dgm:cxn modelId="{F7F87BB1-E6AA-4AD1-B543-F1E4ED87AA99}" srcId="{72A75B75-8817-4CB9-BA66-504E9EE9A186}" destId="{EBB18FCD-9CBE-46E5-BA0F-61AD39AA39A5}" srcOrd="1" destOrd="0" parTransId="{3F4D2DB3-E03F-404C-B10B-C88A862C135B}" sibTransId="{167CC622-B876-4719-B525-87BD2EA558D0}"/>
+    <dgm:cxn modelId="{B50F25D1-45AF-4BE0-8273-A20FE4C97F32}" type="presOf" srcId="{F0507DCF-16C2-40E1-ABC9-80E5BE99D107}" destId="{2F261AF9-F3D4-41F8-BBB8-7294364A96F4}" srcOrd="0" destOrd="5" presId="urn:microsoft.com/office/officeart/2018/2/layout/IconLabelDescriptionList"/>
+    <dgm:cxn modelId="{1EE464D3-28F4-4BC3-B7A2-FB7E41F60ED8}" srcId="{EBB18FCD-9CBE-46E5-BA0F-61AD39AA39A5}" destId="{BB7F3EBB-74ED-420F-B9E7-704EEE79177B}" srcOrd="3" destOrd="0" parTransId="{CFF2F7A8-EAB4-4B1A-A5B6-A2C0D85D31EB}" sibTransId="{D13651AD-2349-4007-B2F5-B0B6FEEE1F33}"/>
+    <dgm:cxn modelId="{344EB8E4-85B2-40CD-9241-6F762374F7B1}" type="presOf" srcId="{FFC33428-A9F1-41FC-BA75-A7B77EDE9B6F}" destId="{1C87AE4B-0A5B-46A3-ACE7-7ED00C648DD8}" srcOrd="0" destOrd="1" presId="urn:microsoft.com/office/officeart/2018/2/layout/IconLabelDescriptionList"/>
+    <dgm:cxn modelId="{9BFCE7AC-03AD-43E5-9465-490859C399C1}" type="presParOf" srcId="{8BE58EF4-D4DE-4D63-B1B8-0EC0D0AA28F2}" destId="{B13DBCD3-F33F-4A23-8155-D914B9853218}" srcOrd="0" destOrd="0" presId="urn:microsoft.com/office/officeart/2018/2/layout/IconLabelDescriptionList"/>
+    <dgm:cxn modelId="{069D5BE1-392E-474C-A0F1-322F1B3799FE}" type="presParOf" srcId="{B13DBCD3-F33F-4A23-8155-D914B9853218}" destId="{2A62251A-2EE6-4DCE-9211-91DD9E3288C8}" srcOrd="0" destOrd="0" presId="urn:microsoft.com/office/officeart/2018/2/layout/IconLabelDescriptionList"/>
+    <dgm:cxn modelId="{C57A97CA-ACD4-47AA-A6B4-3A84E1FDF5C2}" type="presParOf" srcId="{B13DBCD3-F33F-4A23-8155-D914B9853218}" destId="{FC3FE39A-FAD2-43D4-960D-F61465F2AC46}" srcOrd="1" destOrd="0" presId="urn:microsoft.com/office/officeart/2018/2/layout/IconLabelDescriptionList"/>
+    <dgm:cxn modelId="{A7004778-B1FE-4204-98C2-FE72679A9EB7}" type="presParOf" srcId="{B13DBCD3-F33F-4A23-8155-D914B9853218}" destId="{E4A9A4DB-2FBE-4A3D-A50C-170C890E9A3A}" srcOrd="2" destOrd="0" presId="urn:microsoft.com/office/officeart/2018/2/layout/IconLabelDescriptionList"/>
+    <dgm:cxn modelId="{72380F6B-33F4-4762-8220-A9326F2C2C49}" type="presParOf" srcId="{B13DBCD3-F33F-4A23-8155-D914B9853218}" destId="{C0F2BBE3-00CB-49CC-A25F-A92936BE6E89}" srcOrd="3" destOrd="0" presId="urn:microsoft.com/office/officeart/2018/2/layout/IconLabelDescriptionList"/>
+    <dgm:cxn modelId="{427722E6-4301-4715-AE4C-799EECDDB357}" type="presParOf" srcId="{B13DBCD3-F33F-4A23-8155-D914B9853218}" destId="{1C87AE4B-0A5B-46A3-ACE7-7ED00C648DD8}" srcOrd="4" destOrd="0" presId="urn:microsoft.com/office/officeart/2018/2/layout/IconLabelDescriptionList"/>
+    <dgm:cxn modelId="{8CE7BE8E-C56C-467D-A0B3-2BE11164328F}" type="presParOf" srcId="{8BE58EF4-D4DE-4D63-B1B8-0EC0D0AA28F2}" destId="{62F1B815-663D-455A-B0AA-6A5F2637E25D}" srcOrd="1" destOrd="0" presId="urn:microsoft.com/office/officeart/2018/2/layout/IconLabelDescriptionList"/>
+    <dgm:cxn modelId="{E32C5C64-0E24-406F-A49C-125FF10CF413}" type="presParOf" srcId="{8BE58EF4-D4DE-4D63-B1B8-0EC0D0AA28F2}" destId="{30B7B0BB-D8B4-423C-AF63-E8B22F64DEBF}" srcOrd="2" destOrd="0" presId="urn:microsoft.com/office/officeart/2018/2/layout/IconLabelDescriptionList"/>
+    <dgm:cxn modelId="{813670BF-7932-4F0E-8611-9AD71C648606}" type="presParOf" srcId="{30B7B0BB-D8B4-423C-AF63-E8B22F64DEBF}" destId="{D61D37BB-B0ED-4156-B226-5B62FE0A081F}" srcOrd="0" destOrd="0" presId="urn:microsoft.com/office/officeart/2018/2/layout/IconLabelDescriptionList"/>
+    <dgm:cxn modelId="{3C42914B-E294-482A-8889-F1E1FF677FE0}" type="presParOf" srcId="{30B7B0BB-D8B4-423C-AF63-E8B22F64DEBF}" destId="{91D7A99B-47AD-41E9-89CB-6C12647BA1D7}" srcOrd="1" destOrd="0" presId="urn:microsoft.com/office/officeart/2018/2/layout/IconLabelDescriptionList"/>
+    <dgm:cxn modelId="{9C517161-3D30-4381-90B0-2450433F1CDF}" type="presParOf" srcId="{30B7B0BB-D8B4-423C-AF63-E8B22F64DEBF}" destId="{3671FAAE-AF83-4783-9EC8-D2811CF36438}" srcOrd="2" destOrd="0" presId="urn:microsoft.com/office/officeart/2018/2/layout/IconLabelDescriptionList"/>
+    <dgm:cxn modelId="{55BE6AA6-5A5F-4424-9E1C-56FAC8ADE1E6}" type="presParOf" srcId="{30B7B0BB-D8B4-423C-AF63-E8B22F64DEBF}" destId="{2FDC435C-D989-449A-80DC-6C1F231C590C}" srcOrd="3" destOrd="0" presId="urn:microsoft.com/office/officeart/2018/2/layout/IconLabelDescriptionList"/>
+    <dgm:cxn modelId="{E74C805E-ED9F-466A-8A54-0DF1687E2DBF}" type="presParOf" srcId="{30B7B0BB-D8B4-423C-AF63-E8B22F64DEBF}" destId="{2F261AF9-F3D4-41F8-BBB8-7294364A96F4}" srcOrd="4" destOrd="0" presId="urn:microsoft.com/office/officeart/2018/2/layout/IconLabelDescriptionList"/>
+  </dgm:cxnLst>
+  <dgm:bg/>
+  <dgm:whole/>
+  <dgm:extLst>
+    <a:ext uri="http://schemas.microsoft.com/office/drawing/2008/diagram">
+      <dsp:dataModelExt xmlns:dsp="http://schemas.microsoft.com/office/drawing/2008/diagram" relId="rId8" minVer="http://schemas.openxmlformats.org/drawingml/2006/diagram"/>
     </a:ext>
   </dgm:extLst>
 </dgm:dataModel>
@@ -5416,498 +4916,6 @@
       <dsp:cNvGrpSpPr/>
     </dsp:nvGrpSpPr>
     <dsp:grpSpPr/>
-    <dsp:sp modelId="{2A62251A-2EE6-4DCE-9211-91DD9E3288C8}">
-      <dsp:nvSpPr>
-        <dsp:cNvPr id="0" name=""/>
-        <dsp:cNvSpPr/>
-      </dsp:nvSpPr>
-      <dsp:spPr>
-        <a:xfrm>
-          <a:off x="821395" y="244432"/>
-          <a:ext cx="1510523" cy="1309767"/>
-        </a:xfrm>
-        <a:prstGeom prst="rect">
-          <a:avLst/>
-        </a:prstGeom>
-        <a:blipFill>
-          <a:blip xmlns:r="http://schemas.openxmlformats.org/officeDocument/2006/relationships" r:embed="rId1">
-            <a:extLst>
-              <a:ext uri="{28A0092B-C50C-407E-A947-70E740481C1C}">
-                <a14:useLocalDpi xmlns:a14="http://schemas.microsoft.com/office/drawing/2010/main" val="0"/>
-              </a:ext>
-              <a:ext uri="{96DAC541-7B7A-43D3-8B79-37D633B846F1}">
-                <asvg:svgBlip xmlns:asvg="http://schemas.microsoft.com/office/drawing/2016/SVG/main" r:embed="rId2"/>
-              </a:ext>
-            </a:extLst>
-          </a:blip>
-          <a:stretch>
-            <a:fillRect/>
-          </a:stretch>
-        </a:blipFill>
-        <a:ln w="22225" cap="rnd" cmpd="sng" algn="ctr">
-          <a:solidFill>
-            <a:schemeClr val="lt1">
-              <a:hueOff val="0"/>
-              <a:satOff val="0"/>
-              <a:lumOff val="0"/>
-              <a:alphaOff val="0"/>
-            </a:schemeClr>
-          </a:solidFill>
-          <a:prstDash val="solid"/>
-        </a:ln>
-        <a:effectLst/>
-      </dsp:spPr>
-      <dsp:style>
-        <a:lnRef idx="2">
-          <a:scrgbClr r="0" g="0" b="0"/>
-        </a:lnRef>
-        <a:fillRef idx="1">
-          <a:scrgbClr r="0" g="0" b="0"/>
-        </a:fillRef>
-        <a:effectRef idx="0">
-          <a:scrgbClr r="0" g="0" b="0"/>
-        </a:effectRef>
-        <a:fontRef idx="minor">
-          <a:schemeClr val="lt1"/>
-        </a:fontRef>
-      </dsp:style>
-    </dsp:sp>
-    <dsp:sp modelId="{E4A9A4DB-2FBE-4A3D-A50C-170C890E9A3A}">
-      <dsp:nvSpPr>
-        <dsp:cNvPr id="0" name=""/>
-        <dsp:cNvSpPr/>
-      </dsp:nvSpPr>
-      <dsp:spPr>
-        <a:xfrm>
-          <a:off x="821395" y="1691345"/>
-          <a:ext cx="4315781" cy="561328"/>
-        </a:xfrm>
-        <a:prstGeom prst="rect">
-          <a:avLst/>
-        </a:prstGeom>
-        <a:noFill/>
-        <a:ln>
-          <a:noFill/>
-        </a:ln>
-        <a:effectLst/>
-      </dsp:spPr>
-      <dsp:style>
-        <a:lnRef idx="0">
-          <a:scrgbClr r="0" g="0" b="0"/>
-        </a:lnRef>
-        <a:fillRef idx="0">
-          <a:scrgbClr r="0" g="0" b="0"/>
-        </a:fillRef>
-        <a:effectRef idx="0">
-          <a:scrgbClr r="0" g="0" b="0"/>
-        </a:effectRef>
-        <a:fontRef idx="minor"/>
-      </dsp:style>
-      <dsp:txBody>
-        <a:bodyPr spcFirstLastPara="0" vert="horz" wrap="square" lIns="0" tIns="0" rIns="0" bIns="0" numCol="1" spcCol="1270" anchor="t" anchorCtr="0">
-          <a:noAutofit/>
-        </a:bodyPr>
-        <a:lstStyle/>
-        <a:p>
-          <a:pPr marL="0" lvl="0" indent="0" algn="l" defTabSz="889000">
-            <a:lnSpc>
-              <a:spcPct val="100000"/>
-            </a:lnSpc>
-            <a:spcBef>
-              <a:spcPct val="0"/>
-            </a:spcBef>
-            <a:spcAft>
-              <a:spcPct val="35000"/>
-            </a:spcAft>
-            <a:buNone/>
-            <a:defRPr b="1"/>
-          </a:pPr>
-          <a:r>
-            <a:rPr lang="en-US" sz="2000" kern="1200" dirty="0"/>
-            <a:t>Initial Membership: 10-15 members</a:t>
-          </a:r>
-        </a:p>
-      </dsp:txBody>
-      <dsp:txXfrm>
-        <a:off x="821395" y="1691345"/>
-        <a:ext cx="4315781" cy="561328"/>
-      </dsp:txXfrm>
-    </dsp:sp>
-    <dsp:sp modelId="{1C87AE4B-0A5B-46A3-ACE7-7ED00C648DD8}">
-      <dsp:nvSpPr>
-        <dsp:cNvPr id="0" name=""/>
-        <dsp:cNvSpPr/>
-      </dsp:nvSpPr>
-      <dsp:spPr>
-        <a:xfrm>
-          <a:off x="821395" y="2316463"/>
-          <a:ext cx="4315781" cy="1117407"/>
-        </a:xfrm>
-        <a:prstGeom prst="rect">
-          <a:avLst/>
-        </a:prstGeom>
-        <a:noFill/>
-        <a:ln>
-          <a:noFill/>
-        </a:ln>
-        <a:effectLst/>
-      </dsp:spPr>
-      <dsp:style>
-        <a:lnRef idx="0">
-          <a:scrgbClr r="0" g="0" b="0"/>
-        </a:lnRef>
-        <a:fillRef idx="0">
-          <a:scrgbClr r="0" g="0" b="0"/>
-        </a:fillRef>
-        <a:effectRef idx="0">
-          <a:scrgbClr r="0" g="0" b="0"/>
-        </a:effectRef>
-        <a:fontRef idx="minor"/>
-      </dsp:style>
-      <dsp:txBody>
-        <a:bodyPr spcFirstLastPara="0" vert="horz" wrap="square" lIns="0" tIns="0" rIns="0" bIns="0" numCol="1" spcCol="1270" anchor="t" anchorCtr="0">
-          <a:noAutofit/>
-        </a:bodyPr>
-        <a:lstStyle/>
-        <a:p>
-          <a:pPr marL="0" lvl="0" indent="0" algn="l" defTabSz="666750">
-            <a:lnSpc>
-              <a:spcPct val="100000"/>
-            </a:lnSpc>
-            <a:spcBef>
-              <a:spcPct val="0"/>
-            </a:spcBef>
-            <a:spcAft>
-              <a:spcPct val="35000"/>
-            </a:spcAft>
-            <a:buNone/>
-          </a:pPr>
-          <a:r>
-            <a:rPr lang="en-US" sz="1500" kern="1200"/>
-            <a:t>Statisticians</a:t>
-          </a:r>
-        </a:p>
-        <a:p>
-          <a:pPr marL="0" lvl="0" indent="0" algn="l" defTabSz="666750">
-            <a:lnSpc>
-              <a:spcPct val="100000"/>
-            </a:lnSpc>
-            <a:spcBef>
-              <a:spcPct val="0"/>
-            </a:spcBef>
-            <a:spcAft>
-              <a:spcPct val="35000"/>
-            </a:spcAft>
-            <a:buNone/>
-          </a:pPr>
-          <a:r>
-            <a:rPr lang="en-US" sz="1500" kern="1200"/>
-            <a:t>Clinical operations professionals</a:t>
-          </a:r>
-        </a:p>
-        <a:p>
-          <a:pPr marL="0" lvl="0" indent="0" algn="l" defTabSz="666750">
-            <a:lnSpc>
-              <a:spcPct val="100000"/>
-            </a:lnSpc>
-            <a:spcBef>
-              <a:spcPct val="0"/>
-            </a:spcBef>
-            <a:spcAft>
-              <a:spcPct val="35000"/>
-            </a:spcAft>
-            <a:buNone/>
-          </a:pPr>
-          <a:r>
-            <a:rPr lang="en-US" sz="1500" kern="1200"/>
-            <a:t>Data scientists</a:t>
-          </a:r>
-        </a:p>
-      </dsp:txBody>
-      <dsp:txXfrm>
-        <a:off x="821395" y="2316463"/>
-        <a:ext cx="4315781" cy="1117407"/>
-      </dsp:txXfrm>
-    </dsp:sp>
-    <dsp:sp modelId="{D61D37BB-B0ED-4156-B226-5B62FE0A081F}">
-      <dsp:nvSpPr>
-        <dsp:cNvPr id="0" name=""/>
-        <dsp:cNvSpPr/>
-      </dsp:nvSpPr>
-      <dsp:spPr>
-        <a:xfrm>
-          <a:off x="5892438" y="244432"/>
-          <a:ext cx="1510523" cy="1309767"/>
-        </a:xfrm>
-        <a:prstGeom prst="rect">
-          <a:avLst/>
-        </a:prstGeom>
-        <a:blipFill>
-          <a:blip xmlns:r="http://schemas.openxmlformats.org/officeDocument/2006/relationships" r:embed="rId3">
-            <a:extLst>
-              <a:ext uri="{28A0092B-C50C-407E-A947-70E740481C1C}">
-                <a14:useLocalDpi xmlns:a14="http://schemas.microsoft.com/office/drawing/2010/main" val="0"/>
-              </a:ext>
-              <a:ext uri="{96DAC541-7B7A-43D3-8B79-37D633B846F1}">
-                <asvg:svgBlip xmlns:asvg="http://schemas.microsoft.com/office/drawing/2016/SVG/main" r:embed="rId4"/>
-              </a:ext>
-            </a:extLst>
-          </a:blip>
-          <a:stretch>
-            <a:fillRect/>
-          </a:stretch>
-        </a:blipFill>
-        <a:ln w="22225" cap="rnd" cmpd="sng" algn="ctr">
-          <a:solidFill>
-            <a:schemeClr val="lt1">
-              <a:hueOff val="0"/>
-              <a:satOff val="0"/>
-              <a:lumOff val="0"/>
-              <a:alphaOff val="0"/>
-            </a:schemeClr>
-          </a:solidFill>
-          <a:prstDash val="solid"/>
-        </a:ln>
-        <a:effectLst/>
-      </dsp:spPr>
-      <dsp:style>
-        <a:lnRef idx="2">
-          <a:scrgbClr r="0" g="0" b="0"/>
-        </a:lnRef>
-        <a:fillRef idx="1">
-          <a:scrgbClr r="0" g="0" b="0"/>
-        </a:fillRef>
-        <a:effectRef idx="0">
-          <a:scrgbClr r="0" g="0" b="0"/>
-        </a:effectRef>
-        <a:fontRef idx="minor">
-          <a:schemeClr val="lt1"/>
-        </a:fontRef>
-      </dsp:style>
-    </dsp:sp>
-    <dsp:sp modelId="{3671FAAE-AF83-4783-9EC8-D2811CF36438}">
-      <dsp:nvSpPr>
-        <dsp:cNvPr id="0" name=""/>
-        <dsp:cNvSpPr/>
-      </dsp:nvSpPr>
-      <dsp:spPr>
-        <a:xfrm>
-          <a:off x="5892438" y="1691345"/>
-          <a:ext cx="4315781" cy="561328"/>
-        </a:xfrm>
-        <a:prstGeom prst="rect">
-          <a:avLst/>
-        </a:prstGeom>
-        <a:noFill/>
-        <a:ln>
-          <a:noFill/>
-        </a:ln>
-        <a:effectLst/>
-      </dsp:spPr>
-      <dsp:style>
-        <a:lnRef idx="0">
-          <a:scrgbClr r="0" g="0" b="0"/>
-        </a:lnRef>
-        <a:fillRef idx="0">
-          <a:scrgbClr r="0" g="0" b="0"/>
-        </a:fillRef>
-        <a:effectRef idx="0">
-          <a:scrgbClr r="0" g="0" b="0"/>
-        </a:effectRef>
-        <a:fontRef idx="minor"/>
-      </dsp:style>
-      <dsp:txBody>
-        <a:bodyPr spcFirstLastPara="0" vert="horz" wrap="square" lIns="0" tIns="0" rIns="0" bIns="0" numCol="1" spcCol="1270" anchor="t" anchorCtr="0">
-          <a:noAutofit/>
-        </a:bodyPr>
-        <a:lstStyle/>
-        <a:p>
-          <a:pPr marL="0" lvl="0" indent="0" algn="l" defTabSz="889000">
-            <a:lnSpc>
-              <a:spcPct val="100000"/>
-            </a:lnSpc>
-            <a:spcBef>
-              <a:spcPct val="0"/>
-            </a:spcBef>
-            <a:spcAft>
-              <a:spcPct val="35000"/>
-            </a:spcAft>
-            <a:buNone/>
-            <a:defRPr b="1"/>
-          </a:pPr>
-          <a:r>
-            <a:rPr lang="en-US" sz="2000" kern="1200" dirty="0"/>
-            <a:t>Desired expertise</a:t>
-          </a:r>
-        </a:p>
-      </dsp:txBody>
-      <dsp:txXfrm>
-        <a:off x="5892438" y="1691345"/>
-        <a:ext cx="4315781" cy="561328"/>
-      </dsp:txXfrm>
-    </dsp:sp>
-    <dsp:sp modelId="{2F261AF9-F3D4-41F8-BBB8-7294364A96F4}">
-      <dsp:nvSpPr>
-        <dsp:cNvPr id="0" name=""/>
-        <dsp:cNvSpPr/>
-      </dsp:nvSpPr>
-      <dsp:spPr>
-        <a:xfrm>
-          <a:off x="5892438" y="2316463"/>
-          <a:ext cx="4315781" cy="1117407"/>
-        </a:xfrm>
-        <a:prstGeom prst="rect">
-          <a:avLst/>
-        </a:prstGeom>
-        <a:noFill/>
-        <a:ln>
-          <a:noFill/>
-        </a:ln>
-        <a:effectLst/>
-      </dsp:spPr>
-      <dsp:style>
-        <a:lnRef idx="0">
-          <a:scrgbClr r="0" g="0" b="0"/>
-        </a:lnRef>
-        <a:fillRef idx="0">
-          <a:scrgbClr r="0" g="0" b="0"/>
-        </a:fillRef>
-        <a:effectRef idx="0">
-          <a:scrgbClr r="0" g="0" b="0"/>
-        </a:effectRef>
-        <a:fontRef idx="minor"/>
-      </dsp:style>
-      <dsp:txBody>
-        <a:bodyPr spcFirstLastPara="0" vert="horz" wrap="square" lIns="0" tIns="0" rIns="0" bIns="0" numCol="1" spcCol="1270" anchor="t" anchorCtr="0">
-          <a:noAutofit/>
-        </a:bodyPr>
-        <a:lstStyle/>
-        <a:p>
-          <a:pPr marL="0" lvl="0" indent="0" algn="l" defTabSz="666750">
-            <a:lnSpc>
-              <a:spcPct val="100000"/>
-            </a:lnSpc>
-            <a:spcBef>
-              <a:spcPct val="0"/>
-            </a:spcBef>
-            <a:spcAft>
-              <a:spcPct val="35000"/>
-            </a:spcAft>
-            <a:buNone/>
-          </a:pPr>
-          <a:r>
-            <a:rPr lang="en-US" sz="1500" kern="1200"/>
-            <a:t>Bayesian modeling</a:t>
-          </a:r>
-        </a:p>
-        <a:p>
-          <a:pPr marL="0" lvl="0" indent="0" algn="l" defTabSz="666750">
-            <a:lnSpc>
-              <a:spcPct val="100000"/>
-            </a:lnSpc>
-            <a:spcBef>
-              <a:spcPct val="0"/>
-            </a:spcBef>
-            <a:spcAft>
-              <a:spcPct val="35000"/>
-            </a:spcAft>
-            <a:buNone/>
-          </a:pPr>
-          <a:r>
-            <a:rPr lang="en-US" sz="1500" kern="1200" dirty="0"/>
-            <a:t>Predictive modeling, AI/ML</a:t>
-          </a:r>
-        </a:p>
-        <a:p>
-          <a:pPr marL="0" lvl="0" indent="0" algn="l" defTabSz="666750">
-            <a:lnSpc>
-              <a:spcPct val="100000"/>
-            </a:lnSpc>
-            <a:spcBef>
-              <a:spcPct val="0"/>
-            </a:spcBef>
-            <a:spcAft>
-              <a:spcPct val="35000"/>
-            </a:spcAft>
-            <a:buNone/>
-          </a:pPr>
-          <a:r>
-            <a:rPr lang="en-US" sz="1500" kern="1200" dirty="0"/>
-            <a:t>Clinical trial simulations</a:t>
-          </a:r>
-        </a:p>
-        <a:p>
-          <a:pPr marL="0" lvl="0" indent="0" algn="l" defTabSz="666750">
-            <a:lnSpc>
-              <a:spcPct val="100000"/>
-            </a:lnSpc>
-            <a:spcBef>
-              <a:spcPct val="0"/>
-            </a:spcBef>
-            <a:spcAft>
-              <a:spcPct val="35000"/>
-            </a:spcAft>
-            <a:buNone/>
-          </a:pPr>
-          <a:r>
-            <a:rPr lang="en-US" sz="1500" kern="1200"/>
-            <a:t>Data visualization</a:t>
-          </a:r>
-        </a:p>
-        <a:p>
-          <a:pPr marL="0" lvl="0" indent="0" algn="l" defTabSz="666750">
-            <a:lnSpc>
-              <a:spcPct val="100000"/>
-            </a:lnSpc>
-            <a:spcBef>
-              <a:spcPct val="0"/>
-            </a:spcBef>
-            <a:spcAft>
-              <a:spcPct val="35000"/>
-            </a:spcAft>
-            <a:buNone/>
-          </a:pPr>
-          <a:r>
-            <a:rPr lang="en-US" sz="1500" kern="1200"/>
-            <a:t>Data science and software tools development</a:t>
-          </a:r>
-        </a:p>
-        <a:p>
-          <a:pPr marL="0" lvl="0" indent="0" algn="l" defTabSz="666750">
-            <a:lnSpc>
-              <a:spcPct val="100000"/>
-            </a:lnSpc>
-            <a:spcBef>
-              <a:spcPct val="0"/>
-            </a:spcBef>
-            <a:spcAft>
-              <a:spcPct val="35000"/>
-            </a:spcAft>
-            <a:buNone/>
-          </a:pPr>
-          <a:r>
-            <a:rPr lang="en-US" sz="1500" kern="1200"/>
-            <a:t>Clinical drug supply optimization</a:t>
-          </a:r>
-        </a:p>
-      </dsp:txBody>
-      <dsp:txXfrm>
-        <a:off x="5892438" y="2316463"/>
-        <a:ext cx="4315781" cy="1117407"/>
-      </dsp:txXfrm>
-    </dsp:sp>
-  </dsp:spTree>
-</dsp:drawing>
-</file>
-
-<file path=ppt/diagrams/drawing3.xml><?xml version="1.0" encoding="utf-8"?>
-<dsp:drawing xmlns:dgm="http://schemas.openxmlformats.org/drawingml/2006/diagram" xmlns:dsp="http://schemas.microsoft.com/office/drawing/2008/diagram" xmlns:a="http://schemas.openxmlformats.org/drawingml/2006/main">
-  <dsp:spTree>
-    <dsp:nvGrpSpPr>
-      <dsp:cNvPr id="0" name=""/>
-      <dsp:cNvGrpSpPr/>
-    </dsp:nvGrpSpPr>
-    <dsp:grpSpPr/>
     <dsp:sp modelId="{A1CB74B5-EF08-4A76-93DC-3DBE2CD49333}">
       <dsp:nvSpPr>
         <dsp:cNvPr id="0" name=""/>
@@ -6510,6 +5518,498 @@
 </dsp:drawing>
 </file>
 
+<file path=ppt/diagrams/drawing3.xml><?xml version="1.0" encoding="utf-8"?>
+<dsp:drawing xmlns:dgm="http://schemas.openxmlformats.org/drawingml/2006/diagram" xmlns:dsp="http://schemas.microsoft.com/office/drawing/2008/diagram" xmlns:a="http://schemas.openxmlformats.org/drawingml/2006/main">
+  <dsp:spTree>
+    <dsp:nvGrpSpPr>
+      <dsp:cNvPr id="0" name=""/>
+      <dsp:cNvGrpSpPr/>
+    </dsp:nvGrpSpPr>
+    <dsp:grpSpPr/>
+    <dsp:sp modelId="{2A62251A-2EE6-4DCE-9211-91DD9E3288C8}">
+      <dsp:nvSpPr>
+        <dsp:cNvPr id="0" name=""/>
+        <dsp:cNvSpPr/>
+      </dsp:nvSpPr>
+      <dsp:spPr>
+        <a:xfrm>
+          <a:off x="821395" y="288592"/>
+          <a:ext cx="1510523" cy="1273498"/>
+        </a:xfrm>
+        <a:prstGeom prst="rect">
+          <a:avLst/>
+        </a:prstGeom>
+        <a:blipFill>
+          <a:blip xmlns:r="http://schemas.openxmlformats.org/officeDocument/2006/relationships" r:embed="rId1">
+            <a:extLst>
+              <a:ext uri="{28A0092B-C50C-407E-A947-70E740481C1C}">
+                <a14:useLocalDpi xmlns:a14="http://schemas.microsoft.com/office/drawing/2010/main" val="0"/>
+              </a:ext>
+              <a:ext uri="{96DAC541-7B7A-43D3-8B79-37D633B846F1}">
+                <asvg:svgBlip xmlns:asvg="http://schemas.microsoft.com/office/drawing/2016/SVG/main" r:embed="rId2"/>
+              </a:ext>
+            </a:extLst>
+          </a:blip>
+          <a:stretch>
+            <a:fillRect/>
+          </a:stretch>
+        </a:blipFill>
+        <a:ln w="22225" cap="rnd" cmpd="sng" algn="ctr">
+          <a:solidFill>
+            <a:schemeClr val="lt1">
+              <a:hueOff val="0"/>
+              <a:satOff val="0"/>
+              <a:lumOff val="0"/>
+              <a:alphaOff val="0"/>
+            </a:schemeClr>
+          </a:solidFill>
+          <a:prstDash val="solid"/>
+        </a:ln>
+        <a:effectLst/>
+      </dsp:spPr>
+      <dsp:style>
+        <a:lnRef idx="2">
+          <a:scrgbClr r="0" g="0" b="0"/>
+        </a:lnRef>
+        <a:fillRef idx="1">
+          <a:scrgbClr r="0" g="0" b="0"/>
+        </a:fillRef>
+        <a:effectRef idx="0">
+          <a:scrgbClr r="0" g="0" b="0"/>
+        </a:effectRef>
+        <a:fontRef idx="minor">
+          <a:schemeClr val="lt1"/>
+        </a:fontRef>
+      </dsp:style>
+    </dsp:sp>
+    <dsp:sp modelId="{E4A9A4DB-2FBE-4A3D-A50C-170C890E9A3A}">
+      <dsp:nvSpPr>
+        <dsp:cNvPr id="0" name=""/>
+        <dsp:cNvSpPr/>
+      </dsp:nvSpPr>
+      <dsp:spPr>
+        <a:xfrm>
+          <a:off x="821395" y="1695438"/>
+          <a:ext cx="4315781" cy="545784"/>
+        </a:xfrm>
+        <a:prstGeom prst="rect">
+          <a:avLst/>
+        </a:prstGeom>
+        <a:noFill/>
+        <a:ln>
+          <a:noFill/>
+        </a:ln>
+        <a:effectLst/>
+      </dsp:spPr>
+      <dsp:style>
+        <a:lnRef idx="0">
+          <a:scrgbClr r="0" g="0" b="0"/>
+        </a:lnRef>
+        <a:fillRef idx="0">
+          <a:scrgbClr r="0" g="0" b="0"/>
+        </a:fillRef>
+        <a:effectRef idx="0">
+          <a:scrgbClr r="0" g="0" b="0"/>
+        </a:effectRef>
+        <a:fontRef idx="minor"/>
+      </dsp:style>
+      <dsp:txBody>
+        <a:bodyPr spcFirstLastPara="0" vert="horz" wrap="square" lIns="0" tIns="0" rIns="0" bIns="0" numCol="1" spcCol="1270" anchor="t" anchorCtr="0">
+          <a:noAutofit/>
+        </a:bodyPr>
+        <a:lstStyle/>
+        <a:p>
+          <a:pPr marL="0" lvl="0" indent="0" algn="l" defTabSz="889000">
+            <a:lnSpc>
+              <a:spcPct val="100000"/>
+            </a:lnSpc>
+            <a:spcBef>
+              <a:spcPct val="0"/>
+            </a:spcBef>
+            <a:spcAft>
+              <a:spcPct val="35000"/>
+            </a:spcAft>
+            <a:buNone/>
+            <a:defRPr b="1"/>
+          </a:pPr>
+          <a:r>
+            <a:rPr lang="en-US" sz="2000" kern="1200"/>
+            <a:t>Initial Membership</a:t>
+          </a:r>
+        </a:p>
+      </dsp:txBody>
+      <dsp:txXfrm>
+        <a:off x="821395" y="1695438"/>
+        <a:ext cx="4315781" cy="545784"/>
+      </dsp:txXfrm>
+    </dsp:sp>
+    <dsp:sp modelId="{1C87AE4B-0A5B-46A3-ACE7-7ED00C648DD8}">
+      <dsp:nvSpPr>
+        <dsp:cNvPr id="0" name=""/>
+        <dsp:cNvSpPr/>
+      </dsp:nvSpPr>
+      <dsp:spPr>
+        <a:xfrm>
+          <a:off x="821395" y="2303245"/>
+          <a:ext cx="4315781" cy="1086464"/>
+        </a:xfrm>
+        <a:prstGeom prst="rect">
+          <a:avLst/>
+        </a:prstGeom>
+        <a:noFill/>
+        <a:ln>
+          <a:noFill/>
+        </a:ln>
+        <a:effectLst/>
+      </dsp:spPr>
+      <dsp:style>
+        <a:lnRef idx="0">
+          <a:scrgbClr r="0" g="0" b="0"/>
+        </a:lnRef>
+        <a:fillRef idx="0">
+          <a:scrgbClr r="0" g="0" b="0"/>
+        </a:fillRef>
+        <a:effectRef idx="0">
+          <a:scrgbClr r="0" g="0" b="0"/>
+        </a:effectRef>
+        <a:fontRef idx="minor"/>
+      </dsp:style>
+      <dsp:txBody>
+        <a:bodyPr spcFirstLastPara="0" vert="horz" wrap="square" lIns="0" tIns="0" rIns="0" bIns="0" numCol="1" spcCol="1270" anchor="t" anchorCtr="0">
+          <a:noAutofit/>
+        </a:bodyPr>
+        <a:lstStyle/>
+        <a:p>
+          <a:pPr marL="0" lvl="0" indent="0" algn="l" defTabSz="755650">
+            <a:lnSpc>
+              <a:spcPct val="100000"/>
+            </a:lnSpc>
+            <a:spcBef>
+              <a:spcPct val="0"/>
+            </a:spcBef>
+            <a:spcAft>
+              <a:spcPct val="35000"/>
+            </a:spcAft>
+            <a:buNone/>
+          </a:pPr>
+          <a:r>
+            <a:rPr lang="en-US" sz="1700" kern="1200"/>
+            <a:t>Statisticians</a:t>
+          </a:r>
+        </a:p>
+        <a:p>
+          <a:pPr marL="0" lvl="0" indent="0" algn="l" defTabSz="755650">
+            <a:lnSpc>
+              <a:spcPct val="100000"/>
+            </a:lnSpc>
+            <a:spcBef>
+              <a:spcPct val="0"/>
+            </a:spcBef>
+            <a:spcAft>
+              <a:spcPct val="35000"/>
+            </a:spcAft>
+            <a:buNone/>
+          </a:pPr>
+          <a:r>
+            <a:rPr lang="en-US" sz="1700" kern="1200"/>
+            <a:t>Clinical operations professionals</a:t>
+          </a:r>
+        </a:p>
+        <a:p>
+          <a:pPr marL="0" lvl="0" indent="0" algn="l" defTabSz="755650">
+            <a:lnSpc>
+              <a:spcPct val="100000"/>
+            </a:lnSpc>
+            <a:spcBef>
+              <a:spcPct val="0"/>
+            </a:spcBef>
+            <a:spcAft>
+              <a:spcPct val="35000"/>
+            </a:spcAft>
+            <a:buNone/>
+          </a:pPr>
+          <a:r>
+            <a:rPr lang="en-US" sz="1700" kern="1200"/>
+            <a:t>Data scientists</a:t>
+          </a:r>
+        </a:p>
+      </dsp:txBody>
+      <dsp:txXfrm>
+        <a:off x="821395" y="2303245"/>
+        <a:ext cx="4315781" cy="1086464"/>
+      </dsp:txXfrm>
+    </dsp:sp>
+    <dsp:sp modelId="{D61D37BB-B0ED-4156-B226-5B62FE0A081F}">
+      <dsp:nvSpPr>
+        <dsp:cNvPr id="0" name=""/>
+        <dsp:cNvSpPr/>
+      </dsp:nvSpPr>
+      <dsp:spPr>
+        <a:xfrm>
+          <a:off x="5892438" y="288592"/>
+          <a:ext cx="1510523" cy="1273498"/>
+        </a:xfrm>
+        <a:prstGeom prst="rect">
+          <a:avLst/>
+        </a:prstGeom>
+        <a:blipFill>
+          <a:blip xmlns:r="http://schemas.openxmlformats.org/officeDocument/2006/relationships" r:embed="rId3">
+            <a:extLst>
+              <a:ext uri="{28A0092B-C50C-407E-A947-70E740481C1C}">
+                <a14:useLocalDpi xmlns:a14="http://schemas.microsoft.com/office/drawing/2010/main" val="0"/>
+              </a:ext>
+              <a:ext uri="{96DAC541-7B7A-43D3-8B79-37D633B846F1}">
+                <asvg:svgBlip xmlns:asvg="http://schemas.microsoft.com/office/drawing/2016/SVG/main" r:embed="rId4"/>
+              </a:ext>
+            </a:extLst>
+          </a:blip>
+          <a:stretch>
+            <a:fillRect/>
+          </a:stretch>
+        </a:blipFill>
+        <a:ln w="22225" cap="rnd" cmpd="sng" algn="ctr">
+          <a:solidFill>
+            <a:schemeClr val="lt1">
+              <a:hueOff val="0"/>
+              <a:satOff val="0"/>
+              <a:lumOff val="0"/>
+              <a:alphaOff val="0"/>
+            </a:schemeClr>
+          </a:solidFill>
+          <a:prstDash val="solid"/>
+        </a:ln>
+        <a:effectLst/>
+      </dsp:spPr>
+      <dsp:style>
+        <a:lnRef idx="2">
+          <a:scrgbClr r="0" g="0" b="0"/>
+        </a:lnRef>
+        <a:fillRef idx="1">
+          <a:scrgbClr r="0" g="0" b="0"/>
+        </a:fillRef>
+        <a:effectRef idx="0">
+          <a:scrgbClr r="0" g="0" b="0"/>
+        </a:effectRef>
+        <a:fontRef idx="minor">
+          <a:schemeClr val="lt1"/>
+        </a:fontRef>
+      </dsp:style>
+    </dsp:sp>
+    <dsp:sp modelId="{3671FAAE-AF83-4783-9EC8-D2811CF36438}">
+      <dsp:nvSpPr>
+        <dsp:cNvPr id="0" name=""/>
+        <dsp:cNvSpPr/>
+      </dsp:nvSpPr>
+      <dsp:spPr>
+        <a:xfrm>
+          <a:off x="5892438" y="1695438"/>
+          <a:ext cx="4315781" cy="545784"/>
+        </a:xfrm>
+        <a:prstGeom prst="rect">
+          <a:avLst/>
+        </a:prstGeom>
+        <a:noFill/>
+        <a:ln>
+          <a:noFill/>
+        </a:ln>
+        <a:effectLst/>
+      </dsp:spPr>
+      <dsp:style>
+        <a:lnRef idx="0">
+          <a:scrgbClr r="0" g="0" b="0"/>
+        </a:lnRef>
+        <a:fillRef idx="0">
+          <a:scrgbClr r="0" g="0" b="0"/>
+        </a:fillRef>
+        <a:effectRef idx="0">
+          <a:scrgbClr r="0" g="0" b="0"/>
+        </a:effectRef>
+        <a:fontRef idx="minor"/>
+      </dsp:style>
+      <dsp:txBody>
+        <a:bodyPr spcFirstLastPara="0" vert="horz" wrap="square" lIns="0" tIns="0" rIns="0" bIns="0" numCol="1" spcCol="1270" anchor="t" anchorCtr="0">
+          <a:noAutofit/>
+        </a:bodyPr>
+        <a:lstStyle/>
+        <a:p>
+          <a:pPr marL="0" lvl="0" indent="0" algn="l" defTabSz="889000">
+            <a:lnSpc>
+              <a:spcPct val="100000"/>
+            </a:lnSpc>
+            <a:spcBef>
+              <a:spcPct val="0"/>
+            </a:spcBef>
+            <a:spcAft>
+              <a:spcPct val="35000"/>
+            </a:spcAft>
+            <a:buNone/>
+            <a:defRPr b="1"/>
+          </a:pPr>
+          <a:r>
+            <a:rPr lang="en-US" sz="2000" kern="1200"/>
+            <a:t>Desired expertise</a:t>
+          </a:r>
+        </a:p>
+      </dsp:txBody>
+      <dsp:txXfrm>
+        <a:off x="5892438" y="1695438"/>
+        <a:ext cx="4315781" cy="545784"/>
+      </dsp:txXfrm>
+    </dsp:sp>
+    <dsp:sp modelId="{2F261AF9-F3D4-41F8-BBB8-7294364A96F4}">
+      <dsp:nvSpPr>
+        <dsp:cNvPr id="0" name=""/>
+        <dsp:cNvSpPr/>
+      </dsp:nvSpPr>
+      <dsp:spPr>
+        <a:xfrm>
+          <a:off x="5892438" y="2303245"/>
+          <a:ext cx="4315781" cy="1086464"/>
+        </a:xfrm>
+        <a:prstGeom prst="rect">
+          <a:avLst/>
+        </a:prstGeom>
+        <a:noFill/>
+        <a:ln>
+          <a:noFill/>
+        </a:ln>
+        <a:effectLst/>
+      </dsp:spPr>
+      <dsp:style>
+        <a:lnRef idx="0">
+          <a:scrgbClr r="0" g="0" b="0"/>
+        </a:lnRef>
+        <a:fillRef idx="0">
+          <a:scrgbClr r="0" g="0" b="0"/>
+        </a:fillRef>
+        <a:effectRef idx="0">
+          <a:scrgbClr r="0" g="0" b="0"/>
+        </a:effectRef>
+        <a:fontRef idx="minor"/>
+      </dsp:style>
+      <dsp:txBody>
+        <a:bodyPr spcFirstLastPara="0" vert="horz" wrap="square" lIns="0" tIns="0" rIns="0" bIns="0" numCol="1" spcCol="1270" anchor="t" anchorCtr="0">
+          <a:noAutofit/>
+        </a:bodyPr>
+        <a:lstStyle/>
+        <a:p>
+          <a:pPr marL="0" lvl="0" indent="0" algn="l" defTabSz="755650">
+            <a:lnSpc>
+              <a:spcPct val="100000"/>
+            </a:lnSpc>
+            <a:spcBef>
+              <a:spcPct val="0"/>
+            </a:spcBef>
+            <a:spcAft>
+              <a:spcPct val="35000"/>
+            </a:spcAft>
+            <a:buNone/>
+          </a:pPr>
+          <a:r>
+            <a:rPr lang="en-US" sz="1700" kern="1200" dirty="0"/>
+            <a:t>Bayesian modeling</a:t>
+          </a:r>
+        </a:p>
+        <a:p>
+          <a:pPr marL="0" lvl="0" indent="0" algn="l" defTabSz="755650">
+            <a:lnSpc>
+              <a:spcPct val="100000"/>
+            </a:lnSpc>
+            <a:spcBef>
+              <a:spcPct val="0"/>
+            </a:spcBef>
+            <a:spcAft>
+              <a:spcPct val="35000"/>
+            </a:spcAft>
+            <a:buNone/>
+          </a:pPr>
+          <a:r>
+            <a:rPr lang="en-US" sz="1700" kern="1200" dirty="0"/>
+            <a:t>Predictive modeling, AI/ML</a:t>
+          </a:r>
+        </a:p>
+        <a:p>
+          <a:pPr marL="0" lvl="0" indent="0" algn="l" defTabSz="755650">
+            <a:lnSpc>
+              <a:spcPct val="100000"/>
+            </a:lnSpc>
+            <a:spcBef>
+              <a:spcPct val="0"/>
+            </a:spcBef>
+            <a:spcAft>
+              <a:spcPct val="35000"/>
+            </a:spcAft>
+            <a:buNone/>
+          </a:pPr>
+          <a:r>
+            <a:rPr lang="en-US" sz="1700" kern="1200" dirty="0"/>
+            <a:t>Clinical trial simulations</a:t>
+          </a:r>
+        </a:p>
+        <a:p>
+          <a:pPr marL="0" lvl="0" indent="0" algn="l" defTabSz="755650">
+            <a:lnSpc>
+              <a:spcPct val="100000"/>
+            </a:lnSpc>
+            <a:spcBef>
+              <a:spcPct val="0"/>
+            </a:spcBef>
+            <a:spcAft>
+              <a:spcPct val="35000"/>
+            </a:spcAft>
+            <a:buNone/>
+          </a:pPr>
+          <a:r>
+            <a:rPr lang="en-US" sz="1700" kern="1200" dirty="0"/>
+            <a:t>Data visualization</a:t>
+          </a:r>
+        </a:p>
+        <a:p>
+          <a:pPr marL="0" lvl="0" indent="0" algn="l" defTabSz="755650">
+            <a:lnSpc>
+              <a:spcPct val="100000"/>
+            </a:lnSpc>
+            <a:spcBef>
+              <a:spcPct val="0"/>
+            </a:spcBef>
+            <a:spcAft>
+              <a:spcPct val="35000"/>
+            </a:spcAft>
+            <a:buNone/>
+          </a:pPr>
+          <a:r>
+            <a:rPr lang="en-US" sz="1700" kern="1200"/>
+            <a:t>Data science and software tools development</a:t>
+          </a:r>
+        </a:p>
+        <a:p>
+          <a:pPr marL="0" lvl="0" indent="0" algn="l" defTabSz="755650">
+            <a:lnSpc>
+              <a:spcPct val="100000"/>
+            </a:lnSpc>
+            <a:spcBef>
+              <a:spcPct val="0"/>
+            </a:spcBef>
+            <a:spcAft>
+              <a:spcPct val="35000"/>
+            </a:spcAft>
+            <a:buNone/>
+          </a:pPr>
+          <a:r>
+            <a:rPr lang="en-US" sz="1700" kern="1200" dirty="0"/>
+            <a:t>Clinical drug supply optimization</a:t>
+          </a:r>
+        </a:p>
+      </dsp:txBody>
+      <dsp:txXfrm>
+        <a:off x="5892438" y="2303245"/>
+        <a:ext cx="4315781" cy="1086464"/>
+      </dsp:txXfrm>
+    </dsp:sp>
+  </dsp:spTree>
+</dsp:drawing>
+</file>
+
 <file path=ppt/diagrams/layout1.xml><?xml version="1.0" encoding="utf-8"?>
 <dgm:layoutDef xmlns:dgm="http://schemas.openxmlformats.org/drawingml/2006/diagram" xmlns:a="http://schemas.openxmlformats.org/drawingml/2006/main" uniqueId="urn:microsoft.com/office/officeart/2005/8/layout/default">
   <dgm:title val=""/>
@@ -6658,215 +6158,6 @@
 </file>
 
 <file path=ppt/diagrams/layout2.xml><?xml version="1.0" encoding="utf-8"?>
-<dgm:layoutDef xmlns:dgm="http://schemas.openxmlformats.org/drawingml/2006/diagram" xmlns:a="http://schemas.openxmlformats.org/drawingml/2006/main" uniqueId="urn:microsoft.com/office/officeart/2018/2/layout/IconLabelDescriptionList">
-  <dgm:title val="Icon Label Description List"/>
-  <dgm:desc val="Use to show non-sequential or grouped chunks of information. The placeholder holds an icon or small picture, and corresponding text boxes show Level 1 and Level 2 text respectively. Works well for minimal Level 1 text accompanied by lengthier Level two text."/>
-  <dgm:catLst>
-    <dgm:cat type="icon" pri="500"/>
-  </dgm:catLst>
-  <dgm:sampData useDef="1">
-    <dgm:dataModel>
-      <dgm:ptLst/>
-      <dgm:bg/>
-      <dgm:whole/>
-    </dgm:dataModel>
-  </dgm:sampData>
-  <dgm:styleData useDef="1">
-    <dgm:dataModel>
-      <dgm:ptLst/>
-      <dgm:bg/>
-      <dgm:whole/>
-    </dgm:dataModel>
-  </dgm:styleData>
-  <dgm:clrData useDef="1">
-    <dgm:dataModel>
-      <dgm:ptLst/>
-      <dgm:bg/>
-      <dgm:whole/>
-    </dgm:dataModel>
-  </dgm:clrData>
-  <dgm:layoutNode name="root">
-    <dgm:varLst>
-      <dgm:dir/>
-      <dgm:resizeHandles val="exact"/>
-    </dgm:varLst>
-    <dgm:choose name="Name0">
-      <dgm:if name="Name1" axis="self" func="var" arg="dir" op="equ" val="norm">
-        <dgm:alg type="lin"/>
-      </dgm:if>
-      <dgm:else name="Name2">
-        <dgm:alg type="lin">
-          <dgm:param type="linDir" val="fromR"/>
-        </dgm:alg>
-      </dgm:else>
-    </dgm:choose>
-    <dgm:shape xmlns:r="http://schemas.openxmlformats.org/officeDocument/2006/relationships" r:blip="">
-      <dgm:adjLst/>
-    </dgm:shape>
-    <dgm:presOf/>
-    <dgm:constrLst>
-      <dgm:constr type="h" for="ch" forName="compNode" refType="h" fact="0.45"/>
-      <dgm:constr type="w" for="ch" forName="compNode" val="120"/>
-      <dgm:constr type="w" for="ch" forName="sibTrans" refType="w" refFor="ch" refForName="compNode" fact="0.175"/>
-      <dgm:constr type="primFontSz" for="des" forName="parTx" val="36"/>
-      <dgm:constr type="primFontSz" for="des" forName="desTx" refType="primFontSz" refFor="des" refForName="parTx" op="lte" fact="0.75"/>
-      <dgm:constr type="h" for="des" forName="compNode" op="equ"/>
-      <dgm:constr type="h" for="des" forName="iconRect" op="equ"/>
-      <dgm:constr type="w" for="des" forName="iconRect" op="equ"/>
-      <dgm:constr type="h" for="des" forName="iconSpace" op="equ"/>
-      <dgm:constr type="h" for="des" forName="parTx" op="equ"/>
-      <dgm:constr type="h" for="des" forName="txSpace" op="equ"/>
-      <dgm:constr type="h" for="des" forName="desTx" op="equ"/>
-    </dgm:constrLst>
-    <dgm:ruleLst>
-      <dgm:rule type="w" for="ch" forName="compNode" val="0" fact="NaN" max="NaN"/>
-    </dgm:ruleLst>
-    <dgm:forEach name="Name3" axis="ch" ptType="node">
-      <dgm:layoutNode name="compNode">
-        <dgm:alg type="composite"/>
-        <dgm:shape xmlns:r="http://schemas.openxmlformats.org/officeDocument/2006/relationships" r:blip="">
-          <dgm:adjLst/>
-        </dgm:shape>
-        <dgm:presOf axis="self"/>
-        <dgm:constrLst>
-          <dgm:constr type="w" for="ch" forName="iconRect" refType="w" fact="0.35"/>
-          <dgm:constr type="h" for="ch" forName="iconRect" refType="w" refFor="ch" refForName="iconRect"/>
-          <dgm:constr type="l" for="ch" forName="iconRect"/>
-          <dgm:constr type="t" for="ch" forName="iconRect"/>
-          <dgm:constr type="w" for="ch" forName="iconSpace" refType="w"/>
-          <dgm:constr type="h" for="ch" forName="iconSpace" refType="h" fact="0.043"/>
-          <dgm:constr type="l" for="ch" forName="iconSpace"/>
-          <dgm:constr type="t" for="ch" forName="iconSpace" refType="b" refFor="ch" refForName="iconRect"/>
-          <dgm:constr type="w" for="ch" forName="parTx" refType="w"/>
-          <dgm:constr type="h" for="ch" forName="parTx" refType="w" fact="0.15"/>
-          <dgm:constr type="l" for="ch" forName="parTx"/>
-          <dgm:constr type="t" for="ch" forName="parTx" refType="b" refFor="ch" refForName="iconSpace"/>
-          <dgm:constr type="h" for="ch" forName="txSpace" refType="h" fact="0.02"/>
-          <dgm:constr type="w" for="ch" forName="txSpace" refType="w"/>
-          <dgm:constr type="l" for="ch" forName="txSpace"/>
-          <dgm:constr type="t" for="ch" forName="txSpace" refType="b" refFor="ch" refForName="parTx"/>
-          <dgm:constr type="w" for="ch" forName="desTx" refType="w"/>
-          <dgm:constr type="l" for="ch" forName="desTx"/>
-          <dgm:constr type="t" for="ch" forName="desTx" refType="b" refFor="ch" refForName="txSpace"/>
-        </dgm:constrLst>
-        <dgm:ruleLst>
-          <dgm:rule type="h" val="INF" fact="NaN" max="NaN"/>
-        </dgm:ruleLst>
-        <dgm:layoutNode name="iconRect" styleLbl="node1">
-          <dgm:alg type="sp"/>
-          <dgm:shape xmlns:r="http://schemas.openxmlformats.org/officeDocument/2006/relationships" type="rect" r:blip="" blipPhldr="1">
-            <dgm:adjLst/>
-          </dgm:shape>
-          <dgm:presOf/>
-          <dgm:constrLst/>
-          <dgm:ruleLst/>
-        </dgm:layoutNode>
-        <dgm:layoutNode name="iconSpace">
-          <dgm:alg type="sp"/>
-          <dgm:shape xmlns:r="http://schemas.openxmlformats.org/officeDocument/2006/relationships" r:blip="">
-            <dgm:adjLst/>
-          </dgm:shape>
-          <dgm:presOf/>
-          <dgm:constrLst/>
-          <dgm:ruleLst/>
-        </dgm:layoutNode>
-        <dgm:layoutNode name="parTx" styleLbl="revTx">
-          <dgm:varLst>
-            <dgm:chMax val="0"/>
-            <dgm:chPref val="0"/>
-          </dgm:varLst>
-          <dgm:alg type="tx">
-            <dgm:param type="txAnchorVert" val="t"/>
-            <dgm:param type="parTxLTRAlign" val="l"/>
-            <dgm:param type="shpTxLTRAlignCh" val="l"/>
-            <dgm:param type="parTxRTLAlign" val="r"/>
-            <dgm:param type="shpTxRTLAlignCh" val="r"/>
-          </dgm:alg>
-          <dgm:shape xmlns:r="http://schemas.openxmlformats.org/officeDocument/2006/relationships" type="rect" r:blip="">
-            <dgm:adjLst/>
-          </dgm:shape>
-          <dgm:presOf axis="self" ptType="node"/>
-          <dgm:constrLst>
-            <dgm:constr type="lMarg"/>
-            <dgm:constr type="rMarg"/>
-            <dgm:constr type="tMarg"/>
-            <dgm:constr type="bMarg"/>
-          </dgm:constrLst>
-          <dgm:ruleLst>
-            <dgm:rule type="primFontSz" val="14" fact="NaN" max="NaN"/>
-            <dgm:rule type="h" val="INF" fact="NaN" max="NaN"/>
-          </dgm:ruleLst>
-        </dgm:layoutNode>
-        <dgm:layoutNode name="txSpace">
-          <dgm:alg type="sp"/>
-          <dgm:shape xmlns:r="http://schemas.openxmlformats.org/officeDocument/2006/relationships" r:blip="">
-            <dgm:adjLst/>
-          </dgm:shape>
-          <dgm:presOf/>
-          <dgm:constrLst/>
-          <dgm:ruleLst/>
-        </dgm:layoutNode>
-        <dgm:layoutNode name="desTx" styleLbl="revTx">
-          <dgm:varLst/>
-          <dgm:alg type="tx">
-            <dgm:param type="stBulletLvl" val="0"/>
-            <dgm:param type="txAnchorVert" val="t"/>
-            <dgm:param type="parTxLTRAlign" val="l"/>
-            <dgm:param type="shpTxLTRAlignCh" val="l"/>
-            <dgm:param type="parTxRTLAlign" val="r"/>
-            <dgm:param type="shpTxRTLAlignCh" val="r"/>
-          </dgm:alg>
-          <dgm:shape xmlns:r="http://schemas.openxmlformats.org/officeDocument/2006/relationships" type="rect" r:blip="">
-            <dgm:adjLst/>
-          </dgm:shape>
-          <dgm:presOf axis="des" ptType="node"/>
-          <dgm:constrLst>
-            <dgm:constr type="secFontSz" refType="primFontSz"/>
-            <dgm:constr type="lMarg"/>
-            <dgm:constr type="rMarg"/>
-            <dgm:constr type="tMarg"/>
-            <dgm:constr type="bMarg"/>
-          </dgm:constrLst>
-          <dgm:ruleLst>
-            <dgm:rule type="primFontSz" val="NaN" fact="NaN" max="17"/>
-            <dgm:rule type="h" val="INF" fact="NaN" max="NaN"/>
-          </dgm:ruleLst>
-        </dgm:layoutNode>
-      </dgm:layoutNode>
-      <dgm:forEach name="Name4" axis="followSib" ptType="sibTrans" cnt="1">
-        <dgm:layoutNode name="sibTrans">
-          <dgm:alg type="sp"/>
-          <dgm:shape xmlns:r="http://schemas.openxmlformats.org/officeDocument/2006/relationships" r:blip="">
-            <dgm:adjLst/>
-          </dgm:shape>
-          <dgm:presOf axis="self"/>
-          <dgm:constrLst/>
-          <dgm:ruleLst/>
-        </dgm:layoutNode>
-      </dgm:forEach>
-    </dgm:forEach>
-  </dgm:layoutNode>
-  <dgm:extLst>
-    <a:ext uri="{68A01E43-0DF5-4B5B-8FA6-DAF915123BFB}">
-      <dgm1612:lstStyle xmlns:dgm1612="http://schemas.microsoft.com/office/drawing/2016/12/diagram">
-        <a:lvl1pPr>
-          <a:lnSpc>
-            <a:spcPct val="100000"/>
-          </a:lnSpc>
-          <a:defRPr b="1"/>
-        </a:lvl1pPr>
-        <a:lvl2pPr>
-          <a:lnSpc>
-            <a:spcPct val="100000"/>
-          </a:lnSpc>
-        </a:lvl2pPr>
-      </dgm1612:lstStyle>
-    </a:ext>
-  </dgm:extLst>
-</dgm:layoutDef>
-</file>
-
-<file path=ppt/diagrams/layout3.xml><?xml version="1.0" encoding="utf-8"?>
 <dgm:layoutDef xmlns:dgm="http://schemas.openxmlformats.org/drawingml/2006/diagram" xmlns:a="http://schemas.openxmlformats.org/drawingml/2006/main" uniqueId="urn:microsoft.com/office/officeart/2009/3/layout/IncreasingArrowsProcess">
   <dgm:title val=""/>
   <dgm:desc val=""/>
@@ -8106,6 +7397,215 @@
 </dgm:layoutDef>
 </file>
 
+<file path=ppt/diagrams/layout3.xml><?xml version="1.0" encoding="utf-8"?>
+<dgm:layoutDef xmlns:dgm="http://schemas.openxmlformats.org/drawingml/2006/diagram" xmlns:a="http://schemas.openxmlformats.org/drawingml/2006/main" uniqueId="urn:microsoft.com/office/officeart/2018/2/layout/IconLabelDescriptionList">
+  <dgm:title val="Icon Label Description List"/>
+  <dgm:desc val="Use to show non-sequential or grouped chunks of information. The placeholder holds an icon or small picture, and corresponding text boxes show Level 1 and Level 2 text respectively. Works well for minimal Level 1 text accompanied by lengthier Level two text."/>
+  <dgm:catLst>
+    <dgm:cat type="icon" pri="500"/>
+  </dgm:catLst>
+  <dgm:sampData useDef="1">
+    <dgm:dataModel>
+      <dgm:ptLst/>
+      <dgm:bg/>
+      <dgm:whole/>
+    </dgm:dataModel>
+  </dgm:sampData>
+  <dgm:styleData useDef="1">
+    <dgm:dataModel>
+      <dgm:ptLst/>
+      <dgm:bg/>
+      <dgm:whole/>
+    </dgm:dataModel>
+  </dgm:styleData>
+  <dgm:clrData useDef="1">
+    <dgm:dataModel>
+      <dgm:ptLst/>
+      <dgm:bg/>
+      <dgm:whole/>
+    </dgm:dataModel>
+  </dgm:clrData>
+  <dgm:layoutNode name="root">
+    <dgm:varLst>
+      <dgm:dir/>
+      <dgm:resizeHandles val="exact"/>
+    </dgm:varLst>
+    <dgm:choose name="Name0">
+      <dgm:if name="Name1" axis="self" func="var" arg="dir" op="equ" val="norm">
+        <dgm:alg type="lin"/>
+      </dgm:if>
+      <dgm:else name="Name2">
+        <dgm:alg type="lin">
+          <dgm:param type="linDir" val="fromR"/>
+        </dgm:alg>
+      </dgm:else>
+    </dgm:choose>
+    <dgm:shape xmlns:r="http://schemas.openxmlformats.org/officeDocument/2006/relationships" r:blip="">
+      <dgm:adjLst/>
+    </dgm:shape>
+    <dgm:presOf/>
+    <dgm:constrLst>
+      <dgm:constr type="h" for="ch" forName="compNode" refType="h" fact="0.45"/>
+      <dgm:constr type="w" for="ch" forName="compNode" val="120"/>
+      <dgm:constr type="w" for="ch" forName="sibTrans" refType="w" refFor="ch" refForName="compNode" fact="0.175"/>
+      <dgm:constr type="primFontSz" for="des" forName="parTx" val="36"/>
+      <dgm:constr type="primFontSz" for="des" forName="desTx" refType="primFontSz" refFor="des" refForName="parTx" op="lte" fact="0.75"/>
+      <dgm:constr type="h" for="des" forName="compNode" op="equ"/>
+      <dgm:constr type="h" for="des" forName="iconRect" op="equ"/>
+      <dgm:constr type="w" for="des" forName="iconRect" op="equ"/>
+      <dgm:constr type="h" for="des" forName="iconSpace" op="equ"/>
+      <dgm:constr type="h" for="des" forName="parTx" op="equ"/>
+      <dgm:constr type="h" for="des" forName="txSpace" op="equ"/>
+      <dgm:constr type="h" for="des" forName="desTx" op="equ"/>
+    </dgm:constrLst>
+    <dgm:ruleLst>
+      <dgm:rule type="w" for="ch" forName="compNode" val="0" fact="NaN" max="NaN"/>
+    </dgm:ruleLst>
+    <dgm:forEach name="Name3" axis="ch" ptType="node">
+      <dgm:layoutNode name="compNode">
+        <dgm:alg type="composite"/>
+        <dgm:shape xmlns:r="http://schemas.openxmlformats.org/officeDocument/2006/relationships" r:blip="">
+          <dgm:adjLst/>
+        </dgm:shape>
+        <dgm:presOf axis="self"/>
+        <dgm:constrLst>
+          <dgm:constr type="w" for="ch" forName="iconRect" refType="w" fact="0.35"/>
+          <dgm:constr type="h" for="ch" forName="iconRect" refType="w" refFor="ch" refForName="iconRect"/>
+          <dgm:constr type="l" for="ch" forName="iconRect"/>
+          <dgm:constr type="t" for="ch" forName="iconRect"/>
+          <dgm:constr type="w" for="ch" forName="iconSpace" refType="w"/>
+          <dgm:constr type="h" for="ch" forName="iconSpace" refType="h" fact="0.043"/>
+          <dgm:constr type="l" for="ch" forName="iconSpace"/>
+          <dgm:constr type="t" for="ch" forName="iconSpace" refType="b" refFor="ch" refForName="iconRect"/>
+          <dgm:constr type="w" for="ch" forName="parTx" refType="w"/>
+          <dgm:constr type="h" for="ch" forName="parTx" refType="w" fact="0.15"/>
+          <dgm:constr type="l" for="ch" forName="parTx"/>
+          <dgm:constr type="t" for="ch" forName="parTx" refType="b" refFor="ch" refForName="iconSpace"/>
+          <dgm:constr type="h" for="ch" forName="txSpace" refType="h" fact="0.02"/>
+          <dgm:constr type="w" for="ch" forName="txSpace" refType="w"/>
+          <dgm:constr type="l" for="ch" forName="txSpace"/>
+          <dgm:constr type="t" for="ch" forName="txSpace" refType="b" refFor="ch" refForName="parTx"/>
+          <dgm:constr type="w" for="ch" forName="desTx" refType="w"/>
+          <dgm:constr type="l" for="ch" forName="desTx"/>
+          <dgm:constr type="t" for="ch" forName="desTx" refType="b" refFor="ch" refForName="txSpace"/>
+        </dgm:constrLst>
+        <dgm:ruleLst>
+          <dgm:rule type="h" val="INF" fact="NaN" max="NaN"/>
+        </dgm:ruleLst>
+        <dgm:layoutNode name="iconRect" styleLbl="node1">
+          <dgm:alg type="sp"/>
+          <dgm:shape xmlns:r="http://schemas.openxmlformats.org/officeDocument/2006/relationships" type="rect" r:blip="" blipPhldr="1">
+            <dgm:adjLst/>
+          </dgm:shape>
+          <dgm:presOf/>
+          <dgm:constrLst/>
+          <dgm:ruleLst/>
+        </dgm:layoutNode>
+        <dgm:layoutNode name="iconSpace">
+          <dgm:alg type="sp"/>
+          <dgm:shape xmlns:r="http://schemas.openxmlformats.org/officeDocument/2006/relationships" r:blip="">
+            <dgm:adjLst/>
+          </dgm:shape>
+          <dgm:presOf/>
+          <dgm:constrLst/>
+          <dgm:ruleLst/>
+        </dgm:layoutNode>
+        <dgm:layoutNode name="parTx" styleLbl="revTx">
+          <dgm:varLst>
+            <dgm:chMax val="0"/>
+            <dgm:chPref val="0"/>
+          </dgm:varLst>
+          <dgm:alg type="tx">
+            <dgm:param type="txAnchorVert" val="t"/>
+            <dgm:param type="parTxLTRAlign" val="l"/>
+            <dgm:param type="shpTxLTRAlignCh" val="l"/>
+            <dgm:param type="parTxRTLAlign" val="r"/>
+            <dgm:param type="shpTxRTLAlignCh" val="r"/>
+          </dgm:alg>
+          <dgm:shape xmlns:r="http://schemas.openxmlformats.org/officeDocument/2006/relationships" type="rect" r:blip="">
+            <dgm:adjLst/>
+          </dgm:shape>
+          <dgm:presOf axis="self" ptType="node"/>
+          <dgm:constrLst>
+            <dgm:constr type="lMarg"/>
+            <dgm:constr type="rMarg"/>
+            <dgm:constr type="tMarg"/>
+            <dgm:constr type="bMarg"/>
+          </dgm:constrLst>
+          <dgm:ruleLst>
+            <dgm:rule type="primFontSz" val="14" fact="NaN" max="NaN"/>
+            <dgm:rule type="h" val="INF" fact="NaN" max="NaN"/>
+          </dgm:ruleLst>
+        </dgm:layoutNode>
+        <dgm:layoutNode name="txSpace">
+          <dgm:alg type="sp"/>
+          <dgm:shape xmlns:r="http://schemas.openxmlformats.org/officeDocument/2006/relationships" r:blip="">
+            <dgm:adjLst/>
+          </dgm:shape>
+          <dgm:presOf/>
+          <dgm:constrLst/>
+          <dgm:ruleLst/>
+        </dgm:layoutNode>
+        <dgm:layoutNode name="desTx" styleLbl="revTx">
+          <dgm:varLst/>
+          <dgm:alg type="tx">
+            <dgm:param type="stBulletLvl" val="0"/>
+            <dgm:param type="txAnchorVert" val="t"/>
+            <dgm:param type="parTxLTRAlign" val="l"/>
+            <dgm:param type="shpTxLTRAlignCh" val="l"/>
+            <dgm:param type="parTxRTLAlign" val="r"/>
+            <dgm:param type="shpTxRTLAlignCh" val="r"/>
+          </dgm:alg>
+          <dgm:shape xmlns:r="http://schemas.openxmlformats.org/officeDocument/2006/relationships" type="rect" r:blip="">
+            <dgm:adjLst/>
+          </dgm:shape>
+          <dgm:presOf axis="des" ptType="node"/>
+          <dgm:constrLst>
+            <dgm:constr type="secFontSz" refType="primFontSz"/>
+            <dgm:constr type="lMarg"/>
+            <dgm:constr type="rMarg"/>
+            <dgm:constr type="tMarg"/>
+            <dgm:constr type="bMarg"/>
+          </dgm:constrLst>
+          <dgm:ruleLst>
+            <dgm:rule type="primFontSz" val="NaN" fact="NaN" max="17"/>
+            <dgm:rule type="h" val="INF" fact="NaN" max="NaN"/>
+          </dgm:ruleLst>
+        </dgm:layoutNode>
+      </dgm:layoutNode>
+      <dgm:forEach name="Name4" axis="followSib" ptType="sibTrans" cnt="1">
+        <dgm:layoutNode name="sibTrans">
+          <dgm:alg type="sp"/>
+          <dgm:shape xmlns:r="http://schemas.openxmlformats.org/officeDocument/2006/relationships" r:blip="">
+            <dgm:adjLst/>
+          </dgm:shape>
+          <dgm:presOf axis="self"/>
+          <dgm:constrLst/>
+          <dgm:ruleLst/>
+        </dgm:layoutNode>
+      </dgm:forEach>
+    </dgm:forEach>
+  </dgm:layoutNode>
+  <dgm:extLst>
+    <a:ext uri="{68A01E43-0DF5-4B5B-8FA6-DAF915123BFB}">
+      <dgm1612:lstStyle xmlns:dgm1612="http://schemas.microsoft.com/office/drawing/2016/12/diagram">
+        <a:lvl1pPr>
+          <a:lnSpc>
+            <a:spcPct val="100000"/>
+          </a:lnSpc>
+          <a:defRPr b="1"/>
+        </a:lvl1pPr>
+        <a:lvl2pPr>
+          <a:lnSpc>
+            <a:spcPct val="100000"/>
+          </a:lnSpc>
+        </a:lvl2pPr>
+      </dgm1612:lstStyle>
+    </a:ext>
+  </dgm:extLst>
+</dgm:layoutDef>
+</file>
+
 <file path=ppt/diagrams/quickStyle1.xml><?xml version="1.0" encoding="utf-8"?>
 <dgm:styleDef xmlns:dgm="http://schemas.openxmlformats.org/drawingml/2006/diagram" xmlns:a="http://schemas.openxmlformats.org/drawingml/2006/main" uniqueId="urn:microsoft.com/office/officeart/2005/8/quickstyle/simple1">
   <dgm:title val=""/>
@@ -11290,7 +10790,7 @@
           <a:p>
             <a:fld id="{49955E82-6F2B-42A3-AC88-CD71DCDF10FA}" type="datetimeFigureOut">
               <a:rPr lang="en-CA" smtClean="0"/>
-              <a:t>2025-04-30</a:t>
+              <a:t>2025-07-09</a:t>
             </a:fld>
             <a:endParaRPr lang="en-CA"/>
           </a:p>
@@ -11803,7 +11303,7 @@
           <a:p>
             <a:fld id="{6D801DDC-2194-407D-A51A-DD6B503D4158}" type="datetime1">
               <a:rPr lang="en-CA" smtClean="0"/>
-              <a:t>2025-04-30</a:t>
+              <a:t>2025-07-09</a:t>
             </a:fld>
             <a:endParaRPr lang="en-CA"/>
           </a:p>
@@ -12068,7 +11568,7 @@
           <a:p>
             <a:fld id="{C01F1281-8C44-4ECF-AD67-A2ECA2C24A77}" type="datetime1">
               <a:rPr lang="en-CA" smtClean="0"/>
-              <a:t>2025-04-30</a:t>
+              <a:t>2025-07-09</a:t>
             </a:fld>
             <a:endParaRPr lang="en-CA"/>
           </a:p>
@@ -12306,7 +11806,7 @@
           <a:p>
             <a:fld id="{716668EC-40B4-485B-8DD8-C2C25B67C76A}" type="datetime1">
               <a:rPr lang="en-CA" smtClean="0"/>
-              <a:t>2025-04-30</a:t>
+              <a:t>2025-07-09</a:t>
             </a:fld>
             <a:endParaRPr lang="en-CA"/>
           </a:p>
@@ -12552,7 +12052,7 @@
           <a:p>
             <a:fld id="{07DBB1D6-A72B-4DA3-BE2B-A44A0A88D378}" type="datetime1">
               <a:rPr lang="en-CA" smtClean="0"/>
-              <a:t>2025-04-30</a:t>
+              <a:t>2025-07-09</a:t>
             </a:fld>
             <a:endParaRPr lang="en-CA"/>
           </a:p>
@@ -12862,7 +12362,7 @@
           <a:p>
             <a:fld id="{A2814269-623C-4C17-82E2-F32BED45B3F6}" type="datetime1">
               <a:rPr lang="en-CA" smtClean="0"/>
-              <a:t>2025-04-30</a:t>
+              <a:t>2025-07-09</a:t>
             </a:fld>
             <a:endParaRPr lang="en-CA"/>
           </a:p>
@@ -13167,7 +12667,7 @@
           <a:p>
             <a:fld id="{4348F8B8-319D-481E-908A-B57E2A72D63C}" type="datetime1">
               <a:rPr lang="en-CA" smtClean="0"/>
-              <a:t>2025-04-30</a:t>
+              <a:t>2025-07-09</a:t>
             </a:fld>
             <a:endParaRPr lang="en-CA"/>
           </a:p>
@@ -13592,7 +13092,7 @@
           <a:p>
             <a:fld id="{6B96D028-CFCB-439B-96F2-E665AFF6E8BD}" type="datetime1">
               <a:rPr lang="en-CA" smtClean="0"/>
-              <a:t>2025-04-30</a:t>
+              <a:t>2025-07-09</a:t>
             </a:fld>
             <a:endParaRPr lang="en-CA"/>
           </a:p>
@@ -13757,7 +13257,7 @@
           <a:p>
             <a:fld id="{CAE94567-117D-4289-AE4E-1C8F699DC01F}" type="datetime1">
               <a:rPr lang="en-CA" smtClean="0"/>
-              <a:t>2025-04-30</a:t>
+              <a:t>2025-07-09</a:t>
             </a:fld>
             <a:endParaRPr lang="en-CA"/>
           </a:p>
@@ -13855,7 +13355,7 @@
           <a:p>
             <a:fld id="{7C6838B5-76B0-4A56-9BDE-544BD89FBBE0}" type="datetime1">
               <a:rPr lang="en-CA" smtClean="0"/>
-              <a:t>2025-04-30</a:t>
+              <a:t>2025-07-09</a:t>
             </a:fld>
             <a:endParaRPr lang="en-CA"/>
           </a:p>
@@ -14236,7 +13736,7 @@
           <a:p>
             <a:fld id="{54994723-89F6-4BCC-B8A3-AA2BAF401EF3}" type="datetime1">
               <a:rPr lang="en-CA" smtClean="0"/>
-              <a:t>2025-04-30</a:t>
+              <a:t>2025-07-09</a:t>
             </a:fld>
             <a:endParaRPr lang="en-CA"/>
           </a:p>
@@ -14528,7 +14028,7 @@
           <a:p>
             <a:fld id="{02509C6E-EC76-4BBF-82D3-845B47D5741B}" type="datetime1">
               <a:rPr lang="en-CA" smtClean="0"/>
-              <a:t>2025-04-30</a:t>
+              <a:t>2025-07-09</a:t>
             </a:fld>
             <a:endParaRPr lang="en-CA"/>
           </a:p>
@@ -14742,7 +14242,7 @@
           <a:p>
             <a:fld id="{DF04F12E-C4D4-4BBF-AD6B-AA1B1CBE0E3F}" type="datetime1">
               <a:rPr lang="en-CA" smtClean="0"/>
-              <a:t>2025-04-30</a:t>
+              <a:t>2025-07-09</a:t>
             </a:fld>
             <a:endParaRPr lang="en-CA"/>
           </a:p>
@@ -15460,7 +14960,26 @@
                 <a:effectLst/>
                 <a:latin typeface="-apple-system"/>
               </a:rPr>
-              <a:t>April 30, 2025</a:t>
+              <a:t>July </a:t>
+            </a:r>
+            <a:r>
+              <a:rPr lang="en-CA" dirty="0">
+                <a:solidFill>
+                  <a:schemeClr val="accent1"/>
+                </a:solidFill>
+                <a:latin typeface="-apple-system"/>
+              </a:rPr>
+              <a:t>1</a:t>
+            </a:r>
+            <a:r>
+              <a:rPr lang="en-CA" b="0" i="0" dirty="0">
+                <a:solidFill>
+                  <a:schemeClr val="accent1"/>
+                </a:solidFill>
+                <a:effectLst/>
+                <a:latin typeface="-apple-system"/>
+              </a:rPr>
+              <a:t>0, 2025</a:t>
             </a:r>
             <a:endParaRPr lang="en-CA" dirty="0">
               <a:solidFill>
@@ -15784,7 +15303,3028 @@
 </p:sld>
 </file>
 
+<file path=ppt/slides/slide10.xml><?xml version="1.0" encoding="utf-8"?>
+<p:sld xmlns:a="http://schemas.openxmlformats.org/drawingml/2006/main" xmlns:r="http://schemas.openxmlformats.org/officeDocument/2006/relationships" xmlns:p="http://schemas.openxmlformats.org/presentationml/2006/main">
+  <p:cSld>
+    <p:spTree>
+      <p:nvGrpSpPr>
+        <p:cNvPr id="1" name="">
+          <a:extLst>
+            <a:ext uri="{FF2B5EF4-FFF2-40B4-BE49-F238E27FC236}">
+              <a16:creationId xmlns:a16="http://schemas.microsoft.com/office/drawing/2014/main" id="{BA197972-893B-160A-EB88-0A65833CA9C1}"/>
+            </a:ext>
+          </a:extLst>
+        </p:cNvPr>
+        <p:cNvGrpSpPr/>
+        <p:nvPr/>
+      </p:nvGrpSpPr>
+      <p:grpSpPr>
+        <a:xfrm>
+          <a:off x="0" y="0"/>
+          <a:ext cx="0" cy="0"/>
+          <a:chOff x="0" y="0"/>
+          <a:chExt cx="0" cy="0"/>
+        </a:xfrm>
+      </p:grpSpPr>
+      <p:sp>
+        <p:nvSpPr>
+          <p:cNvPr id="2" name="Title 1">
+            <a:extLst>
+              <a:ext uri="{FF2B5EF4-FFF2-40B4-BE49-F238E27FC236}">
+                <a16:creationId xmlns:a16="http://schemas.microsoft.com/office/drawing/2014/main" id="{DE426B07-9113-C599-B8EC-9714D0F516F2}"/>
+              </a:ext>
+            </a:extLst>
+          </p:cNvPr>
+          <p:cNvSpPr>
+            <a:spLocks noGrp="1"/>
+          </p:cNvSpPr>
+          <p:nvPr>
+            <p:ph type="title"/>
+          </p:nvPr>
+        </p:nvSpPr>
+        <p:spPr/>
+        <p:txBody>
+          <a:bodyPr/>
+          <a:lstStyle/>
+          <a:p>
+            <a:r>
+              <a:rPr lang="en-CA" dirty="0"/>
+              <a:t>Current Status</a:t>
+            </a:r>
+          </a:p>
+        </p:txBody>
+      </p:sp>
+      <p:sp>
+        <p:nvSpPr>
+          <p:cNvPr id="3" name="Content Placeholder 2">
+            <a:extLst>
+              <a:ext uri="{FF2B5EF4-FFF2-40B4-BE49-F238E27FC236}">
+                <a16:creationId xmlns:a16="http://schemas.microsoft.com/office/drawing/2014/main" id="{9B6FBC9F-9C93-6015-DBEE-AABC6684FEB3}"/>
+              </a:ext>
+            </a:extLst>
+          </p:cNvPr>
+          <p:cNvSpPr>
+            <a:spLocks noGrp="1"/>
+          </p:cNvSpPr>
+          <p:nvPr>
+            <p:ph idx="1"/>
+          </p:nvPr>
+        </p:nvSpPr>
+        <p:spPr/>
+        <p:txBody>
+          <a:bodyPr>
+            <a:normAutofit/>
+          </a:bodyPr>
+          <a:lstStyle/>
+          <a:p>
+            <a:r>
+              <a:rPr lang="en-US" sz="2000" dirty="0"/>
+              <a:t>BASS 2025 workshop</a:t>
+            </a:r>
+          </a:p>
+          <a:p>
+            <a:r>
+              <a:rPr lang="en-US" sz="2000" dirty="0"/>
+              <a:t>ENAR 2026 invited session</a:t>
+            </a:r>
+          </a:p>
+          <a:p>
+            <a:r>
+              <a:rPr lang="en-US" sz="2000" dirty="0"/>
+              <a:t>IBC 2026</a:t>
+            </a:r>
+          </a:p>
+          <a:p>
+            <a:r>
+              <a:rPr lang="en-US" sz="2000" dirty="0">
+                <a:hlinkClick r:id="rId2"/>
+              </a:rPr>
+              <a:t>ASA BIOP SWG main page</a:t>
+            </a:r>
+            <a:endParaRPr lang="en-US" sz="2000" dirty="0"/>
+          </a:p>
+          <a:p>
+            <a:r>
+              <a:rPr lang="en-CA" sz="2200" dirty="0">
+                <a:hlinkClick r:id="rId3"/>
+              </a:rPr>
+              <a:t>Efficiency+ </a:t>
+            </a:r>
+            <a:r>
+              <a:rPr lang="en-CA" sz="2200" dirty="0" err="1">
+                <a:hlinkClick r:id="rId3"/>
+              </a:rPr>
+              <a:t>Github</a:t>
+            </a:r>
+            <a:r>
+              <a:rPr lang="en-CA" sz="2200" dirty="0">
+                <a:hlinkClick r:id="rId3"/>
+              </a:rPr>
+              <a:t> Repo</a:t>
+            </a:r>
+            <a:endParaRPr lang="en-CA" sz="2200" dirty="0">
+              <a:hlinkClick r:id="rId4"/>
+            </a:endParaRPr>
+          </a:p>
+          <a:p>
+            <a:r>
+              <a:rPr lang="en-CA" sz="2200" dirty="0">
+                <a:hlinkClick r:id="rId4"/>
+              </a:rPr>
+              <a:t>Efficiency+ web page (published via </a:t>
+            </a:r>
+            <a:r>
+              <a:rPr lang="en-CA" sz="2200" dirty="0" err="1">
+                <a:hlinkClick r:id="rId4"/>
+              </a:rPr>
+              <a:t>Github</a:t>
+            </a:r>
+            <a:r>
+              <a:rPr lang="en-CA" sz="2200" dirty="0">
+                <a:hlinkClick r:id="rId4"/>
+              </a:rPr>
+              <a:t>)</a:t>
+            </a:r>
+            <a:endParaRPr lang="en-US" sz="2000" dirty="0"/>
+          </a:p>
+          <a:p>
+            <a:endParaRPr lang="en-CA" sz="2200" dirty="0"/>
+          </a:p>
+        </p:txBody>
+      </p:sp>
+      <p:sp>
+        <p:nvSpPr>
+          <p:cNvPr id="4" name="Footer Placeholder 3">
+            <a:extLst>
+              <a:ext uri="{FF2B5EF4-FFF2-40B4-BE49-F238E27FC236}">
+                <a16:creationId xmlns:a16="http://schemas.microsoft.com/office/drawing/2014/main" id="{5FF68FE9-D82B-51C2-8FCC-38BCF0C5DBD4}"/>
+              </a:ext>
+            </a:extLst>
+          </p:cNvPr>
+          <p:cNvSpPr>
+            <a:spLocks noGrp="1"/>
+          </p:cNvSpPr>
+          <p:nvPr>
+            <p:ph type="ftr" sz="quarter" idx="11"/>
+          </p:nvPr>
+        </p:nvSpPr>
+        <p:spPr/>
+        <p:txBody>
+          <a:bodyPr/>
+          <a:lstStyle/>
+          <a:p>
+            <a:r>
+              <a:rPr lang="en-CA"/>
+              <a:t>ASA BIOP /// SWG /// EFFICIENCY+</a:t>
+            </a:r>
+          </a:p>
+        </p:txBody>
+      </p:sp>
+      <p:sp>
+        <p:nvSpPr>
+          <p:cNvPr id="5" name="Slide Number Placeholder 4">
+            <a:extLst>
+              <a:ext uri="{FF2B5EF4-FFF2-40B4-BE49-F238E27FC236}">
+                <a16:creationId xmlns:a16="http://schemas.microsoft.com/office/drawing/2014/main" id="{2A2004FF-9F3A-0946-A598-107445FCD0EC}"/>
+              </a:ext>
+            </a:extLst>
+          </p:cNvPr>
+          <p:cNvSpPr>
+            <a:spLocks noGrp="1"/>
+          </p:cNvSpPr>
+          <p:nvPr>
+            <p:ph type="sldNum" sz="quarter" idx="12"/>
+          </p:nvPr>
+        </p:nvSpPr>
+        <p:spPr/>
+        <p:txBody>
+          <a:bodyPr/>
+          <a:lstStyle/>
+          <a:p>
+            <a:fld id="{30E7FCC8-645C-414B-A51E-F39A553B598F}" type="slidenum">
+              <a:rPr lang="en-CA" smtClean="0"/>
+              <a:t>10</a:t>
+            </a:fld>
+            <a:endParaRPr lang="en-CA"/>
+          </a:p>
+        </p:txBody>
+      </p:sp>
+    </p:spTree>
+    <p:extLst>
+      <p:ext uri="{BB962C8B-B14F-4D97-AF65-F5344CB8AC3E}">
+        <p14:creationId xmlns:p14="http://schemas.microsoft.com/office/powerpoint/2010/main" val="1679633618"/>
+      </p:ext>
+    </p:extLst>
+  </p:cSld>
+  <p:clrMapOvr>
+    <a:masterClrMapping/>
+  </p:clrMapOvr>
+</p:sld>
+</file>
+
+<file path=ppt/slides/slide11.xml><?xml version="1.0" encoding="utf-8"?>
+<p:sld xmlns:a="http://schemas.openxmlformats.org/drawingml/2006/main" xmlns:r="http://schemas.openxmlformats.org/officeDocument/2006/relationships" xmlns:p="http://schemas.openxmlformats.org/presentationml/2006/main">
+  <p:cSld>
+    <p:spTree>
+      <p:nvGrpSpPr>
+        <p:cNvPr id="1" name=""/>
+        <p:cNvGrpSpPr/>
+        <p:nvPr/>
+      </p:nvGrpSpPr>
+      <p:grpSpPr>
+        <a:xfrm>
+          <a:off x="0" y="0"/>
+          <a:ext cx="0" cy="0"/>
+          <a:chOff x="0" y="0"/>
+          <a:chExt cx="0" cy="0"/>
+        </a:xfrm>
+      </p:grpSpPr>
+      <p:sp>
+        <p:nvSpPr>
+          <p:cNvPr id="2" name="Title 1">
+            <a:extLst>
+              <a:ext uri="{FF2B5EF4-FFF2-40B4-BE49-F238E27FC236}">
+                <a16:creationId xmlns:a16="http://schemas.microsoft.com/office/drawing/2014/main" id="{071DFBBE-493D-7146-D4FA-5A4CA151B4A3}"/>
+              </a:ext>
+            </a:extLst>
+          </p:cNvPr>
+          <p:cNvSpPr>
+            <a:spLocks noGrp="1"/>
+          </p:cNvSpPr>
+          <p:nvPr>
+            <p:ph type="title"/>
+          </p:nvPr>
+        </p:nvSpPr>
+        <p:spPr/>
+        <p:txBody>
+          <a:bodyPr/>
+          <a:lstStyle/>
+          <a:p>
+            <a:r>
+              <a:rPr lang="en-CA" dirty="0"/>
+              <a:t>Target SWG Membership</a:t>
+            </a:r>
+          </a:p>
+        </p:txBody>
+      </p:sp>
+      <p:graphicFrame>
+        <p:nvGraphicFramePr>
+          <p:cNvPr id="7" name="Content Placeholder 2">
+            <a:extLst>
+              <a:ext uri="{FF2B5EF4-FFF2-40B4-BE49-F238E27FC236}">
+                <a16:creationId xmlns:a16="http://schemas.microsoft.com/office/drawing/2014/main" id="{B6EB868F-0F0E-37EF-BFDE-1A0A5263BE8B}"/>
+              </a:ext>
+            </a:extLst>
+          </p:cNvPr>
+          <p:cNvGraphicFramePr>
+            <a:graphicFrameLocks noGrp="1"/>
+          </p:cNvGraphicFramePr>
+          <p:nvPr>
+            <p:ph idx="1"/>
+            <p:extLst>
+              <p:ext uri="{D42A27DB-BD31-4B8C-83A1-F6EECF244321}">
+                <p14:modId xmlns:p14="http://schemas.microsoft.com/office/powerpoint/2010/main" val="2749899973"/>
+              </p:ext>
+            </p:extLst>
+          </p:nvPr>
+        </p:nvGraphicFramePr>
+        <p:xfrm>
+          <a:off x="581192" y="1913796"/>
+          <a:ext cx="11029615" cy="3678303"/>
+        </p:xfrm>
+        <a:graphic>
+          <a:graphicData uri="http://schemas.openxmlformats.org/drawingml/2006/diagram">
+            <dgm:relIds xmlns:dgm="http://schemas.openxmlformats.org/drawingml/2006/diagram" xmlns:r="http://schemas.openxmlformats.org/officeDocument/2006/relationships" r:dm="rId4" r:lo="rId5" r:qs="rId6" r:cs="rId7"/>
+          </a:graphicData>
+        </a:graphic>
+      </p:graphicFrame>
+      <p:sp>
+        <p:nvSpPr>
+          <p:cNvPr id="4" name="Footer Placeholder 3">
+            <a:extLst>
+              <a:ext uri="{FF2B5EF4-FFF2-40B4-BE49-F238E27FC236}">
+                <a16:creationId xmlns:a16="http://schemas.microsoft.com/office/drawing/2014/main" id="{0867BB90-F8AB-3C4A-842A-DDD474F88BFE}"/>
+              </a:ext>
+            </a:extLst>
+          </p:cNvPr>
+          <p:cNvSpPr>
+            <a:spLocks noGrp="1"/>
+          </p:cNvSpPr>
+          <p:nvPr>
+            <p:ph type="ftr" sz="quarter" idx="11"/>
+            <p:custDataLst>
+              <p:tags r:id="rId1"/>
+            </p:custDataLst>
+          </p:nvPr>
+        </p:nvSpPr>
+        <p:spPr/>
+        <p:txBody>
+          <a:bodyPr/>
+          <a:lstStyle/>
+          <a:p>
+            <a:r>
+              <a:rPr lang="en-CA"/>
+              <a:t>ASA BIOP /// SWG /// EFFICIENCY+</a:t>
+            </a:r>
+          </a:p>
+        </p:txBody>
+      </p:sp>
+      <p:sp>
+        <p:nvSpPr>
+          <p:cNvPr id="5" name="Slide Number Placeholder 4">
+            <a:extLst>
+              <a:ext uri="{FF2B5EF4-FFF2-40B4-BE49-F238E27FC236}">
+                <a16:creationId xmlns:a16="http://schemas.microsoft.com/office/drawing/2014/main" id="{B2E492F1-C3FE-1EED-C302-09320A6CB427}"/>
+              </a:ext>
+            </a:extLst>
+          </p:cNvPr>
+          <p:cNvSpPr>
+            <a:spLocks noGrp="1"/>
+          </p:cNvSpPr>
+          <p:nvPr>
+            <p:ph type="sldNum" sz="quarter" idx="12"/>
+            <p:custDataLst>
+              <p:tags r:id="rId2"/>
+            </p:custDataLst>
+          </p:nvPr>
+        </p:nvSpPr>
+        <p:spPr/>
+        <p:txBody>
+          <a:bodyPr/>
+          <a:lstStyle/>
+          <a:p>
+            <a:fld id="{30E7FCC8-645C-414B-A51E-F39A553B598F}" type="slidenum">
+              <a:rPr lang="en-CA" smtClean="0"/>
+              <a:t>11</a:t>
+            </a:fld>
+            <a:endParaRPr lang="en-CA"/>
+          </a:p>
+        </p:txBody>
+      </p:sp>
+    </p:spTree>
+    <p:extLst>
+      <p:ext uri="{BB962C8B-B14F-4D97-AF65-F5344CB8AC3E}">
+        <p14:creationId xmlns:p14="http://schemas.microsoft.com/office/powerpoint/2010/main" val="1556212172"/>
+      </p:ext>
+    </p:extLst>
+  </p:cSld>
+  <p:clrMapOvr>
+    <a:masterClrMapping/>
+  </p:clrMapOvr>
+</p:sld>
+</file>
+
+<file path=ppt/slides/slide12.xml><?xml version="1.0" encoding="utf-8"?>
+<p:sld xmlns:a="http://schemas.openxmlformats.org/drawingml/2006/main" xmlns:r="http://schemas.openxmlformats.org/officeDocument/2006/relationships" xmlns:p="http://schemas.openxmlformats.org/presentationml/2006/main">
+  <p:cSld>
+    <p:spTree>
+      <p:nvGrpSpPr>
+        <p:cNvPr id="1" name="">
+          <a:extLst>
+            <a:ext uri="{FF2B5EF4-FFF2-40B4-BE49-F238E27FC236}">
+              <a16:creationId xmlns:a16="http://schemas.microsoft.com/office/drawing/2014/main" id="{2E23709C-0EEC-6B8D-41B2-41ABF723685A}"/>
+            </a:ext>
+          </a:extLst>
+        </p:cNvPr>
+        <p:cNvGrpSpPr/>
+        <p:nvPr/>
+      </p:nvGrpSpPr>
+      <p:grpSpPr>
+        <a:xfrm>
+          <a:off x="0" y="0"/>
+          <a:ext cx="0" cy="0"/>
+          <a:chOff x="0" y="0"/>
+          <a:chExt cx="0" cy="0"/>
+        </a:xfrm>
+      </p:grpSpPr>
+      <p:sp>
+        <p:nvSpPr>
+          <p:cNvPr id="2" name="Title 1">
+            <a:extLst>
+              <a:ext uri="{FF2B5EF4-FFF2-40B4-BE49-F238E27FC236}">
+                <a16:creationId xmlns:a16="http://schemas.microsoft.com/office/drawing/2014/main" id="{191F60BA-526D-04A7-B0D0-51EF9C780CDA}"/>
+              </a:ext>
+            </a:extLst>
+          </p:cNvPr>
+          <p:cNvSpPr>
+            <a:spLocks noGrp="1"/>
+          </p:cNvSpPr>
+          <p:nvPr>
+            <p:ph type="title"/>
+          </p:nvPr>
+        </p:nvSpPr>
+        <p:spPr/>
+        <p:txBody>
+          <a:bodyPr/>
+          <a:lstStyle/>
+          <a:p>
+            <a:r>
+              <a:rPr lang="en-CA" dirty="0"/>
+              <a:t>Next steps</a:t>
+            </a:r>
+            <a:r>
+              <a:rPr lang="en-CA"/>
+              <a:t> and Logistics</a:t>
+            </a:r>
+            <a:endParaRPr lang="en-CA" dirty="0"/>
+          </a:p>
+        </p:txBody>
+      </p:sp>
+      <p:sp>
+        <p:nvSpPr>
+          <p:cNvPr id="3" name="Content Placeholder 2">
+            <a:extLst>
+              <a:ext uri="{FF2B5EF4-FFF2-40B4-BE49-F238E27FC236}">
+                <a16:creationId xmlns:a16="http://schemas.microsoft.com/office/drawing/2014/main" id="{A56AC4C2-5E50-01B7-CDD1-6A225F69517A}"/>
+              </a:ext>
+            </a:extLst>
+          </p:cNvPr>
+          <p:cNvSpPr>
+            <a:spLocks noGrp="1"/>
+          </p:cNvSpPr>
+          <p:nvPr>
+            <p:ph idx="1"/>
+          </p:nvPr>
+        </p:nvSpPr>
+        <p:spPr/>
+        <p:txBody>
+          <a:bodyPr>
+            <a:normAutofit/>
+          </a:bodyPr>
+          <a:lstStyle/>
+          <a:p>
+            <a:r>
+              <a:rPr lang="en-US" sz="2000" dirty="0"/>
+              <a:t>Form sub-teams and establish work-streams</a:t>
+            </a:r>
+          </a:p>
+          <a:p>
+            <a:pPr lvl="1"/>
+            <a:r>
+              <a:rPr lang="en-US" sz="1800" dirty="0"/>
+              <a:t>Literature review and gap analysis</a:t>
+            </a:r>
+          </a:p>
+          <a:p>
+            <a:pPr lvl="1"/>
+            <a:r>
+              <a:rPr lang="en-US" sz="1800" dirty="0"/>
+              <a:t>Maintaining web-site and social media presence</a:t>
+            </a:r>
+          </a:p>
+          <a:p>
+            <a:pPr lvl="1"/>
+            <a:r>
+              <a:rPr lang="en-US" sz="1800" dirty="0"/>
+              <a:t>Methodology</a:t>
+            </a:r>
+          </a:p>
+          <a:p>
+            <a:pPr lvl="1"/>
+            <a:r>
+              <a:rPr lang="en-US" sz="1800" dirty="0"/>
+              <a:t>Workshops</a:t>
+            </a:r>
+          </a:p>
+          <a:p>
+            <a:pPr lvl="1"/>
+            <a:r>
+              <a:rPr lang="en-US" sz="1800" dirty="0"/>
+              <a:t>Potential collaborations</a:t>
+            </a:r>
+          </a:p>
+          <a:p>
+            <a:r>
+              <a:rPr lang="en-US" sz="2000"/>
+              <a:t>Frequency of meetings</a:t>
+            </a:r>
+          </a:p>
+          <a:p>
+            <a:r>
+              <a:rPr lang="en-US" sz="2000"/>
+              <a:t>Way of working (Github?)</a:t>
+            </a:r>
+          </a:p>
+          <a:p>
+            <a:endParaRPr lang="en-US" sz="2000" dirty="0"/>
+          </a:p>
+          <a:p>
+            <a:endParaRPr lang="en-US" sz="2000" dirty="0"/>
+          </a:p>
+          <a:p>
+            <a:endParaRPr lang="en-CA" sz="2200" dirty="0"/>
+          </a:p>
+        </p:txBody>
+      </p:sp>
+      <p:sp>
+        <p:nvSpPr>
+          <p:cNvPr id="4" name="Footer Placeholder 3">
+            <a:extLst>
+              <a:ext uri="{FF2B5EF4-FFF2-40B4-BE49-F238E27FC236}">
+                <a16:creationId xmlns:a16="http://schemas.microsoft.com/office/drawing/2014/main" id="{B6EF35B8-84BB-FE1D-4108-D18189C473D7}"/>
+              </a:ext>
+            </a:extLst>
+          </p:cNvPr>
+          <p:cNvSpPr>
+            <a:spLocks noGrp="1"/>
+          </p:cNvSpPr>
+          <p:nvPr>
+            <p:ph type="ftr" sz="quarter" idx="11"/>
+          </p:nvPr>
+        </p:nvSpPr>
+        <p:spPr/>
+        <p:txBody>
+          <a:bodyPr/>
+          <a:lstStyle/>
+          <a:p>
+            <a:r>
+              <a:rPr lang="en-CA"/>
+              <a:t>ASA BIOP /// SWG /// EFFICIENCY+</a:t>
+            </a:r>
+          </a:p>
+        </p:txBody>
+      </p:sp>
+      <p:sp>
+        <p:nvSpPr>
+          <p:cNvPr id="5" name="Slide Number Placeholder 4">
+            <a:extLst>
+              <a:ext uri="{FF2B5EF4-FFF2-40B4-BE49-F238E27FC236}">
+                <a16:creationId xmlns:a16="http://schemas.microsoft.com/office/drawing/2014/main" id="{6053D307-6363-C62D-D77A-32E4327A2E44}"/>
+              </a:ext>
+            </a:extLst>
+          </p:cNvPr>
+          <p:cNvSpPr>
+            <a:spLocks noGrp="1"/>
+          </p:cNvSpPr>
+          <p:nvPr>
+            <p:ph type="sldNum" sz="quarter" idx="12"/>
+          </p:nvPr>
+        </p:nvSpPr>
+        <p:spPr/>
+        <p:txBody>
+          <a:bodyPr/>
+          <a:lstStyle/>
+          <a:p>
+            <a:fld id="{30E7FCC8-645C-414B-A51E-F39A553B598F}" type="slidenum">
+              <a:rPr lang="en-CA" smtClean="0"/>
+              <a:t>12</a:t>
+            </a:fld>
+            <a:endParaRPr lang="en-CA"/>
+          </a:p>
+        </p:txBody>
+      </p:sp>
+    </p:spTree>
+    <p:extLst>
+      <p:ext uri="{BB962C8B-B14F-4D97-AF65-F5344CB8AC3E}">
+        <p14:creationId xmlns:p14="http://schemas.microsoft.com/office/powerpoint/2010/main" val="3286959556"/>
+      </p:ext>
+    </p:extLst>
+  </p:cSld>
+  <p:clrMapOvr>
+    <a:masterClrMapping/>
+  </p:clrMapOvr>
+</p:sld>
+</file>
+
+<file path=ppt/slides/slide13.xml><?xml version="1.0" encoding="utf-8"?>
+<p:sld xmlns:a="http://schemas.openxmlformats.org/drawingml/2006/main" xmlns:r="http://schemas.openxmlformats.org/officeDocument/2006/relationships" xmlns:p="http://schemas.openxmlformats.org/presentationml/2006/main">
+  <p:cSld>
+    <p:spTree>
+      <p:nvGrpSpPr>
+        <p:cNvPr id="1" name=""/>
+        <p:cNvGrpSpPr/>
+        <p:nvPr/>
+      </p:nvGrpSpPr>
+      <p:grpSpPr>
+        <a:xfrm>
+          <a:off x="0" y="0"/>
+          <a:ext cx="0" cy="0"/>
+          <a:chOff x="0" y="0"/>
+          <a:chExt cx="0" cy="0"/>
+        </a:xfrm>
+      </p:grpSpPr>
+      <p:sp>
+        <p:nvSpPr>
+          <p:cNvPr id="2" name="Title 1">
+            <a:extLst>
+              <a:ext uri="{FF2B5EF4-FFF2-40B4-BE49-F238E27FC236}">
+                <a16:creationId xmlns:a16="http://schemas.microsoft.com/office/drawing/2014/main" id="{BB69FBE9-6B70-D9A3-4F2D-870F52DD4CAC}"/>
+              </a:ext>
+            </a:extLst>
+          </p:cNvPr>
+          <p:cNvSpPr>
+            <a:spLocks noGrp="1"/>
+          </p:cNvSpPr>
+          <p:nvPr>
+            <p:ph type="title"/>
+          </p:nvPr>
+        </p:nvSpPr>
+        <p:spPr/>
+        <p:txBody>
+          <a:bodyPr/>
+          <a:lstStyle/>
+          <a:p>
+            <a:r>
+              <a:rPr lang="en-CA" dirty="0"/>
+              <a:t>Existing SWGs – for awareness and potential collaborations</a:t>
+            </a:r>
+          </a:p>
+        </p:txBody>
+      </p:sp>
+      <p:sp>
+        <p:nvSpPr>
+          <p:cNvPr id="3" name="Content Placeholder 2">
+            <a:extLst>
+              <a:ext uri="{FF2B5EF4-FFF2-40B4-BE49-F238E27FC236}">
+                <a16:creationId xmlns:a16="http://schemas.microsoft.com/office/drawing/2014/main" id="{FA6CD18B-BEF1-EAC1-435C-8EF1B7BEDEAA}"/>
+              </a:ext>
+            </a:extLst>
+          </p:cNvPr>
+          <p:cNvSpPr>
+            <a:spLocks noGrp="1"/>
+          </p:cNvSpPr>
+          <p:nvPr>
+            <p:ph idx="1"/>
+          </p:nvPr>
+        </p:nvSpPr>
+        <p:spPr/>
+        <p:txBody>
+          <a:bodyPr>
+            <a:normAutofit/>
+          </a:bodyPr>
+          <a:lstStyle/>
+          <a:p>
+            <a:r>
+              <a:rPr lang="en-CA" dirty="0"/>
+              <a:t>Centralized Statistical Monitoring and Quality Tolerance Limit SWG: Focuses on statistical thresholds and site performance monitoring</a:t>
+            </a:r>
+          </a:p>
+          <a:p>
+            <a:r>
+              <a:rPr lang="en-CA" dirty="0"/>
+              <a:t>AI/ML SWG: Applies AI and machine learning for predictive modeling in recruitment and site selection</a:t>
+            </a:r>
+          </a:p>
+          <a:p>
+            <a:r>
+              <a:rPr lang="en-CA" dirty="0"/>
+              <a:t>Software Engineering SWG: Enhances software development processes impacting trial efficiency</a:t>
+            </a:r>
+          </a:p>
+          <a:p>
+            <a:r>
+              <a:rPr lang="en-CA" dirty="0"/>
+              <a:t>Bayesian SWG: Specializes in Bayesian methodologies for trial design and data analysis</a:t>
+            </a:r>
+          </a:p>
+        </p:txBody>
+      </p:sp>
+      <p:sp>
+        <p:nvSpPr>
+          <p:cNvPr id="4" name="Footer Placeholder 3">
+            <a:extLst>
+              <a:ext uri="{FF2B5EF4-FFF2-40B4-BE49-F238E27FC236}">
+                <a16:creationId xmlns:a16="http://schemas.microsoft.com/office/drawing/2014/main" id="{CA323667-3B4A-3E61-32BA-F7BE73E50AA7}"/>
+              </a:ext>
+            </a:extLst>
+          </p:cNvPr>
+          <p:cNvSpPr>
+            <a:spLocks noGrp="1"/>
+          </p:cNvSpPr>
+          <p:nvPr>
+            <p:ph type="ftr" sz="quarter" idx="11"/>
+          </p:nvPr>
+        </p:nvSpPr>
+        <p:spPr/>
+        <p:txBody>
+          <a:bodyPr/>
+          <a:lstStyle/>
+          <a:p>
+            <a:r>
+              <a:rPr lang="en-CA"/>
+              <a:t>ASA BIOP /// SWG /// EFFICIENCY+</a:t>
+            </a:r>
+          </a:p>
+        </p:txBody>
+      </p:sp>
+      <p:sp>
+        <p:nvSpPr>
+          <p:cNvPr id="5" name="Slide Number Placeholder 4">
+            <a:extLst>
+              <a:ext uri="{FF2B5EF4-FFF2-40B4-BE49-F238E27FC236}">
+                <a16:creationId xmlns:a16="http://schemas.microsoft.com/office/drawing/2014/main" id="{66F5B7FE-BE05-81FF-8710-7C2FCB567D44}"/>
+              </a:ext>
+            </a:extLst>
+          </p:cNvPr>
+          <p:cNvSpPr>
+            <a:spLocks noGrp="1"/>
+          </p:cNvSpPr>
+          <p:nvPr>
+            <p:ph type="sldNum" sz="quarter" idx="12"/>
+          </p:nvPr>
+        </p:nvSpPr>
+        <p:spPr/>
+        <p:txBody>
+          <a:bodyPr/>
+          <a:lstStyle/>
+          <a:p>
+            <a:fld id="{30E7FCC8-645C-414B-A51E-F39A553B598F}" type="slidenum">
+              <a:rPr lang="en-CA" smtClean="0"/>
+              <a:t>13</a:t>
+            </a:fld>
+            <a:endParaRPr lang="en-CA"/>
+          </a:p>
+        </p:txBody>
+      </p:sp>
+    </p:spTree>
+    <p:extLst>
+      <p:ext uri="{BB962C8B-B14F-4D97-AF65-F5344CB8AC3E}">
+        <p14:creationId xmlns:p14="http://schemas.microsoft.com/office/powerpoint/2010/main" val="2577333720"/>
+      </p:ext>
+    </p:extLst>
+  </p:cSld>
+  <p:clrMapOvr>
+    <a:masterClrMapping/>
+  </p:clrMapOvr>
+</p:sld>
+</file>
+
 <file path=ppt/slides/slide2.xml><?xml version="1.0" encoding="utf-8"?>
+<p:sld xmlns:a="http://schemas.openxmlformats.org/drawingml/2006/main" xmlns:r="http://schemas.openxmlformats.org/officeDocument/2006/relationships" xmlns:p="http://schemas.openxmlformats.org/presentationml/2006/main">
+  <p:cSld>
+    <p:spTree>
+      <p:nvGrpSpPr>
+        <p:cNvPr id="1" name="">
+          <a:extLst>
+            <a:ext uri="{FF2B5EF4-FFF2-40B4-BE49-F238E27FC236}">
+              <a16:creationId xmlns:a16="http://schemas.microsoft.com/office/drawing/2014/main" id="{89B9ED15-ABDD-7026-80FC-BB86DE5913C7}"/>
+            </a:ext>
+          </a:extLst>
+        </p:cNvPr>
+        <p:cNvGrpSpPr/>
+        <p:nvPr/>
+      </p:nvGrpSpPr>
+      <p:grpSpPr>
+        <a:xfrm>
+          <a:off x="0" y="0"/>
+          <a:ext cx="0" cy="0"/>
+          <a:chOff x="0" y="0"/>
+          <a:chExt cx="0" cy="0"/>
+        </a:xfrm>
+      </p:grpSpPr>
+      <p:sp>
+        <p:nvSpPr>
+          <p:cNvPr id="2" name="Title 1">
+            <a:extLst>
+              <a:ext uri="{FF2B5EF4-FFF2-40B4-BE49-F238E27FC236}">
+                <a16:creationId xmlns:a16="http://schemas.microsoft.com/office/drawing/2014/main" id="{F3C57B48-0A4B-F376-9A7E-48B7E1EB7EDB}"/>
+              </a:ext>
+            </a:extLst>
+          </p:cNvPr>
+          <p:cNvSpPr>
+            <a:spLocks noGrp="1"/>
+          </p:cNvSpPr>
+          <p:nvPr>
+            <p:ph type="title"/>
+          </p:nvPr>
+        </p:nvSpPr>
+        <p:spPr/>
+        <p:txBody>
+          <a:bodyPr/>
+          <a:lstStyle/>
+          <a:p>
+            <a:r>
+              <a:rPr lang="en-CA" dirty="0"/>
+              <a:t>New ASA BIOP SWG</a:t>
+            </a:r>
+          </a:p>
+        </p:txBody>
+      </p:sp>
+      <p:sp>
+        <p:nvSpPr>
+          <p:cNvPr id="4" name="Footer Placeholder 3">
+            <a:extLst>
+              <a:ext uri="{FF2B5EF4-FFF2-40B4-BE49-F238E27FC236}">
+                <a16:creationId xmlns:a16="http://schemas.microsoft.com/office/drawing/2014/main" id="{8911C784-BFA1-E419-EE2F-0078167625FC}"/>
+              </a:ext>
+            </a:extLst>
+          </p:cNvPr>
+          <p:cNvSpPr>
+            <a:spLocks noGrp="1"/>
+          </p:cNvSpPr>
+          <p:nvPr>
+            <p:ph type="ftr" sz="quarter" idx="11"/>
+          </p:nvPr>
+        </p:nvSpPr>
+        <p:spPr/>
+        <p:txBody>
+          <a:bodyPr/>
+          <a:lstStyle/>
+          <a:p>
+            <a:r>
+              <a:rPr lang="en-CA"/>
+              <a:t>ASA BIOP /// SWG /// EFFICIENCY+</a:t>
+            </a:r>
+          </a:p>
+        </p:txBody>
+      </p:sp>
+      <p:sp>
+        <p:nvSpPr>
+          <p:cNvPr id="5" name="Slide Number Placeholder 4">
+            <a:extLst>
+              <a:ext uri="{FF2B5EF4-FFF2-40B4-BE49-F238E27FC236}">
+                <a16:creationId xmlns:a16="http://schemas.microsoft.com/office/drawing/2014/main" id="{68386FB0-7416-BD19-70B7-5DDD7DE30C06}"/>
+              </a:ext>
+            </a:extLst>
+          </p:cNvPr>
+          <p:cNvSpPr>
+            <a:spLocks noGrp="1"/>
+          </p:cNvSpPr>
+          <p:nvPr>
+            <p:ph type="sldNum" sz="quarter" idx="12"/>
+          </p:nvPr>
+        </p:nvSpPr>
+        <p:spPr/>
+        <p:txBody>
+          <a:bodyPr/>
+          <a:lstStyle/>
+          <a:p>
+            <a:fld id="{30E7FCC8-645C-414B-A51E-F39A553B598F}" type="slidenum">
+              <a:rPr lang="en-CA" smtClean="0"/>
+              <a:t>2</a:t>
+            </a:fld>
+            <a:endParaRPr lang="en-CA"/>
+          </a:p>
+        </p:txBody>
+      </p:sp>
+      <p:grpSp>
+        <p:nvGrpSpPr>
+          <p:cNvPr id="13" name="Group 12">
+            <a:extLst>
+              <a:ext uri="{FF2B5EF4-FFF2-40B4-BE49-F238E27FC236}">
+                <a16:creationId xmlns:a16="http://schemas.microsoft.com/office/drawing/2014/main" id="{A5CDD0B5-A638-B676-FE8A-D2BC2DC55B7B}"/>
+              </a:ext>
+            </a:extLst>
+          </p:cNvPr>
+          <p:cNvGrpSpPr/>
+          <p:nvPr/>
+        </p:nvGrpSpPr>
+        <p:grpSpPr>
+          <a:xfrm>
+            <a:off x="14385" y="702156"/>
+            <a:ext cx="12177213" cy="5785471"/>
+            <a:chOff x="14385" y="702156"/>
+            <a:chExt cx="12177213" cy="5785471"/>
+          </a:xfrm>
+        </p:grpSpPr>
+        <p:grpSp>
+          <p:nvGrpSpPr>
+            <p:cNvPr id="3" name="Group 2">
+              <a:extLst>
+                <a:ext uri="{FF2B5EF4-FFF2-40B4-BE49-F238E27FC236}">
+                  <a16:creationId xmlns:a16="http://schemas.microsoft.com/office/drawing/2014/main" id="{A0AE97C4-C028-1F1C-E9D4-23A6BD663C48}"/>
+                </a:ext>
+              </a:extLst>
+            </p:cNvPr>
+            <p:cNvGrpSpPr/>
+            <p:nvPr/>
+          </p:nvGrpSpPr>
+          <p:grpSpPr>
+            <a:xfrm>
+              <a:off x="14385" y="702156"/>
+              <a:ext cx="8050823" cy="5785471"/>
+              <a:chOff x="3395459" y="900000"/>
+              <a:chExt cx="8050823" cy="5785471"/>
+            </a:xfrm>
+          </p:grpSpPr>
+          <p:pic>
+            <p:nvPicPr>
+              <p:cNvPr id="7" name="Picture 6">
+                <a:extLst>
+                  <a:ext uri="{FF2B5EF4-FFF2-40B4-BE49-F238E27FC236}">
+                    <a16:creationId xmlns:a16="http://schemas.microsoft.com/office/drawing/2014/main" id="{1668C6ED-3217-5E09-23C9-6399D5791F74}"/>
+                  </a:ext>
+                </a:extLst>
+              </p:cNvPr>
+              <p:cNvPicPr>
+                <a:picLocks noChangeAspect="1"/>
+              </p:cNvPicPr>
+              <p:nvPr/>
+            </p:nvPicPr>
+            <p:blipFill>
+              <a:blip r:embed="rId2"/>
+              <a:stretch>
+                <a:fillRect/>
+              </a:stretch>
+            </p:blipFill>
+            <p:spPr>
+              <a:xfrm>
+                <a:off x="3850558" y="900000"/>
+                <a:ext cx="7595724" cy="5785471"/>
+              </a:xfrm>
+              <a:prstGeom prst="rect">
+                <a:avLst/>
+              </a:prstGeom>
+            </p:spPr>
+          </p:pic>
+          <p:sp>
+            <p:nvSpPr>
+              <p:cNvPr id="8" name="Arrow: Left 7">
+                <a:extLst>
+                  <a:ext uri="{FF2B5EF4-FFF2-40B4-BE49-F238E27FC236}">
+                    <a16:creationId xmlns:a16="http://schemas.microsoft.com/office/drawing/2014/main" id="{BE5E5542-54DF-4113-13B5-694F45AFCA8D}"/>
+                  </a:ext>
+                </a:extLst>
+              </p:cNvPr>
+              <p:cNvSpPr/>
+              <p:nvPr/>
+            </p:nvSpPr>
+            <p:spPr>
+              <a:xfrm rot="11082018">
+                <a:off x="3395459" y="3665688"/>
+                <a:ext cx="581147" cy="365124"/>
+              </a:xfrm>
+              <a:prstGeom prst="leftArrow">
+                <a:avLst/>
+              </a:prstGeom>
+              <a:solidFill>
+                <a:srgbClr val="FFFF00"/>
+              </a:solidFill>
+            </p:spPr>
+            <p:style>
+              <a:lnRef idx="2">
+                <a:schemeClr val="accent1">
+                  <a:shade val="15000"/>
+                </a:schemeClr>
+              </a:lnRef>
+              <a:fillRef idx="1">
+                <a:schemeClr val="accent1"/>
+              </a:fillRef>
+              <a:effectRef idx="0">
+                <a:schemeClr val="accent1"/>
+              </a:effectRef>
+              <a:fontRef idx="minor">
+                <a:schemeClr val="lt1"/>
+              </a:fontRef>
+            </p:style>
+            <p:txBody>
+              <a:bodyPr rtlCol="0" anchor="ctr"/>
+              <a:lstStyle/>
+              <a:p>
+                <a:pPr algn="ctr"/>
+                <a:endParaRPr lang="en-US"/>
+              </a:p>
+            </p:txBody>
+          </p:sp>
+          <p:pic>
+            <p:nvPicPr>
+              <p:cNvPr id="10" name="Picture 9">
+                <a:extLst>
+                  <a:ext uri="{FF2B5EF4-FFF2-40B4-BE49-F238E27FC236}">
+                    <a16:creationId xmlns:a16="http://schemas.microsoft.com/office/drawing/2014/main" id="{A3DC22A5-7951-D2D1-3304-78EA4C6B95F6}"/>
+                  </a:ext>
+                </a:extLst>
+              </p:cNvPr>
+              <p:cNvPicPr>
+                <a:picLocks noChangeAspect="1"/>
+              </p:cNvPicPr>
+              <p:nvPr/>
+            </p:nvPicPr>
+            <p:blipFill>
+              <a:blip r:embed="rId3"/>
+              <a:stretch>
+                <a:fillRect/>
+              </a:stretch>
+            </p:blipFill>
+            <p:spPr>
+              <a:xfrm>
+                <a:off x="6092661" y="2629732"/>
+                <a:ext cx="3487091" cy="2803991"/>
+              </a:xfrm>
+              <a:prstGeom prst="rect">
+                <a:avLst/>
+              </a:prstGeom>
+            </p:spPr>
+          </p:pic>
+          <p:sp>
+            <p:nvSpPr>
+              <p:cNvPr id="11" name="Arrow: Left 10">
+                <a:extLst>
+                  <a:ext uri="{FF2B5EF4-FFF2-40B4-BE49-F238E27FC236}">
+                    <a16:creationId xmlns:a16="http://schemas.microsoft.com/office/drawing/2014/main" id="{74837F0F-211C-386A-B908-886692C76742}"/>
+                  </a:ext>
+                </a:extLst>
+              </p:cNvPr>
+              <p:cNvSpPr/>
+              <p:nvPr/>
+            </p:nvSpPr>
+            <p:spPr>
+              <a:xfrm rot="10800000">
+                <a:off x="4850690" y="3792735"/>
+                <a:ext cx="772889" cy="189375"/>
+              </a:xfrm>
+              <a:prstGeom prst="leftArrow">
+                <a:avLst/>
+              </a:prstGeom>
+              <a:solidFill>
+                <a:srgbClr val="FFFF00"/>
+              </a:solidFill>
+            </p:spPr>
+            <p:style>
+              <a:lnRef idx="2">
+                <a:schemeClr val="accent1">
+                  <a:shade val="15000"/>
+                </a:schemeClr>
+              </a:lnRef>
+              <a:fillRef idx="1">
+                <a:schemeClr val="accent1"/>
+              </a:fillRef>
+              <a:effectRef idx="0">
+                <a:schemeClr val="accent1"/>
+              </a:effectRef>
+              <a:fontRef idx="minor">
+                <a:schemeClr val="lt1"/>
+              </a:fontRef>
+            </p:style>
+            <p:txBody>
+              <a:bodyPr rtlCol="0" anchor="ctr"/>
+              <a:lstStyle/>
+              <a:p>
+                <a:pPr algn="ctr"/>
+                <a:endParaRPr lang="en-US"/>
+              </a:p>
+            </p:txBody>
+          </p:sp>
+        </p:grpSp>
+        <p:pic>
+          <p:nvPicPr>
+            <p:cNvPr id="9" name="Picture 8">
+              <a:extLst>
+                <a:ext uri="{FF2B5EF4-FFF2-40B4-BE49-F238E27FC236}">
+                  <a16:creationId xmlns:a16="http://schemas.microsoft.com/office/drawing/2014/main" id="{1AD2ED39-CCBE-49BF-810B-E688086306B9}"/>
+                </a:ext>
+              </a:extLst>
+            </p:cNvPr>
+            <p:cNvPicPr>
+              <a:picLocks noChangeAspect="1"/>
+            </p:cNvPicPr>
+            <p:nvPr/>
+          </p:nvPicPr>
+          <p:blipFill>
+            <a:blip r:embed="rId4"/>
+            <a:stretch>
+              <a:fillRect/>
+            </a:stretch>
+          </p:blipFill>
+          <p:spPr>
+            <a:xfrm>
+              <a:off x="6310265" y="2713663"/>
+              <a:ext cx="5881333" cy="3317481"/>
+            </a:xfrm>
+            <a:prstGeom prst="rect">
+              <a:avLst/>
+            </a:prstGeom>
+          </p:spPr>
+        </p:pic>
+      </p:grpSp>
+      <p:sp>
+        <p:nvSpPr>
+          <p:cNvPr id="12" name="Arrow: Left 11">
+            <a:extLst>
+              <a:ext uri="{FF2B5EF4-FFF2-40B4-BE49-F238E27FC236}">
+                <a16:creationId xmlns:a16="http://schemas.microsoft.com/office/drawing/2014/main" id="{358E9023-022C-EB34-3DB9-FD28E5E605A5}"/>
+              </a:ext>
+            </a:extLst>
+          </p:cNvPr>
+          <p:cNvSpPr/>
+          <p:nvPr/>
+        </p:nvSpPr>
+        <p:spPr>
+          <a:xfrm rot="10800000">
+            <a:off x="6096000" y="4471568"/>
+            <a:ext cx="772889" cy="189375"/>
+          </a:xfrm>
+          <a:prstGeom prst="leftArrow">
+            <a:avLst/>
+          </a:prstGeom>
+          <a:solidFill>
+            <a:srgbClr val="FFFF00"/>
+          </a:solidFill>
+        </p:spPr>
+        <p:style>
+          <a:lnRef idx="2">
+            <a:schemeClr val="accent1">
+              <a:shade val="15000"/>
+            </a:schemeClr>
+          </a:lnRef>
+          <a:fillRef idx="1">
+            <a:schemeClr val="accent1"/>
+          </a:fillRef>
+          <a:effectRef idx="0">
+            <a:schemeClr val="accent1"/>
+          </a:effectRef>
+          <a:fontRef idx="minor">
+            <a:schemeClr val="lt1"/>
+          </a:fontRef>
+        </p:style>
+        <p:txBody>
+          <a:bodyPr rtlCol="0" anchor="ctr"/>
+          <a:lstStyle/>
+          <a:p>
+            <a:pPr algn="ctr"/>
+            <a:endParaRPr lang="en-US"/>
+          </a:p>
+        </p:txBody>
+      </p:sp>
+    </p:spTree>
+    <p:extLst>
+      <p:ext uri="{BB962C8B-B14F-4D97-AF65-F5344CB8AC3E}">
+        <p14:creationId xmlns:p14="http://schemas.microsoft.com/office/powerpoint/2010/main" val="2406282123"/>
+      </p:ext>
+    </p:extLst>
+  </p:cSld>
+  <p:clrMapOvr>
+    <a:masterClrMapping/>
+  </p:clrMapOvr>
+</p:sld>
+</file>
+
+<file path=ppt/slides/slide3.xml><?xml version="1.0" encoding="utf-8"?>
+<p:sld xmlns:a="http://schemas.openxmlformats.org/drawingml/2006/main" xmlns:r="http://schemas.openxmlformats.org/officeDocument/2006/relationships" xmlns:p="http://schemas.openxmlformats.org/presentationml/2006/main">
+  <p:cSld>
+    <p:spTree>
+      <p:nvGrpSpPr>
+        <p:cNvPr id="1" name="">
+          <a:extLst>
+            <a:ext uri="{FF2B5EF4-FFF2-40B4-BE49-F238E27FC236}">
+              <a16:creationId xmlns:a16="http://schemas.microsoft.com/office/drawing/2014/main" id="{43FE5CBD-E887-7DDE-6A7A-929FA38311B6}"/>
+            </a:ext>
+          </a:extLst>
+        </p:cNvPr>
+        <p:cNvGrpSpPr/>
+        <p:nvPr/>
+      </p:nvGrpSpPr>
+      <p:grpSpPr>
+        <a:xfrm>
+          <a:off x="0" y="0"/>
+          <a:ext cx="0" cy="0"/>
+          <a:chOff x="0" y="0"/>
+          <a:chExt cx="0" cy="0"/>
+        </a:xfrm>
+      </p:grpSpPr>
+      <p:sp>
+        <p:nvSpPr>
+          <p:cNvPr id="2" name="Title 1">
+            <a:extLst>
+              <a:ext uri="{FF2B5EF4-FFF2-40B4-BE49-F238E27FC236}">
+                <a16:creationId xmlns:a16="http://schemas.microsoft.com/office/drawing/2014/main" id="{F963F5CA-2B02-5209-D9E8-EC6ABB0DFFA7}"/>
+              </a:ext>
+            </a:extLst>
+          </p:cNvPr>
+          <p:cNvSpPr>
+            <a:spLocks noGrp="1"/>
+          </p:cNvSpPr>
+          <p:nvPr>
+            <p:ph type="title"/>
+          </p:nvPr>
+        </p:nvSpPr>
+        <p:spPr/>
+        <p:txBody>
+          <a:bodyPr/>
+          <a:lstStyle/>
+          <a:p>
+            <a:r>
+              <a:rPr lang="en-CA" dirty="0"/>
+              <a:t>Kick-off Members</a:t>
+            </a:r>
+          </a:p>
+        </p:txBody>
+      </p:sp>
+      <p:sp>
+        <p:nvSpPr>
+          <p:cNvPr id="4" name="Footer Placeholder 3">
+            <a:extLst>
+              <a:ext uri="{FF2B5EF4-FFF2-40B4-BE49-F238E27FC236}">
+                <a16:creationId xmlns:a16="http://schemas.microsoft.com/office/drawing/2014/main" id="{5A939960-2337-4BB2-9825-BC70294FA657}"/>
+              </a:ext>
+            </a:extLst>
+          </p:cNvPr>
+          <p:cNvSpPr>
+            <a:spLocks noGrp="1"/>
+          </p:cNvSpPr>
+          <p:nvPr>
+            <p:ph type="ftr" sz="quarter" idx="11"/>
+          </p:nvPr>
+        </p:nvSpPr>
+        <p:spPr/>
+        <p:txBody>
+          <a:bodyPr/>
+          <a:lstStyle/>
+          <a:p>
+            <a:r>
+              <a:rPr lang="en-CA"/>
+              <a:t>ASA BIOP /// SWG /// EFFICIENCY+</a:t>
+            </a:r>
+          </a:p>
+        </p:txBody>
+      </p:sp>
+      <p:sp>
+        <p:nvSpPr>
+          <p:cNvPr id="5" name="Slide Number Placeholder 4">
+            <a:extLst>
+              <a:ext uri="{FF2B5EF4-FFF2-40B4-BE49-F238E27FC236}">
+                <a16:creationId xmlns:a16="http://schemas.microsoft.com/office/drawing/2014/main" id="{81C8DD60-4698-94A2-54E6-3F34E7817923}"/>
+              </a:ext>
+            </a:extLst>
+          </p:cNvPr>
+          <p:cNvSpPr>
+            <a:spLocks noGrp="1"/>
+          </p:cNvSpPr>
+          <p:nvPr>
+            <p:ph type="sldNum" sz="quarter" idx="12"/>
+          </p:nvPr>
+        </p:nvSpPr>
+        <p:spPr/>
+        <p:txBody>
+          <a:bodyPr/>
+          <a:lstStyle/>
+          <a:p>
+            <a:fld id="{30E7FCC8-645C-414B-A51E-F39A553B598F}" type="slidenum">
+              <a:rPr lang="en-CA" smtClean="0"/>
+              <a:t>3</a:t>
+            </a:fld>
+            <a:endParaRPr lang="en-CA"/>
+          </a:p>
+        </p:txBody>
+      </p:sp>
+      <p:graphicFrame>
+        <p:nvGraphicFramePr>
+          <p:cNvPr id="6" name="Table 5">
+            <a:extLst>
+              <a:ext uri="{FF2B5EF4-FFF2-40B4-BE49-F238E27FC236}">
+                <a16:creationId xmlns:a16="http://schemas.microsoft.com/office/drawing/2014/main" id="{04F6CE06-E460-4A9B-E838-6F5241E41E32}"/>
+              </a:ext>
+            </a:extLst>
+          </p:cNvPr>
+          <p:cNvGraphicFramePr>
+            <a:graphicFrameLocks noGrp="1"/>
+          </p:cNvGraphicFramePr>
+          <p:nvPr>
+            <p:extLst>
+              <p:ext uri="{D42A27DB-BD31-4B8C-83A1-F6EECF244321}">
+                <p14:modId xmlns:p14="http://schemas.microsoft.com/office/powerpoint/2010/main" val="4256118468"/>
+              </p:ext>
+            </p:extLst>
+          </p:nvPr>
+        </p:nvGraphicFramePr>
+        <p:xfrm>
+          <a:off x="2032000" y="1715255"/>
+          <a:ext cx="8128000" cy="5241290"/>
+        </p:xfrm>
+        <a:graphic>
+          <a:graphicData uri="http://schemas.openxmlformats.org/drawingml/2006/table">
+            <a:tbl>
+              <a:tblPr firstRow="1" bandRow="1">
+                <a:tableStyleId>{5C22544A-7EE6-4342-B048-85BDC9FD1C3A}</a:tableStyleId>
+              </a:tblPr>
+              <a:tblGrid>
+                <a:gridCol w="2236505">
+                  <a:extLst>
+                    <a:ext uri="{9D8B030D-6E8A-4147-A177-3AD203B41FA5}">
+                      <a16:colId xmlns:a16="http://schemas.microsoft.com/office/drawing/2014/main" val="3689296865"/>
+                    </a:ext>
+                  </a:extLst>
+                </a:gridCol>
+                <a:gridCol w="897147">
+                  <a:extLst>
+                    <a:ext uri="{9D8B030D-6E8A-4147-A177-3AD203B41FA5}">
+                      <a16:colId xmlns:a16="http://schemas.microsoft.com/office/drawing/2014/main" val="1807415159"/>
+                    </a:ext>
+                  </a:extLst>
+                </a:gridCol>
+                <a:gridCol w="2962348">
+                  <a:extLst>
+                    <a:ext uri="{9D8B030D-6E8A-4147-A177-3AD203B41FA5}">
+                      <a16:colId xmlns:a16="http://schemas.microsoft.com/office/drawing/2014/main" val="4230075085"/>
+                    </a:ext>
+                  </a:extLst>
+                </a:gridCol>
+                <a:gridCol w="2032000">
+                  <a:extLst>
+                    <a:ext uri="{9D8B030D-6E8A-4147-A177-3AD203B41FA5}">
+                      <a16:colId xmlns:a16="http://schemas.microsoft.com/office/drawing/2014/main" val="3318793898"/>
+                    </a:ext>
+                  </a:extLst>
+                </a:gridCol>
+              </a:tblGrid>
+              <a:tr h="0">
+                <a:tc>
+                  <a:txBody>
+                    <a:bodyPr/>
+                    <a:lstStyle/>
+                    <a:p>
+                      <a:pPr algn="l" fontAlgn="b"/>
+                      <a:r>
+                        <a:rPr lang="en-US" sz="1600" b="1" i="0" u="none" strike="noStrike" dirty="0">
+                          <a:solidFill>
+                            <a:srgbClr val="FFFFFF"/>
+                          </a:solidFill>
+                          <a:effectLst/>
+                          <a:latin typeface="Aptos Narrow" panose="020B0004020202020204" pitchFamily="34" charset="0"/>
+                        </a:rPr>
+                        <a:t>Who             </a:t>
+                      </a:r>
+                    </a:p>
+                  </a:txBody>
+                  <a:tcPr marL="6350" marR="6350" marT="6350" marB="0" anchor="b"/>
+                </a:tc>
+                <a:tc>
+                  <a:txBody>
+                    <a:bodyPr/>
+                    <a:lstStyle/>
+                    <a:p>
+                      <a:pPr algn="l" fontAlgn="b"/>
+                      <a:r>
+                        <a:rPr lang="en-US" sz="1600" b="1" i="0" u="none" strike="noStrike" dirty="0">
+                          <a:solidFill>
+                            <a:srgbClr val="FFFFFF"/>
+                          </a:solidFill>
+                          <a:effectLst/>
+                          <a:latin typeface="Aptos Narrow" panose="020B0004020202020204" pitchFamily="34" charset="0"/>
+                        </a:rPr>
+                        <a:t>Sponsor</a:t>
+                      </a:r>
+                    </a:p>
+                  </a:txBody>
+                  <a:tcPr marL="6350" marR="6350" marT="6350" marB="0" anchor="b"/>
+                </a:tc>
+                <a:tc>
+                  <a:txBody>
+                    <a:bodyPr/>
+                    <a:lstStyle/>
+                    <a:p>
+                      <a:pPr algn="l" fontAlgn="b"/>
+                      <a:r>
+                        <a:rPr lang="en-US" sz="1600" b="1" i="0" u="none" strike="noStrike">
+                          <a:solidFill>
+                            <a:srgbClr val="FFFFFF"/>
+                          </a:solidFill>
+                          <a:effectLst/>
+                          <a:latin typeface="Aptos Narrow" panose="020B0004020202020204" pitchFamily="34" charset="0"/>
+                        </a:rPr>
+                        <a:t> Email                     </a:t>
+                      </a:r>
+                    </a:p>
+                  </a:txBody>
+                  <a:tcPr marL="6350" marR="6350" marT="6350" marB="0" anchor="b"/>
+                </a:tc>
+                <a:tc>
+                  <a:txBody>
+                    <a:bodyPr/>
+                    <a:lstStyle/>
+                    <a:p>
+                      <a:pPr algn="l" fontAlgn="b"/>
+                      <a:r>
+                        <a:rPr lang="en-US" sz="1600" b="1" i="0" u="none" strike="noStrike" dirty="0">
+                          <a:solidFill>
+                            <a:srgbClr val="FFFFFF"/>
+                          </a:solidFill>
+                          <a:effectLst/>
+                          <a:latin typeface="Aptos Narrow" panose="020B0004020202020204" pitchFamily="34" charset="0"/>
+                        </a:rPr>
+                        <a:t> Interests  </a:t>
+                      </a:r>
+                    </a:p>
+                  </a:txBody>
+                  <a:tcPr marL="6350" marR="6350" marT="6350" marB="0" anchor="b"/>
+                </a:tc>
+                <a:extLst>
+                  <a:ext uri="{0D108BD9-81ED-4DB2-BD59-A6C34878D82A}">
+                    <a16:rowId xmlns:a16="http://schemas.microsoft.com/office/drawing/2014/main" val="1367952349"/>
+                  </a:ext>
+                </a:extLst>
+              </a:tr>
+              <a:tr h="0">
+                <a:tc>
+                  <a:txBody>
+                    <a:bodyPr/>
+                    <a:lstStyle/>
+                    <a:p>
+                      <a:pPr algn="l" fontAlgn="b"/>
+                      <a:r>
+                        <a:rPr lang="en-US" sz="1600" b="0" i="0" u="none" strike="noStrike" dirty="0">
+                          <a:solidFill>
+                            <a:srgbClr val="000000"/>
+                          </a:solidFill>
+                          <a:effectLst/>
+                          <a:latin typeface="Aptos Narrow" panose="020B0004020202020204" pitchFamily="34" charset="0"/>
+                        </a:rPr>
+                        <a:t>Fei Chen        (co-chair)</a:t>
+                      </a:r>
+                    </a:p>
+                  </a:txBody>
+                  <a:tcPr marL="6350" marR="6350" marT="6350" marB="0" anchor="b"/>
+                </a:tc>
+                <a:tc>
+                  <a:txBody>
+                    <a:bodyPr/>
+                    <a:lstStyle/>
+                    <a:p>
+                      <a:pPr algn="l" fontAlgn="b"/>
+                      <a:r>
+                        <a:rPr lang="en-US" sz="1600" b="0" i="0" u="none" strike="noStrike" dirty="0">
+                          <a:solidFill>
+                            <a:srgbClr val="000000"/>
+                          </a:solidFill>
+                          <a:effectLst/>
+                          <a:latin typeface="Aptos Narrow" panose="020B0004020202020204" pitchFamily="34" charset="0"/>
+                        </a:rPr>
+                        <a:t> JJIM  </a:t>
+                      </a:r>
+                    </a:p>
+                  </a:txBody>
+                  <a:tcPr marL="6350" marR="6350" marT="6350" marB="0" anchor="b"/>
+                </a:tc>
+                <a:tc>
+                  <a:txBody>
+                    <a:bodyPr/>
+                    <a:lstStyle/>
+                    <a:p>
+                      <a:pPr algn="l" fontAlgn="b"/>
+                      <a:r>
+                        <a:rPr lang="en-US" sz="1600" b="0" i="0" u="none" strike="noStrike">
+                          <a:solidFill>
+                            <a:srgbClr val="000000"/>
+                          </a:solidFill>
+                          <a:effectLst/>
+                          <a:latin typeface="Aptos Narrow" panose="020B0004020202020204" pitchFamily="34" charset="0"/>
+                        </a:rPr>
+                        <a:t> fchen6@its.jnj.com        </a:t>
+                      </a:r>
+                    </a:p>
+                  </a:txBody>
+                  <a:tcPr marL="6350" marR="6350" marT="6350" marB="0" anchor="b"/>
+                </a:tc>
+                <a:tc>
+                  <a:txBody>
+                    <a:bodyPr/>
+                    <a:lstStyle/>
+                    <a:p>
+                      <a:pPr algn="l" fontAlgn="b"/>
+                      <a:r>
+                        <a:rPr lang="en-US" sz="1600" b="0" i="0" u="none" strike="noStrike">
+                          <a:solidFill>
+                            <a:srgbClr val="000000"/>
+                          </a:solidFill>
+                          <a:effectLst/>
+                          <a:latin typeface="Aptos Narrow" panose="020B0004020202020204" pitchFamily="34" charset="0"/>
+                        </a:rPr>
+                        <a:t> Regulatory </a:t>
+                      </a:r>
+                    </a:p>
+                  </a:txBody>
+                  <a:tcPr marL="6350" marR="6350" marT="6350" marB="0" anchor="b"/>
+                </a:tc>
+                <a:extLst>
+                  <a:ext uri="{0D108BD9-81ED-4DB2-BD59-A6C34878D82A}">
+                    <a16:rowId xmlns:a16="http://schemas.microsoft.com/office/drawing/2014/main" val="167020990"/>
+                  </a:ext>
+                </a:extLst>
+              </a:tr>
+              <a:tr h="0">
+                <a:tc>
+                  <a:txBody>
+                    <a:bodyPr/>
+                    <a:lstStyle/>
+                    <a:p>
+                      <a:pPr algn="l" fontAlgn="b"/>
+                      <a:r>
+                        <a:rPr lang="en-US" sz="1600" b="0" i="0" u="none" strike="noStrike" dirty="0">
+                          <a:solidFill>
+                            <a:srgbClr val="000000"/>
+                          </a:solidFill>
+                          <a:effectLst/>
+                          <a:latin typeface="Aptos Narrow" panose="020B0004020202020204" pitchFamily="34" charset="0"/>
+                        </a:rPr>
+                        <a:t>Bohdana Ratitch  (co-chair)</a:t>
+                      </a:r>
+                    </a:p>
+                  </a:txBody>
+                  <a:tcPr marL="6350" marR="6350" marT="6350" marB="0" anchor="b"/>
+                </a:tc>
+                <a:tc>
+                  <a:txBody>
+                    <a:bodyPr/>
+                    <a:lstStyle/>
+                    <a:p>
+                      <a:pPr algn="l" fontAlgn="b"/>
+                      <a:r>
+                        <a:rPr lang="en-US" sz="1600" b="0" i="0" u="none" strike="noStrike" dirty="0">
+                          <a:solidFill>
+                            <a:srgbClr val="000000"/>
+                          </a:solidFill>
+                          <a:effectLst/>
+                          <a:latin typeface="Aptos Narrow" panose="020B0004020202020204" pitchFamily="34" charset="0"/>
+                        </a:rPr>
+                        <a:t> Bayer </a:t>
+                      </a:r>
+                    </a:p>
+                  </a:txBody>
+                  <a:tcPr marL="6350" marR="6350" marT="6350" marB="0" anchor="b"/>
+                </a:tc>
+                <a:tc>
+                  <a:txBody>
+                    <a:bodyPr/>
+                    <a:lstStyle/>
+                    <a:p>
+                      <a:pPr algn="l" fontAlgn="b"/>
+                      <a:r>
+                        <a:rPr lang="en-US" sz="1600" b="0" i="0" u="none" strike="noStrike">
+                          <a:solidFill>
+                            <a:srgbClr val="000000"/>
+                          </a:solidFill>
+                          <a:effectLst/>
+                          <a:latin typeface="Aptos Narrow" panose="020B0004020202020204" pitchFamily="34" charset="0"/>
+                        </a:rPr>
+                        <a:t> bohdana.ratitch@bayer.com </a:t>
+                      </a:r>
+                    </a:p>
+                  </a:txBody>
+                  <a:tcPr marL="6350" marR="6350" marT="6350" marB="0" anchor="b"/>
+                </a:tc>
+                <a:tc>
+                  <a:txBody>
+                    <a:bodyPr/>
+                    <a:lstStyle/>
+                    <a:p>
+                      <a:pPr algn="l" fontAlgn="b"/>
+                      <a:r>
+                        <a:rPr lang="en-US" sz="1600" b="0" i="0" u="none" strike="noStrike">
+                          <a:solidFill>
+                            <a:srgbClr val="000000"/>
+                          </a:solidFill>
+                          <a:effectLst/>
+                          <a:latin typeface="Aptos Narrow" panose="020B0004020202020204" pitchFamily="34" charset="0"/>
+                        </a:rPr>
+                        <a:t> Outreach   </a:t>
+                      </a:r>
+                    </a:p>
+                  </a:txBody>
+                  <a:tcPr marL="6350" marR="6350" marT="6350" marB="0" anchor="b"/>
+                </a:tc>
+                <a:extLst>
+                  <a:ext uri="{0D108BD9-81ED-4DB2-BD59-A6C34878D82A}">
+                    <a16:rowId xmlns:a16="http://schemas.microsoft.com/office/drawing/2014/main" val="3766655705"/>
+                  </a:ext>
+                </a:extLst>
+              </a:tr>
+              <a:tr h="0">
+                <a:tc>
+                  <a:txBody>
+                    <a:bodyPr/>
+                    <a:lstStyle/>
+                    <a:p>
+                      <a:pPr algn="l" fontAlgn="b"/>
+                      <a:r>
+                        <a:rPr lang="en-US" sz="1600" b="0" i="0" u="none" strike="noStrike" dirty="0">
+                          <a:solidFill>
+                            <a:srgbClr val="000000"/>
+                          </a:solidFill>
+                          <a:effectLst/>
+                          <a:latin typeface="Aptos Narrow" panose="020B0004020202020204" pitchFamily="34" charset="0"/>
+                        </a:rPr>
+                        <a:t>Xin Wang              </a:t>
+                      </a:r>
+                    </a:p>
+                  </a:txBody>
+                  <a:tcPr marL="6350" marR="6350" marT="6350" marB="0" anchor="b"/>
+                </a:tc>
+                <a:tc>
+                  <a:txBody>
+                    <a:bodyPr/>
+                    <a:lstStyle/>
+                    <a:p>
+                      <a:pPr algn="l" fontAlgn="b"/>
+                      <a:r>
+                        <a:rPr lang="en-US" sz="1600" b="0" i="0" u="none" strike="noStrike" dirty="0">
+                          <a:solidFill>
+                            <a:srgbClr val="000000"/>
+                          </a:solidFill>
+                          <a:effectLst/>
+                          <a:latin typeface="Aptos Narrow" panose="020B0004020202020204" pitchFamily="34" charset="0"/>
+                        </a:rPr>
+                        <a:t> </a:t>
+                      </a:r>
+                      <a:r>
+                        <a:rPr lang="en-US" sz="1600" b="0" i="0" u="none" strike="noStrike" dirty="0" err="1">
+                          <a:solidFill>
+                            <a:srgbClr val="000000"/>
+                          </a:solidFill>
+                          <a:effectLst/>
+                          <a:latin typeface="Aptos Narrow" panose="020B0004020202020204" pitchFamily="34" charset="0"/>
+                        </a:rPr>
+                        <a:t>Abbvie</a:t>
+                      </a:r>
+                      <a:r>
+                        <a:rPr lang="en-US" sz="1600" b="0" i="0" u="none" strike="noStrike" dirty="0">
+                          <a:solidFill>
+                            <a:srgbClr val="000000"/>
+                          </a:solidFill>
+                          <a:effectLst/>
+                          <a:latin typeface="Aptos Narrow" panose="020B0004020202020204" pitchFamily="34" charset="0"/>
+                        </a:rPr>
+                        <a:t>   </a:t>
+                      </a:r>
+                    </a:p>
+                  </a:txBody>
+                  <a:tcPr marL="6350" marR="6350" marT="6350" marB="0" anchor="b"/>
+                </a:tc>
+                <a:tc>
+                  <a:txBody>
+                    <a:bodyPr/>
+                    <a:lstStyle/>
+                    <a:p>
+                      <a:pPr algn="l" fontAlgn="b"/>
+                      <a:r>
+                        <a:rPr lang="en-US" sz="1600" b="0" i="0" u="none" strike="noStrike" dirty="0">
+                          <a:solidFill>
+                            <a:srgbClr val="000000"/>
+                          </a:solidFill>
+                          <a:effectLst/>
+                          <a:latin typeface="Aptos Narrow" panose="020B0004020202020204" pitchFamily="34" charset="0"/>
+                        </a:rPr>
+                        <a:t> xin.wang@abbvie.com           </a:t>
+                      </a:r>
+                    </a:p>
+                  </a:txBody>
+                  <a:tcPr marL="6350" marR="6350" marT="6350" marB="0" anchor="b"/>
+                </a:tc>
+                <a:tc>
+                  <a:txBody>
+                    <a:bodyPr/>
+                    <a:lstStyle/>
+                    <a:p>
+                      <a:pPr algn="l" fontAlgn="b"/>
+                      <a:r>
+                        <a:rPr lang="en-US" sz="1600" b="0" i="0" u="none" strike="noStrike" dirty="0">
+                          <a:solidFill>
+                            <a:srgbClr val="000000"/>
+                          </a:solidFill>
+                          <a:effectLst/>
+                          <a:latin typeface="Aptos Narrow" panose="020B0004020202020204" pitchFamily="34" charset="0"/>
+                        </a:rPr>
+                        <a:t> Site selection                </a:t>
+                      </a:r>
+                    </a:p>
+                  </a:txBody>
+                  <a:tcPr marL="6350" marR="6350" marT="6350" marB="0" anchor="b"/>
+                </a:tc>
+                <a:extLst>
+                  <a:ext uri="{0D108BD9-81ED-4DB2-BD59-A6C34878D82A}">
+                    <a16:rowId xmlns:a16="http://schemas.microsoft.com/office/drawing/2014/main" val="984241443"/>
+                  </a:ext>
+                </a:extLst>
+              </a:tr>
+              <a:tr h="0">
+                <a:tc>
+                  <a:txBody>
+                    <a:bodyPr/>
+                    <a:lstStyle/>
+                    <a:p>
+                      <a:pPr algn="l" fontAlgn="b"/>
+                      <a:r>
+                        <a:rPr lang="en-US" sz="1600" b="0" i="0" u="none" strike="noStrike" dirty="0">
+                          <a:solidFill>
+                            <a:srgbClr val="000000"/>
+                          </a:solidFill>
+                          <a:effectLst/>
+                          <a:latin typeface="Aptos Narrow" panose="020B0004020202020204" pitchFamily="34" charset="0"/>
+                        </a:rPr>
+                        <a:t>Christi </a:t>
+                      </a:r>
+                      <a:r>
+                        <a:rPr lang="en-US" sz="1600" b="0" i="0" u="none" strike="noStrike" dirty="0" err="1">
+                          <a:solidFill>
+                            <a:srgbClr val="000000"/>
+                          </a:solidFill>
+                          <a:effectLst/>
+                          <a:latin typeface="Aptos Narrow" panose="020B0004020202020204" pitchFamily="34" charset="0"/>
+                        </a:rPr>
+                        <a:t>Kleoudis</a:t>
+                      </a:r>
+                      <a:endParaRPr lang="en-US" sz="1600" b="0" i="0" u="none" strike="noStrike" dirty="0">
+                        <a:solidFill>
+                          <a:srgbClr val="000000"/>
+                        </a:solidFill>
+                        <a:effectLst/>
+                        <a:latin typeface="Aptos Narrow" panose="020B0004020202020204" pitchFamily="34" charset="0"/>
+                      </a:endParaRPr>
+                    </a:p>
+                  </a:txBody>
+                  <a:tcPr marL="6350" marR="6350" marT="6350" marB="0" anchor="b"/>
+                </a:tc>
+                <a:tc>
+                  <a:txBody>
+                    <a:bodyPr/>
+                    <a:lstStyle/>
+                    <a:p>
+                      <a:pPr algn="l" fontAlgn="b"/>
+                      <a:r>
+                        <a:rPr lang="en-US" sz="1600" b="0" i="0" u="none" strike="noStrike" dirty="0">
+                          <a:solidFill>
+                            <a:srgbClr val="000000"/>
+                          </a:solidFill>
+                          <a:effectLst/>
+                          <a:latin typeface="Aptos Narrow" panose="020B0004020202020204" pitchFamily="34" charset="0"/>
+                        </a:rPr>
+                        <a:t>AZ</a:t>
+                      </a:r>
+                    </a:p>
+                  </a:txBody>
+                  <a:tcPr marL="6350" marR="6350" marT="6350" marB="0" anchor="b"/>
+                </a:tc>
+                <a:tc>
+                  <a:txBody>
+                    <a:bodyPr/>
+                    <a:lstStyle/>
+                    <a:p>
+                      <a:pPr algn="l" fontAlgn="b"/>
+                      <a:r>
+                        <a:rPr lang="en-US" sz="1600" b="0" i="0" u="none" strike="noStrike" dirty="0">
+                          <a:solidFill>
+                            <a:srgbClr val="000000"/>
+                          </a:solidFill>
+                          <a:effectLst/>
+                          <a:latin typeface="Aptos Narrow" panose="020B0004020202020204" pitchFamily="34" charset="0"/>
+                        </a:rPr>
+                        <a:t>christi.kleoudis@astrazeneca.com</a:t>
+                      </a:r>
+                    </a:p>
+                  </a:txBody>
+                  <a:tcPr marL="6350" marR="6350" marT="6350" marB="0" anchor="b"/>
+                </a:tc>
+                <a:tc>
+                  <a:txBody>
+                    <a:bodyPr/>
+                    <a:lstStyle/>
+                    <a:p>
+                      <a:pPr algn="l" fontAlgn="b"/>
+                      <a:r>
+                        <a:rPr lang="en-US" sz="1600" b="0" i="0" u="none" strike="noStrike" dirty="0">
+                          <a:solidFill>
+                            <a:srgbClr val="000000"/>
+                          </a:solidFill>
+                          <a:effectLst/>
+                          <a:latin typeface="Aptos Narrow" panose="020B0004020202020204" pitchFamily="34" charset="0"/>
+                        </a:rPr>
+                        <a:t> </a:t>
+                      </a:r>
+                    </a:p>
+                  </a:txBody>
+                  <a:tcPr marL="6350" marR="6350" marT="6350" marB="0" anchor="b"/>
+                </a:tc>
+                <a:extLst>
+                  <a:ext uri="{0D108BD9-81ED-4DB2-BD59-A6C34878D82A}">
+                    <a16:rowId xmlns:a16="http://schemas.microsoft.com/office/drawing/2014/main" val="1505421584"/>
+                  </a:ext>
+                </a:extLst>
+              </a:tr>
+              <a:tr h="0">
+                <a:tc>
+                  <a:txBody>
+                    <a:bodyPr/>
+                    <a:lstStyle/>
+                    <a:p>
+                      <a:pPr algn="l" fontAlgn="b"/>
+                      <a:r>
+                        <a:rPr lang="en-US" sz="1600" b="0" i="0" u="none" strike="noStrike" dirty="0">
+                          <a:solidFill>
+                            <a:srgbClr val="000000"/>
+                          </a:solidFill>
+                          <a:effectLst/>
+                          <a:latin typeface="Aptos Narrow" panose="020B0004020202020204" pitchFamily="34" charset="0"/>
+                        </a:rPr>
+                        <a:t>Vlad Anisimov         </a:t>
+                      </a:r>
+                    </a:p>
+                  </a:txBody>
+                  <a:tcPr marL="6350" marR="6350" marT="6350" marB="0" anchor="b"/>
+                </a:tc>
+                <a:tc>
+                  <a:txBody>
+                    <a:bodyPr/>
+                    <a:lstStyle/>
+                    <a:p>
+                      <a:pPr algn="l" fontAlgn="b"/>
+                      <a:r>
+                        <a:rPr lang="en-US" sz="1600" b="0" i="0" u="none" strike="noStrike">
+                          <a:solidFill>
+                            <a:srgbClr val="000000"/>
+                          </a:solidFill>
+                          <a:effectLst/>
+                          <a:latin typeface="Aptos Narrow" panose="020B0004020202020204" pitchFamily="34" charset="0"/>
+                        </a:rPr>
+                        <a:t> Amgen    </a:t>
+                      </a:r>
+                    </a:p>
+                  </a:txBody>
+                  <a:tcPr marL="6350" marR="6350" marT="6350" marB="0" anchor="b"/>
+                </a:tc>
+                <a:tc>
+                  <a:txBody>
+                    <a:bodyPr/>
+                    <a:lstStyle/>
+                    <a:p>
+                      <a:pPr algn="l" fontAlgn="b"/>
+                      <a:r>
+                        <a:rPr lang="en-US" sz="1600" b="0" i="0" u="none" strike="noStrike" dirty="0">
+                          <a:solidFill>
+                            <a:srgbClr val="000000"/>
+                          </a:solidFill>
+                          <a:effectLst/>
+                          <a:latin typeface="Aptos Narrow" panose="020B0004020202020204" pitchFamily="34" charset="0"/>
+                        </a:rPr>
+                        <a:t> vanisimo@amgen.com            </a:t>
+                      </a:r>
+                    </a:p>
+                  </a:txBody>
+                  <a:tcPr marL="6350" marR="6350" marT="6350" marB="0" anchor="b"/>
+                </a:tc>
+                <a:tc>
+                  <a:txBody>
+                    <a:bodyPr/>
+                    <a:lstStyle/>
+                    <a:p>
+                      <a:pPr algn="l" fontAlgn="b"/>
+                      <a:r>
+                        <a:rPr lang="en-US" sz="1600" b="0" i="0" u="none" strike="noStrike" dirty="0">
+                          <a:solidFill>
+                            <a:srgbClr val="000000"/>
+                          </a:solidFill>
+                          <a:effectLst/>
+                          <a:latin typeface="Aptos Narrow" panose="020B0004020202020204" pitchFamily="34" charset="0"/>
+                        </a:rPr>
+                        <a:t> Methodology                   </a:t>
+                      </a:r>
+                    </a:p>
+                  </a:txBody>
+                  <a:tcPr marL="6350" marR="6350" marT="6350" marB="0" anchor="b"/>
+                </a:tc>
+                <a:extLst>
+                  <a:ext uri="{0D108BD9-81ED-4DB2-BD59-A6C34878D82A}">
+                    <a16:rowId xmlns:a16="http://schemas.microsoft.com/office/drawing/2014/main" val="4082199555"/>
+                  </a:ext>
+                </a:extLst>
+              </a:tr>
+              <a:tr h="0">
+                <a:tc>
+                  <a:txBody>
+                    <a:bodyPr/>
+                    <a:lstStyle/>
+                    <a:p>
+                      <a:pPr algn="l" fontAlgn="b"/>
+                      <a:r>
+                        <a:rPr lang="en-US" sz="1600" b="0" i="0" u="none" strike="noStrike">
+                          <a:solidFill>
+                            <a:srgbClr val="000000"/>
+                          </a:solidFill>
+                          <a:effectLst/>
+                          <a:latin typeface="Aptos Narrow" panose="020B0004020202020204" pitchFamily="34" charset="0"/>
+                        </a:rPr>
+                        <a:t>Andrew Chen           </a:t>
+                      </a:r>
+                    </a:p>
+                  </a:txBody>
+                  <a:tcPr marL="6350" marR="6350" marT="6350" marB="0" anchor="b"/>
+                </a:tc>
+                <a:tc>
+                  <a:txBody>
+                    <a:bodyPr/>
+                    <a:lstStyle/>
+                    <a:p>
+                      <a:pPr algn="l" fontAlgn="b"/>
+                      <a:r>
+                        <a:rPr lang="en-US" sz="1600" b="0" i="0" u="none" strike="noStrike">
+                          <a:solidFill>
+                            <a:srgbClr val="000000"/>
+                          </a:solidFill>
+                          <a:effectLst/>
+                          <a:latin typeface="Aptos Narrow" panose="020B0004020202020204" pitchFamily="34" charset="0"/>
+                        </a:rPr>
+                        <a:t> Bayer    </a:t>
+                      </a:r>
+                    </a:p>
+                  </a:txBody>
+                  <a:tcPr marL="6350" marR="6350" marT="6350" marB="0" anchor="b"/>
+                </a:tc>
+                <a:tc>
+                  <a:txBody>
+                    <a:bodyPr/>
+                    <a:lstStyle/>
+                    <a:p>
+                      <a:pPr algn="l" fontAlgn="b"/>
+                      <a:r>
+                        <a:rPr lang="en-US" sz="1600" b="0" i="0" u="none" strike="noStrike">
+                          <a:solidFill>
+                            <a:srgbClr val="000000"/>
+                          </a:solidFill>
+                          <a:effectLst/>
+                          <a:latin typeface="Aptos Narrow" panose="020B0004020202020204" pitchFamily="34" charset="0"/>
+                        </a:rPr>
+                        <a:t> andrew.chen@bayer.com         </a:t>
+                      </a:r>
+                    </a:p>
+                  </a:txBody>
+                  <a:tcPr marL="6350" marR="6350" marT="6350" marB="0" anchor="b"/>
+                </a:tc>
+                <a:tc>
+                  <a:txBody>
+                    <a:bodyPr/>
+                    <a:lstStyle/>
+                    <a:p>
+                      <a:pPr algn="l" fontAlgn="b"/>
+                      <a:r>
+                        <a:rPr lang="en-US" sz="1600" b="0" i="0" u="none" strike="noStrike">
+                          <a:solidFill>
+                            <a:srgbClr val="000000"/>
+                          </a:solidFill>
+                          <a:effectLst/>
+                          <a:latin typeface="Aptos Narrow" panose="020B0004020202020204" pitchFamily="34" charset="0"/>
+                        </a:rPr>
+                        <a:t> Site selection and assessment </a:t>
+                      </a:r>
+                    </a:p>
+                  </a:txBody>
+                  <a:tcPr marL="6350" marR="6350" marT="6350" marB="0" anchor="b"/>
+                </a:tc>
+                <a:extLst>
+                  <a:ext uri="{0D108BD9-81ED-4DB2-BD59-A6C34878D82A}">
+                    <a16:rowId xmlns:a16="http://schemas.microsoft.com/office/drawing/2014/main" val="628728996"/>
+                  </a:ext>
+                </a:extLst>
+              </a:tr>
+              <a:tr h="0">
+                <a:tc>
+                  <a:txBody>
+                    <a:bodyPr/>
+                    <a:lstStyle/>
+                    <a:p>
+                      <a:pPr algn="l" fontAlgn="b"/>
+                      <a:r>
+                        <a:rPr lang="en-US" sz="1600" b="0" i="0" u="none" strike="noStrike">
+                          <a:solidFill>
+                            <a:srgbClr val="000000"/>
+                          </a:solidFill>
+                          <a:effectLst/>
+                          <a:latin typeface="Aptos Narrow" panose="020B0004020202020204" pitchFamily="34" charset="0"/>
+                        </a:rPr>
+                        <a:t>Clara Ccalimella      </a:t>
+                      </a:r>
+                    </a:p>
+                  </a:txBody>
+                  <a:tcPr marL="6350" marR="6350" marT="6350" marB="0" anchor="b"/>
+                </a:tc>
+                <a:tc>
+                  <a:txBody>
+                    <a:bodyPr/>
+                    <a:lstStyle/>
+                    <a:p>
+                      <a:pPr algn="l" fontAlgn="b"/>
+                      <a:r>
+                        <a:rPr lang="en-US" sz="1600" b="0" i="0" u="none" strike="noStrike">
+                          <a:solidFill>
+                            <a:srgbClr val="000000"/>
+                          </a:solidFill>
+                          <a:effectLst/>
+                          <a:latin typeface="Aptos Narrow" panose="020B0004020202020204" pitchFamily="34" charset="0"/>
+                        </a:rPr>
+                        <a:t> Bayer    </a:t>
+                      </a:r>
+                    </a:p>
+                  </a:txBody>
+                  <a:tcPr marL="6350" marR="6350" marT="6350" marB="0" anchor="b"/>
+                </a:tc>
+                <a:tc>
+                  <a:txBody>
+                    <a:bodyPr/>
+                    <a:lstStyle/>
+                    <a:p>
+                      <a:pPr algn="l" fontAlgn="b"/>
+                      <a:r>
+                        <a:rPr lang="en-US" sz="1600" b="0" i="0" u="none" strike="noStrike" dirty="0">
+                          <a:solidFill>
+                            <a:srgbClr val="000000"/>
+                          </a:solidFill>
+                          <a:effectLst/>
+                          <a:latin typeface="Aptos Narrow" panose="020B0004020202020204" pitchFamily="34" charset="0"/>
+                        </a:rPr>
+                        <a:t> clara.calimella@bayer.com     </a:t>
+                      </a:r>
+                    </a:p>
+                  </a:txBody>
+                  <a:tcPr marL="6350" marR="6350" marT="6350" marB="0" anchor="b"/>
+                </a:tc>
+                <a:tc>
+                  <a:txBody>
+                    <a:bodyPr/>
+                    <a:lstStyle/>
+                    <a:p>
+                      <a:pPr algn="l" fontAlgn="b"/>
+                      <a:r>
+                        <a:rPr lang="en-US" sz="1600" b="0" i="0" u="none" strike="noStrike">
+                          <a:solidFill>
+                            <a:srgbClr val="000000"/>
+                          </a:solidFill>
+                          <a:effectLst/>
+                          <a:latin typeface="Aptos Narrow" panose="020B0004020202020204" pitchFamily="34" charset="0"/>
+                        </a:rPr>
+                        <a:t> Recruitment monitoring        </a:t>
+                      </a:r>
+                    </a:p>
+                  </a:txBody>
+                  <a:tcPr marL="6350" marR="6350" marT="6350" marB="0" anchor="b"/>
+                </a:tc>
+                <a:extLst>
+                  <a:ext uri="{0D108BD9-81ED-4DB2-BD59-A6C34878D82A}">
+                    <a16:rowId xmlns:a16="http://schemas.microsoft.com/office/drawing/2014/main" val="2001765548"/>
+                  </a:ext>
+                </a:extLst>
+              </a:tr>
+              <a:tr h="0">
+                <a:tc>
+                  <a:txBody>
+                    <a:bodyPr/>
+                    <a:lstStyle/>
+                    <a:p>
+                      <a:pPr algn="l" fontAlgn="b"/>
+                      <a:r>
+                        <a:rPr lang="en-US" sz="1600" b="0" i="0" u="none" strike="noStrike">
+                          <a:solidFill>
+                            <a:srgbClr val="000000"/>
+                          </a:solidFill>
+                          <a:effectLst/>
+                          <a:latin typeface="Aptos Narrow" panose="020B0004020202020204" pitchFamily="34" charset="0"/>
+                        </a:rPr>
+                        <a:t>Tobias Straubinger    </a:t>
+                      </a:r>
+                    </a:p>
+                  </a:txBody>
+                  <a:tcPr marL="6350" marR="6350" marT="6350" marB="0" anchor="b"/>
+                </a:tc>
+                <a:tc>
+                  <a:txBody>
+                    <a:bodyPr/>
+                    <a:lstStyle/>
+                    <a:p>
+                      <a:pPr algn="l" fontAlgn="b"/>
+                      <a:r>
+                        <a:rPr lang="en-US" sz="1600" b="0" i="0" u="none" strike="noStrike">
+                          <a:solidFill>
+                            <a:srgbClr val="000000"/>
+                          </a:solidFill>
+                          <a:effectLst/>
+                          <a:latin typeface="Aptos Narrow" panose="020B0004020202020204" pitchFamily="34" charset="0"/>
+                        </a:rPr>
+                        <a:t> Bayer    </a:t>
+                      </a:r>
+                    </a:p>
+                  </a:txBody>
+                  <a:tcPr marL="6350" marR="6350" marT="6350" marB="0" anchor="b"/>
+                </a:tc>
+                <a:tc>
+                  <a:txBody>
+                    <a:bodyPr/>
+                    <a:lstStyle/>
+                    <a:p>
+                      <a:pPr algn="l" fontAlgn="b"/>
+                      <a:r>
+                        <a:rPr lang="en-US" sz="1600" b="0" i="0" u="none" strike="noStrike" dirty="0">
+                          <a:solidFill>
+                            <a:srgbClr val="000000"/>
+                          </a:solidFill>
+                          <a:effectLst/>
+                          <a:latin typeface="Aptos Narrow" panose="020B0004020202020204" pitchFamily="34" charset="0"/>
+                        </a:rPr>
+                        <a:t> tobias.straubinger@bayer.com  </a:t>
+                      </a:r>
+                    </a:p>
+                  </a:txBody>
+                  <a:tcPr marL="6350" marR="6350" marT="6350" marB="0" anchor="b"/>
+                </a:tc>
+                <a:tc>
+                  <a:txBody>
+                    <a:bodyPr/>
+                    <a:lstStyle/>
+                    <a:p>
+                      <a:pPr algn="l" fontAlgn="b"/>
+                      <a:r>
+                        <a:rPr lang="en-US" sz="1600" b="0" i="0" u="none" strike="noStrike">
+                          <a:solidFill>
+                            <a:srgbClr val="000000"/>
+                          </a:solidFill>
+                          <a:effectLst/>
+                          <a:latin typeface="Aptos Narrow" panose="020B0004020202020204" pitchFamily="34" charset="0"/>
+                        </a:rPr>
+                        <a:t> Forecasting                   </a:t>
+                      </a:r>
+                    </a:p>
+                  </a:txBody>
+                  <a:tcPr marL="6350" marR="6350" marT="6350" marB="0" anchor="b"/>
+                </a:tc>
+                <a:extLst>
+                  <a:ext uri="{0D108BD9-81ED-4DB2-BD59-A6C34878D82A}">
+                    <a16:rowId xmlns:a16="http://schemas.microsoft.com/office/drawing/2014/main" val="2901556530"/>
+                  </a:ext>
+                </a:extLst>
+              </a:tr>
+              <a:tr h="0">
+                <a:tc>
+                  <a:txBody>
+                    <a:bodyPr/>
+                    <a:lstStyle/>
+                    <a:p>
+                      <a:pPr algn="l" fontAlgn="b"/>
+                      <a:r>
+                        <a:rPr lang="en-US" sz="1600" b="0" i="0" u="none" strike="noStrike">
+                          <a:solidFill>
+                            <a:srgbClr val="000000"/>
+                          </a:solidFill>
+                          <a:effectLst/>
+                          <a:latin typeface="Aptos Narrow" panose="020B0004020202020204" pitchFamily="34" charset="0"/>
+                        </a:rPr>
+                        <a:t>Kaifeng Lu            </a:t>
+                      </a:r>
+                    </a:p>
+                  </a:txBody>
+                  <a:tcPr marL="6350" marR="6350" marT="6350" marB="0" anchor="b"/>
+                </a:tc>
+                <a:tc>
+                  <a:txBody>
+                    <a:bodyPr/>
+                    <a:lstStyle/>
+                    <a:p>
+                      <a:pPr algn="l" fontAlgn="b"/>
+                      <a:r>
+                        <a:rPr lang="en-US" sz="1600" b="0" i="0" u="none" strike="noStrike">
+                          <a:solidFill>
+                            <a:srgbClr val="000000"/>
+                          </a:solidFill>
+                          <a:effectLst/>
+                          <a:latin typeface="Aptos Narrow" panose="020B0004020202020204" pitchFamily="34" charset="0"/>
+                        </a:rPr>
+                        <a:t> Beonemed </a:t>
+                      </a:r>
+                    </a:p>
+                  </a:txBody>
+                  <a:tcPr marL="6350" marR="6350" marT="6350" marB="0" anchor="b"/>
+                </a:tc>
+                <a:tc>
+                  <a:txBody>
+                    <a:bodyPr/>
+                    <a:lstStyle/>
+                    <a:p>
+                      <a:pPr algn="l" fontAlgn="b"/>
+                      <a:r>
+                        <a:rPr lang="en-US" sz="1600" b="0" i="0" u="none" strike="noStrike" dirty="0">
+                          <a:solidFill>
+                            <a:srgbClr val="000000"/>
+                          </a:solidFill>
+                          <a:effectLst/>
+                          <a:latin typeface="Aptos Narrow" panose="020B0004020202020204" pitchFamily="34" charset="0"/>
+                        </a:rPr>
+                        <a:t> kaifeng.lu@beonemed.com       </a:t>
+                      </a:r>
+                    </a:p>
+                  </a:txBody>
+                  <a:tcPr marL="6350" marR="6350" marT="6350" marB="0" anchor="b"/>
+                </a:tc>
+                <a:tc>
+                  <a:txBody>
+                    <a:bodyPr/>
+                    <a:lstStyle/>
+                    <a:p>
+                      <a:pPr algn="l" fontAlgn="b"/>
+                      <a:r>
+                        <a:rPr lang="en-US" sz="1600" b="0" i="0" u="none" strike="noStrike">
+                          <a:solidFill>
+                            <a:srgbClr val="000000"/>
+                          </a:solidFill>
+                          <a:effectLst/>
+                          <a:latin typeface="Aptos Narrow" panose="020B0004020202020204" pitchFamily="34" charset="0"/>
+                        </a:rPr>
+                        <a:t> Drug demand forecasting       </a:t>
+                      </a:r>
+                    </a:p>
+                  </a:txBody>
+                  <a:tcPr marL="6350" marR="6350" marT="6350" marB="0" anchor="b"/>
+                </a:tc>
+                <a:extLst>
+                  <a:ext uri="{0D108BD9-81ED-4DB2-BD59-A6C34878D82A}">
+                    <a16:rowId xmlns:a16="http://schemas.microsoft.com/office/drawing/2014/main" val="215751075"/>
+                  </a:ext>
+                </a:extLst>
+              </a:tr>
+              <a:tr h="0">
+                <a:tc>
+                  <a:txBody>
+                    <a:bodyPr/>
+                    <a:lstStyle/>
+                    <a:p>
+                      <a:pPr algn="l" fontAlgn="b"/>
+                      <a:r>
+                        <a:rPr lang="en-US" sz="1600" b="0" i="0" u="none" strike="noStrike">
+                          <a:solidFill>
+                            <a:srgbClr val="000000"/>
+                          </a:solidFill>
+                          <a:effectLst/>
+                          <a:latin typeface="Aptos Narrow" panose="020B0004020202020204" pitchFamily="34" charset="0"/>
+                        </a:rPr>
+                        <a:t>Inna Perevozskaya     </a:t>
+                      </a:r>
+                    </a:p>
+                  </a:txBody>
+                  <a:tcPr marL="6350" marR="6350" marT="6350" marB="0" anchor="b"/>
+                </a:tc>
+                <a:tc>
+                  <a:txBody>
+                    <a:bodyPr/>
+                    <a:lstStyle/>
+                    <a:p>
+                      <a:pPr algn="l" fontAlgn="b"/>
+                      <a:r>
+                        <a:rPr lang="en-US" sz="1600" b="0" i="0" u="none" strike="noStrike">
+                          <a:solidFill>
+                            <a:srgbClr val="000000"/>
+                          </a:solidFill>
+                          <a:effectLst/>
+                          <a:latin typeface="Aptos Narrow" panose="020B0004020202020204" pitchFamily="34" charset="0"/>
+                        </a:rPr>
+                        <a:t> BMS      </a:t>
+                      </a:r>
+                    </a:p>
+                  </a:txBody>
+                  <a:tcPr marL="6350" marR="6350" marT="6350" marB="0" anchor="b"/>
+                </a:tc>
+                <a:tc>
+                  <a:txBody>
+                    <a:bodyPr/>
+                    <a:lstStyle/>
+                    <a:p>
+                      <a:pPr algn="l" fontAlgn="b"/>
+                      <a:r>
+                        <a:rPr lang="en-US" sz="1600" b="0" i="0" u="none" strike="noStrike" dirty="0">
+                          <a:solidFill>
+                            <a:srgbClr val="000000"/>
+                          </a:solidFill>
+                          <a:effectLst/>
+                          <a:latin typeface="Aptos Narrow" panose="020B0004020202020204" pitchFamily="34" charset="0"/>
+                        </a:rPr>
+                        <a:t> inna.perevozskaya@bms.com     </a:t>
+                      </a:r>
+                    </a:p>
+                  </a:txBody>
+                  <a:tcPr marL="6350" marR="6350" marT="6350" marB="0" anchor="b"/>
+                </a:tc>
+                <a:tc>
+                  <a:txBody>
+                    <a:bodyPr/>
+                    <a:lstStyle/>
+                    <a:p>
+                      <a:pPr algn="l" fontAlgn="b"/>
+                      <a:r>
+                        <a:rPr lang="en-US" sz="1600" b="0" i="0" u="none" strike="noStrike">
+                          <a:solidFill>
+                            <a:srgbClr val="000000"/>
+                          </a:solidFill>
+                          <a:effectLst/>
+                          <a:latin typeface="Aptos Narrow" panose="020B0004020202020204" pitchFamily="34" charset="0"/>
+                        </a:rPr>
+                        <a:t> Methodology                   </a:t>
+                      </a:r>
+                    </a:p>
+                  </a:txBody>
+                  <a:tcPr marL="6350" marR="6350" marT="6350" marB="0" anchor="b"/>
+                </a:tc>
+                <a:extLst>
+                  <a:ext uri="{0D108BD9-81ED-4DB2-BD59-A6C34878D82A}">
+                    <a16:rowId xmlns:a16="http://schemas.microsoft.com/office/drawing/2014/main" val="698789364"/>
+                  </a:ext>
+                </a:extLst>
+              </a:tr>
+              <a:tr h="0">
+                <a:tc>
+                  <a:txBody>
+                    <a:bodyPr/>
+                    <a:lstStyle/>
+                    <a:p>
+                      <a:pPr algn="l" fontAlgn="b"/>
+                      <a:r>
+                        <a:rPr lang="en-US" sz="1600" b="0" i="0" u="none" strike="noStrike">
+                          <a:solidFill>
+                            <a:srgbClr val="000000"/>
+                          </a:solidFill>
+                          <a:effectLst/>
+                          <a:latin typeface="Aptos Narrow" panose="020B0004020202020204" pitchFamily="34" charset="0"/>
+                        </a:rPr>
+                        <a:t>Palanikumar Ravindran </a:t>
+                      </a:r>
+                    </a:p>
+                  </a:txBody>
+                  <a:tcPr marL="6350" marR="6350" marT="6350" marB="0" anchor="b"/>
+                </a:tc>
+                <a:tc>
+                  <a:txBody>
+                    <a:bodyPr/>
+                    <a:lstStyle/>
+                    <a:p>
+                      <a:pPr algn="l" fontAlgn="b"/>
+                      <a:r>
+                        <a:rPr lang="en-US" sz="1600" b="0" i="0" u="none" strike="noStrike" dirty="0">
+                          <a:solidFill>
+                            <a:srgbClr val="000000"/>
+                          </a:solidFill>
+                          <a:effectLst/>
+                          <a:latin typeface="Aptos Narrow" panose="020B0004020202020204" pitchFamily="34" charset="0"/>
+                        </a:rPr>
+                        <a:t> BMS      </a:t>
+                      </a:r>
+                    </a:p>
+                  </a:txBody>
+                  <a:tcPr marL="6350" marR="6350" marT="6350" marB="0" anchor="b"/>
+                </a:tc>
+                <a:tc>
+                  <a:txBody>
+                    <a:bodyPr/>
+                    <a:lstStyle/>
+                    <a:p>
+                      <a:pPr algn="l" fontAlgn="b"/>
+                      <a:r>
+                        <a:rPr lang="en-US" sz="1600" b="0" i="0" u="none" strike="noStrike">
+                          <a:solidFill>
+                            <a:srgbClr val="000000"/>
+                          </a:solidFill>
+                          <a:effectLst/>
+                          <a:latin typeface="Aptos Narrow" panose="020B0004020202020204" pitchFamily="34" charset="0"/>
+                        </a:rPr>
+                        <a:t> palanikumar.ravindran@bms.com </a:t>
+                      </a:r>
+                    </a:p>
+                  </a:txBody>
+                  <a:tcPr marL="6350" marR="6350" marT="6350" marB="0" anchor="b"/>
+                </a:tc>
+                <a:tc>
+                  <a:txBody>
+                    <a:bodyPr/>
+                    <a:lstStyle/>
+                    <a:p>
+                      <a:pPr algn="l" fontAlgn="b"/>
+                      <a:r>
+                        <a:rPr lang="en-US" sz="1600" b="0" i="0" u="none" strike="noStrike" dirty="0">
+                          <a:solidFill>
+                            <a:srgbClr val="000000"/>
+                          </a:solidFill>
+                          <a:effectLst/>
+                          <a:latin typeface="Aptos Narrow" panose="020B0004020202020204" pitchFamily="34" charset="0"/>
+                        </a:rPr>
+                        <a:t> AI/ML/Viz                     </a:t>
+                      </a:r>
+                    </a:p>
+                  </a:txBody>
+                  <a:tcPr marL="6350" marR="6350" marT="6350" marB="0" anchor="b"/>
+                </a:tc>
+                <a:extLst>
+                  <a:ext uri="{0D108BD9-81ED-4DB2-BD59-A6C34878D82A}">
+                    <a16:rowId xmlns:a16="http://schemas.microsoft.com/office/drawing/2014/main" val="3853363984"/>
+                  </a:ext>
+                </a:extLst>
+              </a:tr>
+              <a:tr h="0">
+                <a:tc>
+                  <a:txBody>
+                    <a:bodyPr/>
+                    <a:lstStyle/>
+                    <a:p>
+                      <a:pPr algn="l" fontAlgn="b"/>
+                      <a:r>
+                        <a:rPr lang="en-US" sz="1600" b="0" i="0" u="none" strike="noStrike">
+                          <a:solidFill>
+                            <a:srgbClr val="000000"/>
+                          </a:solidFill>
+                          <a:effectLst/>
+                          <a:latin typeface="Aptos Narrow" panose="020B0004020202020204" pitchFamily="34" charset="0"/>
+                        </a:rPr>
+                        <a:t>Zhuoxin Yu            </a:t>
+                      </a:r>
+                    </a:p>
+                  </a:txBody>
+                  <a:tcPr marL="6350" marR="6350" marT="6350" marB="0" anchor="b"/>
+                </a:tc>
+                <a:tc>
+                  <a:txBody>
+                    <a:bodyPr/>
+                    <a:lstStyle/>
+                    <a:p>
+                      <a:pPr algn="l" fontAlgn="b"/>
+                      <a:r>
+                        <a:rPr lang="en-US" sz="1600" b="0" i="0" u="none" strike="noStrike">
+                          <a:solidFill>
+                            <a:srgbClr val="000000"/>
+                          </a:solidFill>
+                          <a:effectLst/>
+                          <a:latin typeface="Aptos Narrow" panose="020B0004020202020204" pitchFamily="34" charset="0"/>
+                        </a:rPr>
+                        <a:t> BMS      </a:t>
+                      </a:r>
+                    </a:p>
+                  </a:txBody>
+                  <a:tcPr marL="6350" marR="6350" marT="6350" marB="0" anchor="b"/>
+                </a:tc>
+                <a:tc>
+                  <a:txBody>
+                    <a:bodyPr/>
+                    <a:lstStyle/>
+                    <a:p>
+                      <a:pPr algn="l" fontAlgn="b"/>
+                      <a:r>
+                        <a:rPr lang="en-US" sz="1600" b="0" i="0" u="none" strike="noStrike">
+                          <a:solidFill>
+                            <a:srgbClr val="000000"/>
+                          </a:solidFill>
+                          <a:effectLst/>
+                          <a:latin typeface="Aptos Narrow" panose="020B0004020202020204" pitchFamily="34" charset="0"/>
+                        </a:rPr>
+                        <a:t> zhuoxin.yu@bms.com            </a:t>
+                      </a:r>
+                    </a:p>
+                  </a:txBody>
+                  <a:tcPr marL="6350" marR="6350" marT="6350" marB="0" anchor="b"/>
+                </a:tc>
+                <a:tc>
+                  <a:txBody>
+                    <a:bodyPr/>
+                    <a:lstStyle/>
+                    <a:p>
+                      <a:pPr algn="l" fontAlgn="b"/>
+                      <a:r>
+                        <a:rPr lang="en-US" sz="1600" b="0" i="0" u="none" strike="noStrike">
+                          <a:solidFill>
+                            <a:srgbClr val="000000"/>
+                          </a:solidFill>
+                          <a:effectLst/>
+                          <a:latin typeface="Aptos Narrow" panose="020B0004020202020204" pitchFamily="34" charset="0"/>
+                        </a:rPr>
+                        <a:t> AI/ML/Viz                     </a:t>
+                      </a:r>
+                    </a:p>
+                  </a:txBody>
+                  <a:tcPr marL="6350" marR="6350" marT="6350" marB="0" anchor="b"/>
+                </a:tc>
+                <a:extLst>
+                  <a:ext uri="{0D108BD9-81ED-4DB2-BD59-A6C34878D82A}">
+                    <a16:rowId xmlns:a16="http://schemas.microsoft.com/office/drawing/2014/main" val="3838527035"/>
+                  </a:ext>
+                </a:extLst>
+              </a:tr>
+              <a:tr h="0">
+                <a:tc>
+                  <a:txBody>
+                    <a:bodyPr/>
+                    <a:lstStyle/>
+                    <a:p>
+                      <a:pPr algn="l" fontAlgn="b"/>
+                      <a:r>
+                        <a:rPr lang="en-US" sz="1600" b="0" i="0" u="none" strike="noStrike">
+                          <a:solidFill>
+                            <a:srgbClr val="000000"/>
+                          </a:solidFill>
+                          <a:effectLst/>
+                          <a:latin typeface="Aptos Narrow" panose="020B0004020202020204" pitchFamily="34" charset="0"/>
+                        </a:rPr>
+                        <a:t>Haoyu Wang            </a:t>
+                      </a:r>
+                    </a:p>
+                  </a:txBody>
+                  <a:tcPr marL="6350" marR="6350" marT="6350" marB="0" anchor="b"/>
+                </a:tc>
+                <a:tc>
+                  <a:txBody>
+                    <a:bodyPr/>
+                    <a:lstStyle/>
+                    <a:p>
+                      <a:pPr algn="l" fontAlgn="b"/>
+                      <a:r>
+                        <a:rPr lang="en-US" sz="1600" b="0" i="0" u="none" strike="noStrike">
+                          <a:solidFill>
+                            <a:srgbClr val="000000"/>
+                          </a:solidFill>
+                          <a:effectLst/>
+                          <a:latin typeface="Aptos Narrow" panose="020B0004020202020204" pitchFamily="34" charset="0"/>
+                        </a:rPr>
+                        <a:t> BMS      </a:t>
+                      </a:r>
+                    </a:p>
+                  </a:txBody>
+                  <a:tcPr marL="6350" marR="6350" marT="6350" marB="0" anchor="b"/>
+                </a:tc>
+                <a:tc>
+                  <a:txBody>
+                    <a:bodyPr/>
+                    <a:lstStyle/>
+                    <a:p>
+                      <a:pPr algn="l" fontAlgn="b"/>
+                      <a:r>
+                        <a:rPr lang="en-US" sz="1600" b="0" i="0" u="none" strike="noStrike">
+                          <a:solidFill>
+                            <a:srgbClr val="000000"/>
+                          </a:solidFill>
+                          <a:effectLst/>
+                          <a:latin typeface="Aptos Narrow" panose="020B0004020202020204" pitchFamily="34" charset="0"/>
+                        </a:rPr>
+                        <a:t> haoyu.wang2@bms.com           </a:t>
+                      </a:r>
+                    </a:p>
+                  </a:txBody>
+                  <a:tcPr marL="6350" marR="6350" marT="6350" marB="0" anchor="b"/>
+                </a:tc>
+                <a:tc>
+                  <a:txBody>
+                    <a:bodyPr/>
+                    <a:lstStyle/>
+                    <a:p>
+                      <a:pPr algn="l" fontAlgn="b"/>
+                      <a:r>
+                        <a:rPr lang="en-US" sz="1600" b="0" i="0" u="none" strike="noStrike" dirty="0">
+                          <a:solidFill>
+                            <a:srgbClr val="000000"/>
+                          </a:solidFill>
+                          <a:effectLst/>
+                          <a:latin typeface="Aptos Narrow" panose="020B0004020202020204" pitchFamily="34" charset="0"/>
+                        </a:rPr>
+                        <a:t>                               </a:t>
+                      </a:r>
+                    </a:p>
+                  </a:txBody>
+                  <a:tcPr marL="6350" marR="6350" marT="6350" marB="0" anchor="b"/>
+                </a:tc>
+                <a:extLst>
+                  <a:ext uri="{0D108BD9-81ED-4DB2-BD59-A6C34878D82A}">
+                    <a16:rowId xmlns:a16="http://schemas.microsoft.com/office/drawing/2014/main" val="87928706"/>
+                  </a:ext>
+                </a:extLst>
+              </a:tr>
+              <a:tr h="0">
+                <a:tc>
+                  <a:txBody>
+                    <a:bodyPr/>
+                    <a:lstStyle/>
+                    <a:p>
+                      <a:pPr algn="l" fontAlgn="b"/>
+                      <a:r>
+                        <a:rPr lang="en-US" sz="1600" b="0" i="0" u="none" strike="noStrike">
+                          <a:solidFill>
+                            <a:srgbClr val="000000"/>
+                          </a:solidFill>
+                          <a:effectLst/>
+                          <a:latin typeface="Aptos Narrow" panose="020B0004020202020204" pitchFamily="34" charset="0"/>
+                        </a:rPr>
+                        <a:t>Kyle Wathen           </a:t>
+                      </a:r>
+                    </a:p>
+                  </a:txBody>
+                  <a:tcPr marL="6350" marR="6350" marT="6350" marB="0" anchor="b"/>
+                </a:tc>
+                <a:tc>
+                  <a:txBody>
+                    <a:bodyPr/>
+                    <a:lstStyle/>
+                    <a:p>
+                      <a:pPr algn="l" fontAlgn="b"/>
+                      <a:r>
+                        <a:rPr lang="en-US" sz="1600" b="0" i="0" u="none" strike="noStrike">
+                          <a:solidFill>
+                            <a:srgbClr val="000000"/>
+                          </a:solidFill>
+                          <a:effectLst/>
+                          <a:latin typeface="Aptos Narrow" panose="020B0004020202020204" pitchFamily="34" charset="0"/>
+                        </a:rPr>
+                        <a:t> Cytel    </a:t>
+                      </a:r>
+                    </a:p>
+                  </a:txBody>
+                  <a:tcPr marL="6350" marR="6350" marT="6350" marB="0" anchor="b"/>
+                </a:tc>
+                <a:tc>
+                  <a:txBody>
+                    <a:bodyPr/>
+                    <a:lstStyle/>
+                    <a:p>
+                      <a:pPr algn="l" fontAlgn="b"/>
+                      <a:r>
+                        <a:rPr lang="en-US" sz="1600" b="0" i="0" u="none" strike="noStrike">
+                          <a:solidFill>
+                            <a:srgbClr val="000000"/>
+                          </a:solidFill>
+                          <a:effectLst/>
+                          <a:latin typeface="Aptos Narrow" panose="020B0004020202020204" pitchFamily="34" charset="0"/>
+                        </a:rPr>
+                        <a:t> kyle.wathen@cytel.com         </a:t>
+                      </a:r>
+                    </a:p>
+                  </a:txBody>
+                  <a:tcPr marL="6350" marR="6350" marT="6350" marB="0" anchor="b"/>
+                </a:tc>
+                <a:tc>
+                  <a:txBody>
+                    <a:bodyPr/>
+                    <a:lstStyle/>
+                    <a:p>
+                      <a:pPr algn="l" fontAlgn="b"/>
+                      <a:r>
+                        <a:rPr lang="en-US" sz="1600" b="0" i="0" u="none" strike="noStrike" dirty="0">
+                          <a:solidFill>
+                            <a:srgbClr val="000000"/>
+                          </a:solidFill>
+                          <a:effectLst/>
+                          <a:latin typeface="Aptos Narrow" panose="020B0004020202020204" pitchFamily="34" charset="0"/>
+                        </a:rPr>
+                        <a:t> Software                      </a:t>
+                      </a:r>
+                    </a:p>
+                  </a:txBody>
+                  <a:tcPr marL="6350" marR="6350" marT="6350" marB="0" anchor="b"/>
+                </a:tc>
+                <a:extLst>
+                  <a:ext uri="{0D108BD9-81ED-4DB2-BD59-A6C34878D82A}">
+                    <a16:rowId xmlns:a16="http://schemas.microsoft.com/office/drawing/2014/main" val="2214962126"/>
+                  </a:ext>
+                </a:extLst>
+              </a:tr>
+              <a:tr h="0">
+                <a:tc>
+                  <a:txBody>
+                    <a:bodyPr/>
+                    <a:lstStyle/>
+                    <a:p>
+                      <a:pPr algn="l" fontAlgn="b"/>
+                      <a:r>
+                        <a:rPr lang="en-US" sz="1600" b="0" i="0" u="none" strike="noStrike">
+                          <a:solidFill>
+                            <a:srgbClr val="000000"/>
+                          </a:solidFill>
+                          <a:effectLst/>
+                          <a:latin typeface="Aptos Narrow" panose="020B0004020202020204" pitchFamily="34" charset="0"/>
+                        </a:rPr>
+                        <a:t>Robert Abugov         </a:t>
+                      </a:r>
+                    </a:p>
+                  </a:txBody>
+                  <a:tcPr marL="6350" marR="6350" marT="6350" marB="0" anchor="b"/>
+                </a:tc>
+                <a:tc>
+                  <a:txBody>
+                    <a:bodyPr/>
+                    <a:lstStyle/>
+                    <a:p>
+                      <a:pPr algn="l" fontAlgn="b"/>
+                      <a:r>
+                        <a:rPr lang="en-US" sz="1600" b="0" i="0" u="none" strike="noStrike">
+                          <a:solidFill>
+                            <a:srgbClr val="000000"/>
+                          </a:solidFill>
+                          <a:effectLst/>
+                          <a:latin typeface="Aptos Narrow" panose="020B0004020202020204" pitchFamily="34" charset="0"/>
+                        </a:rPr>
+                        <a:t> FDA      </a:t>
+                      </a:r>
+                    </a:p>
+                  </a:txBody>
+                  <a:tcPr marL="6350" marR="6350" marT="6350" marB="0" anchor="b"/>
+                </a:tc>
+                <a:tc>
+                  <a:txBody>
+                    <a:bodyPr/>
+                    <a:lstStyle/>
+                    <a:p>
+                      <a:pPr algn="l" fontAlgn="b"/>
+                      <a:r>
+                        <a:rPr lang="en-US" sz="1600" b="0" i="0" u="none" strike="noStrike">
+                          <a:solidFill>
+                            <a:srgbClr val="000000"/>
+                          </a:solidFill>
+                          <a:effectLst/>
+                          <a:latin typeface="Aptos Narrow" panose="020B0004020202020204" pitchFamily="34" charset="0"/>
+                        </a:rPr>
+                        <a:t> Robert.Abugov@fda.hhs.gov     </a:t>
+                      </a:r>
+                    </a:p>
+                  </a:txBody>
+                  <a:tcPr marL="6350" marR="6350" marT="6350" marB="0" anchor="b"/>
+                </a:tc>
+                <a:tc>
+                  <a:txBody>
+                    <a:bodyPr/>
+                    <a:lstStyle/>
+                    <a:p>
+                      <a:pPr algn="l" fontAlgn="b"/>
+                      <a:r>
+                        <a:rPr lang="en-US" sz="1600" b="0" i="0" u="none" strike="noStrike" dirty="0">
+                          <a:solidFill>
+                            <a:srgbClr val="000000"/>
+                          </a:solidFill>
+                          <a:effectLst/>
+                          <a:latin typeface="Aptos Narrow" panose="020B0004020202020204" pitchFamily="34" charset="0"/>
+                        </a:rPr>
+                        <a:t>                               </a:t>
+                      </a:r>
+                    </a:p>
+                  </a:txBody>
+                  <a:tcPr marL="6350" marR="6350" marT="6350" marB="0" anchor="b"/>
+                </a:tc>
+                <a:extLst>
+                  <a:ext uri="{0D108BD9-81ED-4DB2-BD59-A6C34878D82A}">
+                    <a16:rowId xmlns:a16="http://schemas.microsoft.com/office/drawing/2014/main" val="1836610505"/>
+                  </a:ext>
+                </a:extLst>
+              </a:tr>
+              <a:tr h="0">
+                <a:tc>
+                  <a:txBody>
+                    <a:bodyPr/>
+                    <a:lstStyle/>
+                    <a:p>
+                      <a:pPr algn="l" fontAlgn="b"/>
+                      <a:r>
+                        <a:rPr lang="en-US" sz="1600" b="0" i="0" u="none" strike="noStrike">
+                          <a:solidFill>
+                            <a:srgbClr val="000000"/>
+                          </a:solidFill>
+                          <a:effectLst/>
+                          <a:latin typeface="Aptos Narrow" panose="020B0004020202020204" pitchFamily="34" charset="0"/>
+                        </a:rPr>
+                        <a:t>Bhargava Reddy        </a:t>
+                      </a:r>
+                    </a:p>
+                  </a:txBody>
+                  <a:tcPr marL="6350" marR="6350" marT="6350" marB="0" anchor="b"/>
+                </a:tc>
+                <a:tc>
+                  <a:txBody>
+                    <a:bodyPr/>
+                    <a:lstStyle/>
+                    <a:p>
+                      <a:pPr algn="l" fontAlgn="b"/>
+                      <a:r>
+                        <a:rPr lang="en-US" sz="1600" b="0" i="0" u="none" strike="noStrike">
+                          <a:solidFill>
+                            <a:srgbClr val="000000"/>
+                          </a:solidFill>
+                          <a:effectLst/>
+                          <a:latin typeface="Aptos Narrow" panose="020B0004020202020204" pitchFamily="34" charset="0"/>
+                        </a:rPr>
+                        <a:t> JJIM     </a:t>
+                      </a:r>
+                    </a:p>
+                  </a:txBody>
+                  <a:tcPr marL="6350" marR="6350" marT="6350" marB="0" anchor="b"/>
+                </a:tc>
+                <a:tc>
+                  <a:txBody>
+                    <a:bodyPr/>
+                    <a:lstStyle/>
+                    <a:p>
+                      <a:pPr algn="l" fontAlgn="b"/>
+                      <a:r>
+                        <a:rPr lang="en-US" sz="1600" b="0" i="0" u="none" strike="noStrike">
+                          <a:solidFill>
+                            <a:srgbClr val="000000"/>
+                          </a:solidFill>
+                          <a:effectLst/>
+                          <a:latin typeface="Aptos Narrow" panose="020B0004020202020204" pitchFamily="34" charset="0"/>
+                        </a:rPr>
+                        <a:t> breddy1@ITS.JNJ.com           </a:t>
+                      </a:r>
+                    </a:p>
+                  </a:txBody>
+                  <a:tcPr marL="6350" marR="6350" marT="6350" marB="0" anchor="b"/>
+                </a:tc>
+                <a:tc>
+                  <a:txBody>
+                    <a:bodyPr/>
+                    <a:lstStyle/>
+                    <a:p>
+                      <a:pPr algn="l" fontAlgn="b"/>
+                      <a:r>
+                        <a:rPr lang="en-US" sz="1600" b="0" i="0" u="none" strike="noStrike" dirty="0">
+                          <a:solidFill>
+                            <a:srgbClr val="000000"/>
+                          </a:solidFill>
+                          <a:effectLst/>
+                          <a:latin typeface="Aptos Narrow" panose="020B0004020202020204" pitchFamily="34" charset="0"/>
+                        </a:rPr>
+                        <a:t> Operations                    </a:t>
+                      </a:r>
+                    </a:p>
+                  </a:txBody>
+                  <a:tcPr marL="6350" marR="6350" marT="6350" marB="0" anchor="b"/>
+                </a:tc>
+                <a:extLst>
+                  <a:ext uri="{0D108BD9-81ED-4DB2-BD59-A6C34878D82A}">
+                    <a16:rowId xmlns:a16="http://schemas.microsoft.com/office/drawing/2014/main" val="3045715603"/>
+                  </a:ext>
+                </a:extLst>
+              </a:tr>
+              <a:tr h="0">
+                <a:tc>
+                  <a:txBody>
+                    <a:bodyPr/>
+                    <a:lstStyle/>
+                    <a:p>
+                      <a:pPr algn="l" fontAlgn="b"/>
+                      <a:r>
+                        <a:rPr lang="en-US" sz="1600" b="0" i="0" u="none" strike="noStrike">
+                          <a:solidFill>
+                            <a:srgbClr val="000000"/>
+                          </a:solidFill>
+                          <a:effectLst/>
+                          <a:latin typeface="Aptos Narrow" panose="020B0004020202020204" pitchFamily="34" charset="0"/>
+                        </a:rPr>
+                        <a:t>Forrest Williamson    </a:t>
+                      </a:r>
+                    </a:p>
+                  </a:txBody>
+                  <a:tcPr marL="6350" marR="6350" marT="6350" marB="0" anchor="b"/>
+                </a:tc>
+                <a:tc>
+                  <a:txBody>
+                    <a:bodyPr/>
+                    <a:lstStyle/>
+                    <a:p>
+                      <a:pPr algn="l" fontAlgn="b"/>
+                      <a:r>
+                        <a:rPr lang="en-US" sz="1600" b="0" i="0" u="none" strike="noStrike">
+                          <a:solidFill>
+                            <a:srgbClr val="000000"/>
+                          </a:solidFill>
+                          <a:effectLst/>
+                          <a:latin typeface="Aptos Narrow" panose="020B0004020202020204" pitchFamily="34" charset="0"/>
+                        </a:rPr>
+                        <a:t> Lilly    </a:t>
+                      </a:r>
+                    </a:p>
+                  </a:txBody>
+                  <a:tcPr marL="6350" marR="6350" marT="6350" marB="0" anchor="b"/>
+                </a:tc>
+                <a:tc>
+                  <a:txBody>
+                    <a:bodyPr/>
+                    <a:lstStyle/>
+                    <a:p>
+                      <a:pPr algn="l" fontAlgn="b"/>
+                      <a:r>
+                        <a:rPr lang="en-US" sz="1600" b="0" i="0" u="none" strike="noStrike">
+                          <a:solidFill>
+                            <a:srgbClr val="000000"/>
+                          </a:solidFill>
+                          <a:effectLst/>
+                          <a:latin typeface="Aptos Narrow" panose="020B0004020202020204" pitchFamily="34" charset="0"/>
+                        </a:rPr>
+                        <a:t> forrest_williamson@lilly.com  </a:t>
+                      </a:r>
+                    </a:p>
+                  </a:txBody>
+                  <a:tcPr marL="6350" marR="6350" marT="6350" marB="0" anchor="b"/>
+                </a:tc>
+                <a:tc>
+                  <a:txBody>
+                    <a:bodyPr/>
+                    <a:lstStyle/>
+                    <a:p>
+                      <a:pPr algn="l" fontAlgn="b"/>
+                      <a:r>
+                        <a:rPr lang="en-US" sz="1600" b="0" i="0" u="none" strike="noStrike" dirty="0">
+                          <a:solidFill>
+                            <a:srgbClr val="000000"/>
+                          </a:solidFill>
+                          <a:effectLst/>
+                          <a:latin typeface="Aptos Narrow" panose="020B0004020202020204" pitchFamily="34" charset="0"/>
+                        </a:rPr>
+                        <a:t> Pediatric                     </a:t>
+                      </a:r>
+                    </a:p>
+                  </a:txBody>
+                  <a:tcPr marL="6350" marR="6350" marT="6350" marB="0" anchor="b"/>
+                </a:tc>
+                <a:extLst>
+                  <a:ext uri="{0D108BD9-81ED-4DB2-BD59-A6C34878D82A}">
+                    <a16:rowId xmlns:a16="http://schemas.microsoft.com/office/drawing/2014/main" val="4049961329"/>
+                  </a:ext>
+                </a:extLst>
+              </a:tr>
+              <a:tr h="0">
+                <a:tc>
+                  <a:txBody>
+                    <a:bodyPr/>
+                    <a:lstStyle/>
+                    <a:p>
+                      <a:pPr algn="l" fontAlgn="b"/>
+                      <a:r>
+                        <a:rPr lang="en-US" sz="1600" b="0" i="0" u="none" strike="noStrike">
+                          <a:solidFill>
+                            <a:srgbClr val="000000"/>
+                          </a:solidFill>
+                          <a:effectLst/>
+                          <a:latin typeface="Aptos Narrow" panose="020B0004020202020204" pitchFamily="34" charset="0"/>
+                        </a:rPr>
+                        <a:t>Jun Xing              </a:t>
+                      </a:r>
+                    </a:p>
+                  </a:txBody>
+                  <a:tcPr marL="6350" marR="6350" marT="6350" marB="0" anchor="b"/>
+                </a:tc>
+                <a:tc>
+                  <a:txBody>
+                    <a:bodyPr/>
+                    <a:lstStyle/>
+                    <a:p>
+                      <a:pPr algn="l" fontAlgn="b"/>
+                      <a:r>
+                        <a:rPr lang="en-US" sz="1600" b="0" i="0" u="none" strike="noStrike">
+                          <a:solidFill>
+                            <a:srgbClr val="000000"/>
+                          </a:solidFill>
+                          <a:effectLst/>
+                          <a:latin typeface="Aptos Narrow" panose="020B0004020202020204" pitchFamily="34" charset="0"/>
+                        </a:rPr>
+                        <a:t> Sanofi   </a:t>
+                      </a:r>
+                    </a:p>
+                  </a:txBody>
+                  <a:tcPr marL="6350" marR="6350" marT="6350" marB="0" anchor="b"/>
+                </a:tc>
+                <a:tc>
+                  <a:txBody>
+                    <a:bodyPr/>
+                    <a:lstStyle/>
+                    <a:p>
+                      <a:pPr algn="l" fontAlgn="b"/>
+                      <a:r>
+                        <a:rPr lang="en-US" sz="1600" b="0" i="0" u="none" strike="noStrike">
+                          <a:solidFill>
+                            <a:srgbClr val="000000"/>
+                          </a:solidFill>
+                          <a:effectLst/>
+                          <a:latin typeface="Aptos Narrow" panose="020B0004020202020204" pitchFamily="34" charset="0"/>
+                        </a:rPr>
+                        <a:t> Jun.Xing@sanofi.com           </a:t>
+                      </a:r>
+                    </a:p>
+                  </a:txBody>
+                  <a:tcPr marL="6350" marR="6350" marT="6350" marB="0" anchor="b"/>
+                </a:tc>
+                <a:tc>
+                  <a:txBody>
+                    <a:bodyPr/>
+                    <a:lstStyle/>
+                    <a:p>
+                      <a:pPr algn="l" fontAlgn="b"/>
+                      <a:r>
+                        <a:rPr lang="en-US" sz="1600" b="0" i="0" u="none" strike="noStrike" dirty="0">
+                          <a:solidFill>
+                            <a:srgbClr val="000000"/>
+                          </a:solidFill>
+                          <a:effectLst/>
+                          <a:latin typeface="Aptos Narrow" panose="020B0004020202020204" pitchFamily="34" charset="0"/>
+                        </a:rPr>
+                        <a:t>                               </a:t>
+                      </a:r>
+                    </a:p>
+                  </a:txBody>
+                  <a:tcPr marL="6350" marR="6350" marT="6350" marB="0" anchor="b"/>
+                </a:tc>
+                <a:extLst>
+                  <a:ext uri="{0D108BD9-81ED-4DB2-BD59-A6C34878D82A}">
+                    <a16:rowId xmlns:a16="http://schemas.microsoft.com/office/drawing/2014/main" val="549403685"/>
+                  </a:ext>
+                </a:extLst>
+              </a:tr>
+            </a:tbl>
+          </a:graphicData>
+        </a:graphic>
+      </p:graphicFrame>
+    </p:spTree>
+    <p:extLst>
+      <p:ext uri="{BB962C8B-B14F-4D97-AF65-F5344CB8AC3E}">
+        <p14:creationId xmlns:p14="http://schemas.microsoft.com/office/powerpoint/2010/main" val="2369894201"/>
+      </p:ext>
+    </p:extLst>
+  </p:cSld>
+  <p:clrMapOvr>
+    <a:masterClrMapping/>
+  </p:clrMapOvr>
+</p:sld>
+</file>
+
+<file path=ppt/slides/slide4.xml><?xml version="1.0" encoding="utf-8"?>
 <p:sld xmlns:a="http://schemas.openxmlformats.org/drawingml/2006/main" xmlns:r="http://schemas.openxmlformats.org/officeDocument/2006/relationships" xmlns:p="http://schemas.openxmlformats.org/presentationml/2006/main">
   <p:cSld>
     <p:spTree>
@@ -15824,7 +18364,7 @@
           <a:p>
             <a:r>
               <a:rPr lang="en-CA" cap="none" dirty="0"/>
-              <a:t>Challenges and Potential Benefits</a:t>
+              <a:t>Challenges in Clinical Operations and Potential Benefits</a:t>
             </a:r>
           </a:p>
         </p:txBody>
@@ -16035,7 +18575,7 @@
           <a:p>
             <a:fld id="{30E7FCC8-645C-414B-A51E-F39A553B598F}" type="slidenum">
               <a:rPr lang="en-CA" smtClean="0"/>
-              <a:t>2</a:t>
+              <a:t>4</a:t>
             </a:fld>
             <a:endParaRPr lang="en-CA"/>
           </a:p>
@@ -16054,7 +18594,7 @@
 </p:sld>
 </file>
 
-<file path=ppt/slides/slide3.xml><?xml version="1.0" encoding="utf-8"?>
+<file path=ppt/slides/slide5.xml><?xml version="1.0" encoding="utf-8"?>
 <p:sld xmlns:a="http://schemas.openxmlformats.org/drawingml/2006/main" xmlns:r="http://schemas.openxmlformats.org/officeDocument/2006/relationships" xmlns:p="http://schemas.openxmlformats.org/presentationml/2006/main">
   <p:cSld>
     <p:spTree>
@@ -16100,7 +18640,7 @@
           <a:p>
             <a:r>
               <a:rPr lang="en-CA" dirty="0"/>
-              <a:t>Primary Goals</a:t>
+              <a:t>Primary Goals of Efficiency+</a:t>
             </a:r>
           </a:p>
         </p:txBody>
@@ -16130,19 +18670,67 @@
           <a:p>
             <a:r>
               <a:rPr lang="en-US" sz="2000" dirty="0"/>
-              <a:t>Create a collaborative platform for statisticians, clinical operational experts, and regulators</a:t>
+              <a:t>Create a </a:t>
             </a:r>
-          </a:p>
-          <a:p>
+            <a:r>
+              <a:rPr lang="en-US" sz="2000" dirty="0">
+                <a:solidFill>
+                  <a:srgbClr val="FF0000"/>
+                </a:solidFill>
+              </a:rPr>
+              <a:t>collaborative</a:t>
+            </a:r>
             <a:r>
               <a:rPr lang="en-US" sz="2000" dirty="0"/>
-              <a:t>Facilitate the exchange of insights, experiences, and best practices</a:t>
+              <a:t> platform for statisticians, clinical operational experts, and regulators</a:t>
             </a:r>
           </a:p>
           <a:p>
             <a:r>
               <a:rPr lang="en-US" sz="2000" dirty="0"/>
-              <a:t>Identify, evaluate, develop, and promote statistical methods and operational strategies to improve the efficiency of clinical trial execution, including:</a:t>
+              <a:t>Facilitate the </a:t>
+            </a:r>
+            <a:r>
+              <a:rPr lang="en-US" sz="2000" dirty="0">
+                <a:solidFill>
+                  <a:srgbClr val="FF0000"/>
+                </a:solidFill>
+              </a:rPr>
+              <a:t>exchange</a:t>
+            </a:r>
+            <a:r>
+              <a:rPr lang="en-US" sz="2000" dirty="0"/>
+              <a:t> of insights, experiences, and best practices</a:t>
+            </a:r>
+          </a:p>
+          <a:p>
+            <a:r>
+              <a:rPr lang="en-US" sz="2000" dirty="0"/>
+              <a:t>Identify, evaluate, develop, and promote </a:t>
+            </a:r>
+            <a:r>
+              <a:rPr lang="en-US" sz="2000" dirty="0">
+                <a:solidFill>
+                  <a:srgbClr val="FF0000"/>
+                </a:solidFill>
+              </a:rPr>
+              <a:t>statistical methods </a:t>
+            </a:r>
+            <a:r>
+              <a:rPr lang="en-US" sz="2000" dirty="0"/>
+              <a:t>and operational strategies to </a:t>
+            </a:r>
+            <a:r>
+              <a:rPr lang="en-US" sz="2000" dirty="0">
+                <a:solidFill>
+                  <a:srgbClr val="FF0000"/>
+                </a:solidFill>
+              </a:rPr>
+              <a:t>improve</a:t>
+            </a:r>
+            <a:r>
+              <a:rPr lang="en-US" sz="2000" dirty="0"/>
+              <a:t> the efficiency of clinical trial execution, including:</a:t>
             </a:r>
           </a:p>
           <a:p>
@@ -16212,7 +18800,7 @@
           <a:p>
             <a:fld id="{30E7FCC8-645C-414B-A51E-F39A553B598F}" type="slidenum">
               <a:rPr lang="en-CA" smtClean="0"/>
-              <a:t>3</a:t>
+              <a:t>5</a:t>
             </a:fld>
             <a:endParaRPr lang="en-CA"/>
           </a:p>
@@ -16231,7 +18819,7 @@
 </p:sld>
 </file>
 
-<file path=ppt/slides/slide4.xml><?xml version="1.0" encoding="utf-8"?>
+<file path=ppt/slides/slide6.xml><?xml version="1.0" encoding="utf-8"?>
 <p:sld xmlns:a="http://schemas.openxmlformats.org/drawingml/2006/main" xmlns:r="http://schemas.openxmlformats.org/officeDocument/2006/relationships" xmlns:p="http://schemas.openxmlformats.org/presentationml/2006/main">
   <p:cSld>
     <p:bg>
@@ -16375,7 +18963,7 @@
                   <a:spcPts val="600"/>
                 </a:spcAft>
               </a:pPr>
-              <a:t>4</a:t>
+              <a:t>6</a:t>
             </a:fld>
             <a:endParaRPr lang="en-CA"/>
           </a:p>
@@ -16425,159 +19013,7 @@
 </p:sld>
 </file>
 
-<file path=ppt/slides/slide5.xml><?xml version="1.0" encoding="utf-8"?>
-<p:sld xmlns:a="http://schemas.openxmlformats.org/drawingml/2006/main" xmlns:r="http://schemas.openxmlformats.org/officeDocument/2006/relationships" xmlns:p="http://schemas.openxmlformats.org/presentationml/2006/main">
-  <p:cSld>
-    <p:spTree>
-      <p:nvGrpSpPr>
-        <p:cNvPr id="1" name=""/>
-        <p:cNvGrpSpPr/>
-        <p:nvPr/>
-      </p:nvGrpSpPr>
-      <p:grpSpPr>
-        <a:xfrm>
-          <a:off x="0" y="0"/>
-          <a:ext cx="0" cy="0"/>
-          <a:chOff x="0" y="0"/>
-          <a:chExt cx="0" cy="0"/>
-        </a:xfrm>
-      </p:grpSpPr>
-      <p:sp>
-        <p:nvSpPr>
-          <p:cNvPr id="2" name="Title 1">
-            <a:extLst>
-              <a:ext uri="{FF2B5EF4-FFF2-40B4-BE49-F238E27FC236}">
-                <a16:creationId xmlns:a16="http://schemas.microsoft.com/office/drawing/2014/main" id="{071DFBBE-493D-7146-D4FA-5A4CA151B4A3}"/>
-              </a:ext>
-            </a:extLst>
-          </p:cNvPr>
-          <p:cNvSpPr>
-            <a:spLocks noGrp="1"/>
-          </p:cNvSpPr>
-          <p:nvPr>
-            <p:ph type="title"/>
-          </p:nvPr>
-        </p:nvSpPr>
-        <p:spPr/>
-        <p:txBody>
-          <a:bodyPr/>
-          <a:lstStyle/>
-          <a:p>
-            <a:r>
-              <a:rPr lang="en-CA" dirty="0"/>
-              <a:t>Target SWG Membership</a:t>
-            </a:r>
-          </a:p>
-        </p:txBody>
-      </p:sp>
-      <p:graphicFrame>
-        <p:nvGraphicFramePr>
-          <p:cNvPr id="7" name="Content Placeholder 2">
-            <a:extLst>
-              <a:ext uri="{FF2B5EF4-FFF2-40B4-BE49-F238E27FC236}">
-                <a16:creationId xmlns:a16="http://schemas.microsoft.com/office/drawing/2014/main" id="{B6EB868F-0F0E-37EF-BFDE-1A0A5263BE8B}"/>
-              </a:ext>
-            </a:extLst>
-          </p:cNvPr>
-          <p:cNvGraphicFramePr>
-            <a:graphicFrameLocks noGrp="1"/>
-          </p:cNvGraphicFramePr>
-          <p:nvPr>
-            <p:ph idx="1"/>
-            <p:extLst>
-              <p:ext uri="{D42A27DB-BD31-4B8C-83A1-F6EECF244321}">
-                <p14:modId xmlns:p14="http://schemas.microsoft.com/office/powerpoint/2010/main" val="4165877634"/>
-              </p:ext>
-            </p:extLst>
-          </p:nvPr>
-        </p:nvGraphicFramePr>
-        <p:xfrm>
-          <a:off x="581192" y="1913796"/>
-          <a:ext cx="11029615" cy="3678303"/>
-        </p:xfrm>
-        <a:graphic>
-          <a:graphicData uri="http://schemas.openxmlformats.org/drawingml/2006/diagram">
-            <dgm:relIds xmlns:dgm="http://schemas.openxmlformats.org/drawingml/2006/diagram" xmlns:r="http://schemas.openxmlformats.org/officeDocument/2006/relationships" r:dm="rId4" r:lo="rId5" r:qs="rId6" r:cs="rId7"/>
-          </a:graphicData>
-        </a:graphic>
-      </p:graphicFrame>
-      <p:sp>
-        <p:nvSpPr>
-          <p:cNvPr id="4" name="Footer Placeholder 3">
-            <a:extLst>
-              <a:ext uri="{FF2B5EF4-FFF2-40B4-BE49-F238E27FC236}">
-                <a16:creationId xmlns:a16="http://schemas.microsoft.com/office/drawing/2014/main" id="{0867BB90-F8AB-3C4A-842A-DDD474F88BFE}"/>
-              </a:ext>
-            </a:extLst>
-          </p:cNvPr>
-          <p:cNvSpPr>
-            <a:spLocks noGrp="1"/>
-          </p:cNvSpPr>
-          <p:nvPr>
-            <p:ph type="ftr" sz="quarter" idx="11"/>
-            <p:custDataLst>
-              <p:tags r:id="rId1"/>
-            </p:custDataLst>
-          </p:nvPr>
-        </p:nvSpPr>
-        <p:spPr/>
-        <p:txBody>
-          <a:bodyPr/>
-          <a:lstStyle/>
-          <a:p>
-            <a:r>
-              <a:rPr lang="en-CA"/>
-              <a:t>ASA BIOP /// SWG /// EFFICIENCY+</a:t>
-            </a:r>
-          </a:p>
-        </p:txBody>
-      </p:sp>
-      <p:sp>
-        <p:nvSpPr>
-          <p:cNvPr id="5" name="Slide Number Placeholder 4">
-            <a:extLst>
-              <a:ext uri="{FF2B5EF4-FFF2-40B4-BE49-F238E27FC236}">
-                <a16:creationId xmlns:a16="http://schemas.microsoft.com/office/drawing/2014/main" id="{B2E492F1-C3FE-1EED-C302-09320A6CB427}"/>
-              </a:ext>
-            </a:extLst>
-          </p:cNvPr>
-          <p:cNvSpPr>
-            <a:spLocks noGrp="1"/>
-          </p:cNvSpPr>
-          <p:nvPr>
-            <p:ph type="sldNum" sz="quarter" idx="12"/>
-            <p:custDataLst>
-              <p:tags r:id="rId2"/>
-            </p:custDataLst>
-          </p:nvPr>
-        </p:nvSpPr>
-        <p:spPr/>
-        <p:txBody>
-          <a:bodyPr/>
-          <a:lstStyle/>
-          <a:p>
-            <a:fld id="{30E7FCC8-645C-414B-A51E-F39A553B598F}" type="slidenum">
-              <a:rPr lang="en-CA" smtClean="0"/>
-              <a:t>5</a:t>
-            </a:fld>
-            <a:endParaRPr lang="en-CA"/>
-          </a:p>
-        </p:txBody>
-      </p:sp>
-    </p:spTree>
-    <p:extLst>
-      <p:ext uri="{BB962C8B-B14F-4D97-AF65-F5344CB8AC3E}">
-        <p14:creationId xmlns:p14="http://schemas.microsoft.com/office/powerpoint/2010/main" val="1556212172"/>
-      </p:ext>
-    </p:extLst>
-  </p:cSld>
-  <p:clrMapOvr>
-    <a:masterClrMapping/>
-  </p:clrMapOvr>
-</p:sld>
-</file>
-
-<file path=ppt/slides/slide6.xml><?xml version="1.0" encoding="utf-8"?>
+<file path=ppt/slides/slide7.xml><?xml version="1.0" encoding="utf-8"?>
 <p:sld xmlns:a="http://schemas.openxmlformats.org/drawingml/2006/main" xmlns:r="http://schemas.openxmlformats.org/officeDocument/2006/relationships" xmlns:p="http://schemas.openxmlformats.org/presentationml/2006/main">
   <p:cSld>
     <p:spTree>
@@ -16617,7 +19053,7 @@
           <a:p>
             <a:r>
               <a:rPr lang="en-CA" dirty="0"/>
-              <a:t>Proposed Activities</a:t>
+              <a:t>Activities and Timeline</a:t>
             </a:r>
           </a:p>
         </p:txBody>
@@ -16673,7 +19109,7 @@
           <a:p>
             <a:fld id="{30E7FCC8-645C-414B-A51E-F39A553B598F}" type="slidenum">
               <a:rPr lang="en-CA" smtClean="0"/>
-              <a:t>6</a:t>
+              <a:t>7</a:t>
             </a:fld>
             <a:endParaRPr lang="en-CA"/>
           </a:p>
@@ -16720,12 +19156,18 @@
 </p:sld>
 </file>
 
-<file path=ppt/slides/slide7.xml><?xml version="1.0" encoding="utf-8"?>
+<file path=ppt/slides/slide8.xml><?xml version="1.0" encoding="utf-8"?>
 <p:sld xmlns:a="http://schemas.openxmlformats.org/drawingml/2006/main" xmlns:r="http://schemas.openxmlformats.org/officeDocument/2006/relationships" xmlns:p="http://schemas.openxmlformats.org/presentationml/2006/main">
   <p:cSld>
     <p:spTree>
       <p:nvGrpSpPr>
-        <p:cNvPr id="1" name=""/>
+        <p:cNvPr id="1" name="">
+          <a:extLst>
+            <a:ext uri="{FF2B5EF4-FFF2-40B4-BE49-F238E27FC236}">
+              <a16:creationId xmlns:a16="http://schemas.microsoft.com/office/drawing/2014/main" id="{E374B8FE-88C7-0998-C89A-39B73FAE6AAE}"/>
+            </a:ext>
+          </a:extLst>
+        </p:cNvPr>
         <p:cNvGrpSpPr/>
         <p:nvPr/>
       </p:nvGrpSpPr>
@@ -16742,7 +19184,7 @@
           <p:cNvPr id="2" name="Title 1">
             <a:extLst>
               <a:ext uri="{FF2B5EF4-FFF2-40B4-BE49-F238E27FC236}">
-                <a16:creationId xmlns:a16="http://schemas.microsoft.com/office/drawing/2014/main" id="{77552D96-569B-ED66-3AA9-8C9E10FFE835}"/>
+                <a16:creationId xmlns:a16="http://schemas.microsoft.com/office/drawing/2014/main" id="{C00C6B5A-CAA4-D5C0-9433-A60B62D2EE8F}"/>
               </a:ext>
             </a:extLst>
           </p:cNvPr>
@@ -16760,7 +19202,7 @@
           <a:p>
             <a:r>
               <a:rPr lang="en-CA" dirty="0"/>
-              <a:t>Communication and Dissemination</a:t>
+              <a:t>Sub Workstreams</a:t>
             </a:r>
           </a:p>
         </p:txBody>
@@ -16770,7 +19212,7 @@
           <p:cNvPr id="3" name="Content Placeholder 2">
             <a:extLst>
               <a:ext uri="{FF2B5EF4-FFF2-40B4-BE49-F238E27FC236}">
-                <a16:creationId xmlns:a16="http://schemas.microsoft.com/office/drawing/2014/main" id="{D58E569B-A49B-EF95-FBB4-501BCD93C6A2}"/>
+                <a16:creationId xmlns:a16="http://schemas.microsoft.com/office/drawing/2014/main" id="{80F4AFEF-B60C-04A7-78D9-FEB65242DB0B}"/>
               </a:ext>
             </a:extLst>
           </p:cNvPr>
@@ -16781,7 +19223,12 @@
             <p:ph idx="1"/>
           </p:nvPr>
         </p:nvSpPr>
-        <p:spPr/>
+        <p:spPr>
+          <a:xfrm>
+            <a:off x="581192" y="1777042"/>
+            <a:ext cx="11029615" cy="4304581"/>
+          </a:xfrm>
+        </p:spPr>
         <p:txBody>
           <a:bodyPr>
             <a:normAutofit/>
@@ -16790,21 +19237,53 @@
           <a:p>
             <a:r>
               <a:rPr lang="en-US" sz="2000" dirty="0"/>
-              <a:t>White papers, journal articles, and case studies</a:t>
+              <a:t>Literature review, gap analysis and case studies</a:t>
             </a:r>
           </a:p>
           <a:p>
             <a:r>
               <a:rPr lang="en-US" sz="2000" dirty="0"/>
-              <a:t>Presentations at ASA conferences and workshops</a:t>
+              <a:t>Outreach</a:t>
+            </a:r>
+          </a:p>
+          <a:p>
+            <a:pPr lvl="1"/>
+            <a:r>
+              <a:rPr lang="en-US" sz="1800" dirty="0"/>
+              <a:t>Organize invited sessions and short courses</a:t>
             </a:r>
           </a:p>
           <a:p>
             <a:r>
               <a:rPr lang="en-US" sz="2000" dirty="0"/>
-              <a:t>Webinars, online forums, newsletters, and social media channels</a:t>
+              <a:t>Methodology</a:t>
             </a:r>
-            <a:endParaRPr lang="en-CA" sz="2000" dirty="0"/>
+          </a:p>
+          <a:p>
+            <a:pPr lvl="1"/>
+            <a:r>
+              <a:rPr lang="en-US" sz="1800" dirty="0"/>
+              <a:t>Forecast modeling</a:t>
+            </a:r>
+          </a:p>
+          <a:p>
+            <a:pPr lvl="1"/>
+            <a:r>
+              <a:rPr lang="en-US" sz="2000" dirty="0"/>
+              <a:t>Drug supply</a:t>
+            </a:r>
+          </a:p>
+          <a:p>
+            <a:r>
+              <a:rPr lang="en-US" sz="2200" dirty="0"/>
+              <a:t>Regulatory Aspects</a:t>
+            </a:r>
+          </a:p>
+          <a:p>
+            <a:r>
+              <a:rPr lang="en-US" sz="2200" dirty="0"/>
+              <a:t>Explore potential collaborations with other related SWGs</a:t>
+            </a:r>
           </a:p>
         </p:txBody>
       </p:sp>
@@ -16813,7 +19292,7 @@
           <p:cNvPr id="4" name="Footer Placeholder 3">
             <a:extLst>
               <a:ext uri="{FF2B5EF4-FFF2-40B4-BE49-F238E27FC236}">
-                <a16:creationId xmlns:a16="http://schemas.microsoft.com/office/drawing/2014/main" id="{E2377F22-43D8-410B-1372-F7C581DEB31C}"/>
+                <a16:creationId xmlns:a16="http://schemas.microsoft.com/office/drawing/2014/main" id="{71D135BD-2551-C5E9-83C5-EC7922820560}"/>
               </a:ext>
             </a:extLst>
           </p:cNvPr>
@@ -16841,7 +19320,7 @@
           <p:cNvPr id="5" name="Slide Number Placeholder 4">
             <a:extLst>
               <a:ext uri="{FF2B5EF4-FFF2-40B4-BE49-F238E27FC236}">
-                <a16:creationId xmlns:a16="http://schemas.microsoft.com/office/drawing/2014/main" id="{7CE9DFBE-9384-62B2-7D0E-89D98C4CB2AA}"/>
+                <a16:creationId xmlns:a16="http://schemas.microsoft.com/office/drawing/2014/main" id="{9BA8B545-114C-CADE-E034-B7C99F3EB4D8}"/>
               </a:ext>
             </a:extLst>
           </p:cNvPr>
@@ -16859,7 +19338,7 @@
           <a:p>
             <a:fld id="{30E7FCC8-645C-414B-A51E-F39A553B598F}" type="slidenum">
               <a:rPr lang="en-CA" smtClean="0"/>
-              <a:t>7</a:t>
+              <a:t>8</a:t>
             </a:fld>
             <a:endParaRPr lang="en-CA"/>
           </a:p>
@@ -16868,7 +19347,7 @@
     </p:spTree>
     <p:extLst>
       <p:ext uri="{BB962C8B-B14F-4D97-AF65-F5344CB8AC3E}">
-        <p14:creationId xmlns:p14="http://schemas.microsoft.com/office/powerpoint/2010/main" val="3100185276"/>
+        <p14:creationId xmlns:p14="http://schemas.microsoft.com/office/powerpoint/2010/main" val="2867128009"/>
       </p:ext>
     </p:extLst>
   </p:cSld>
@@ -16878,12 +19357,18 @@
 </p:sld>
 </file>
 
-<file path=ppt/slides/slide8.xml><?xml version="1.0" encoding="utf-8"?>
+<file path=ppt/slides/slide9.xml><?xml version="1.0" encoding="utf-8"?>
 <p:sld xmlns:a="http://schemas.openxmlformats.org/drawingml/2006/main" xmlns:r="http://schemas.openxmlformats.org/officeDocument/2006/relationships" xmlns:p="http://schemas.openxmlformats.org/presentationml/2006/main">
   <p:cSld>
     <p:spTree>
       <p:nvGrpSpPr>
-        <p:cNvPr id="1" name=""/>
+        <p:cNvPr id="1" name="">
+          <a:extLst>
+            <a:ext uri="{FF2B5EF4-FFF2-40B4-BE49-F238E27FC236}">
+              <a16:creationId xmlns:a16="http://schemas.microsoft.com/office/drawing/2014/main" id="{384F6554-8565-9867-86AB-44CC00D2AE29}"/>
+            </a:ext>
+          </a:extLst>
+        </p:cNvPr>
         <p:cNvGrpSpPr/>
         <p:nvPr/>
       </p:nvGrpSpPr>
@@ -16900,7 +19385,7 @@
           <p:cNvPr id="2" name="Title 1">
             <a:extLst>
               <a:ext uri="{FF2B5EF4-FFF2-40B4-BE49-F238E27FC236}">
-                <a16:creationId xmlns:a16="http://schemas.microsoft.com/office/drawing/2014/main" id="{BB69FBE9-6B70-D9A3-4F2D-870F52DD4CAC}"/>
+                <a16:creationId xmlns:a16="http://schemas.microsoft.com/office/drawing/2014/main" id="{BF21CBD0-DD6E-6E51-12C4-558D08E57A67}"/>
               </a:ext>
             </a:extLst>
           </p:cNvPr>
@@ -16917,8 +19402,8 @@
           <a:lstStyle/>
           <a:p>
             <a:r>
-              <a:rPr lang="en-CA" dirty="0"/>
-              <a:t>Existing SWGs – for awareness and potential collaborations</a:t>
+              <a:rPr lang="en-CA"/>
+              <a:t>Deliverables</a:t>
             </a:r>
           </a:p>
         </p:txBody>
@@ -16928,7 +19413,7 @@
           <p:cNvPr id="3" name="Content Placeholder 2">
             <a:extLst>
               <a:ext uri="{FF2B5EF4-FFF2-40B4-BE49-F238E27FC236}">
-                <a16:creationId xmlns:a16="http://schemas.microsoft.com/office/drawing/2014/main" id="{FA6CD18B-BEF1-EAC1-435C-8EF1B7BEDEAA}"/>
+                <a16:creationId xmlns:a16="http://schemas.microsoft.com/office/drawing/2014/main" id="{A781DB4F-B801-7ED8-2645-9BB30BC75CB9}"/>
               </a:ext>
             </a:extLst>
           </p:cNvPr>
@@ -16939,7 +19424,12 @@
             <p:ph idx="1"/>
           </p:nvPr>
         </p:nvSpPr>
-        <p:spPr/>
+        <p:spPr>
+          <a:xfrm>
+            <a:off x="581192" y="1777042"/>
+            <a:ext cx="11029615" cy="4304581"/>
+          </a:xfrm>
+        </p:spPr>
         <p:txBody>
           <a:bodyPr>
             <a:normAutofit/>
@@ -16947,27 +19437,70 @@
           <a:lstStyle/>
           <a:p>
             <a:r>
-              <a:rPr lang="en-CA" dirty="0"/>
-              <a:t>Centralized Statistical Monitoring and Quality Tolerance Limit SWG: Focuses on statistical thresholds and site performance monitoring</a:t>
+              <a:rPr lang="en-US" sz="2000" dirty="0"/>
+              <a:t>Publications</a:t>
             </a:r>
           </a:p>
           <a:p>
+            <a:pPr lvl="1"/>
             <a:r>
-              <a:rPr lang="en-CA" dirty="0"/>
-              <a:t>AI/ML SWG: Applies AI and machine learning for predictive modeling in recruitment and site selection</a:t>
+              <a:rPr lang="en-US" sz="1800" dirty="0"/>
+              <a:t>Special issues Journal of Biopharmaceutical Statistics., Statistics in Medicine</a:t>
             </a:r>
           </a:p>
           <a:p>
+            <a:pPr lvl="1"/>
             <a:r>
-              <a:rPr lang="en-CA" dirty="0"/>
-              <a:t>Software Engineering SWG: Enhances software development processes impacting trial efficiency</a:t>
+              <a:rPr lang="en-US" sz="1800" dirty="0"/>
+              <a:t>Journal articles, white papers</a:t>
             </a:r>
           </a:p>
           <a:p>
+            <a:pPr lvl="1"/>
             <a:r>
-              <a:rPr lang="en-CA" dirty="0"/>
-              <a:t>Bayesian SWG: Specializes in Bayesian methodologies for trial design and data analysis</a:t>
+              <a:rPr lang="en-US" sz="1800" dirty="0"/>
+              <a:t>Maintaining web page</a:t>
             </a:r>
+          </a:p>
+          <a:p>
+            <a:pPr lvl="1"/>
+            <a:r>
+              <a:rPr lang="en-US" sz="1800" dirty="0"/>
+              <a:t>Webinars,  </a:t>
+            </a:r>
+            <a:r>
+              <a:rPr lang="en-US" sz="1800" dirty="0" err="1"/>
+              <a:t>Amstat</a:t>
+            </a:r>
+            <a:r>
+              <a:rPr lang="en-US" sz="1800" dirty="0"/>
+              <a:t> newsletters, and social media channels</a:t>
+            </a:r>
+          </a:p>
+          <a:p>
+            <a:r>
+              <a:rPr lang="en-US" sz="2000" dirty="0"/>
+              <a:t>What else</a:t>
+            </a:r>
+          </a:p>
+          <a:p>
+            <a:pPr lvl="1"/>
+            <a:r>
+              <a:rPr lang="en-US" sz="1800" dirty="0"/>
+              <a:t>R packages/shiny apps/</a:t>
+            </a:r>
+            <a:r>
+              <a:rPr lang="en-US" sz="1800" dirty="0" err="1"/>
+              <a:t>etc</a:t>
+            </a:r>
+            <a:r>
+              <a:rPr lang="en-US" sz="1800"/>
+              <a:t>?</a:t>
+            </a:r>
+          </a:p>
+          <a:p>
+            <a:pPr lvl="1"/>
+            <a:endParaRPr lang="en-CA" sz="1800"/>
           </a:p>
         </p:txBody>
       </p:sp>
@@ -16976,7 +19509,7 @@
           <p:cNvPr id="4" name="Footer Placeholder 3">
             <a:extLst>
               <a:ext uri="{FF2B5EF4-FFF2-40B4-BE49-F238E27FC236}">
-                <a16:creationId xmlns:a16="http://schemas.microsoft.com/office/drawing/2014/main" id="{CA323667-3B4A-3E61-32BA-F7BE73E50AA7}"/>
+                <a16:creationId xmlns:a16="http://schemas.microsoft.com/office/drawing/2014/main" id="{9E4E273B-3280-FC0E-22CD-C3BB84C79A38}"/>
               </a:ext>
             </a:extLst>
           </p:cNvPr>
@@ -17004,7 +19537,7 @@
           <p:cNvPr id="5" name="Slide Number Placeholder 4">
             <a:extLst>
               <a:ext uri="{FF2B5EF4-FFF2-40B4-BE49-F238E27FC236}">
-                <a16:creationId xmlns:a16="http://schemas.microsoft.com/office/drawing/2014/main" id="{66F5B7FE-BE05-81FF-8710-7C2FCB567D44}"/>
+                <a16:creationId xmlns:a16="http://schemas.microsoft.com/office/drawing/2014/main" id="{790D461D-BDD4-3A38-5243-16843019FC94}"/>
               </a:ext>
             </a:extLst>
           </p:cNvPr>
@@ -17022,7 +19555,7 @@
           <a:p>
             <a:fld id="{30E7FCC8-645C-414B-A51E-F39A553B598F}" type="slidenum">
               <a:rPr lang="en-CA" smtClean="0"/>
-              <a:t>8</a:t>
+              <a:t>9</a:t>
             </a:fld>
             <a:endParaRPr lang="en-CA"/>
           </a:p>
@@ -17031,7 +19564,7 @@
     </p:spTree>
     <p:extLst>
       <p:ext uri="{BB962C8B-B14F-4D97-AF65-F5344CB8AC3E}">
-        <p14:creationId xmlns:p14="http://schemas.microsoft.com/office/powerpoint/2010/main" val="2577333720"/>
+        <p14:creationId xmlns:p14="http://schemas.microsoft.com/office/powerpoint/2010/main" val="3592028081"/>
       </p:ext>
     </p:extLst>
   </p:cSld>
@@ -17654,4 +20187,10 @@
     </a:ext>
   </a:extLst>
 </a:theme>
+</file>
+
+<file path=docMetadata/LabelInfo.xml><?xml version="1.0" encoding="utf-8"?>
+<clbl:labelList xmlns:clbl="http://schemas.microsoft.com/office/2020/mipLabelMetadata">
+  <clbl:label id="{3ca48ea3-8c75-4d36-b64f-70604b11fd22}" enabled="1" method="Standard" siteId="{3ac94b33-9135-4821-9502-eafda6592a35}" removed="0"/>
+</clbl:labelList>
 </file>